--- a/curriculum/Unit5/Unit 5 Slides.pptx
+++ b/curriculum/Unit5/Unit 5 Slides.pptx
@@ -2,23 +2,23 @@
 <file path=ppt/presentation.xml><?xml version="1.0" encoding="utf-8"?>
 <p:presentation xmlns:a="http://schemas.openxmlformats.org/drawingml/2006/main" xmlns:r="http://schemas.openxmlformats.org/officeDocument/2006/relationships" xmlns:p="http://schemas.openxmlformats.org/presentationml/2006/main" saveSubsetFonts="1" autoCompressPictures="0">
   <p:sldMasterIdLst>
-    <p:sldMasterId id="2147483648" r:id="rId1"/>
+    <p:sldMasterId id="2147483648" r:id="rId4"/>
   </p:sldMasterIdLst>
   <p:notesMasterIdLst>
-    <p:notesMasterId r:id="rId10"/>
+    <p:notesMasterId r:id="rId13"/>
   </p:notesMasterIdLst>
   <p:handoutMasterIdLst>
-    <p:handoutMasterId r:id="rId11"/>
+    <p:handoutMasterId r:id="rId14"/>
   </p:handoutMasterIdLst>
   <p:sldIdLst>
-    <p:sldId id="271" r:id="rId2"/>
-    <p:sldId id="282" r:id="rId3"/>
-    <p:sldId id="278" r:id="rId4"/>
-    <p:sldId id="276" r:id="rId5"/>
-    <p:sldId id="273" r:id="rId6"/>
-    <p:sldId id="272" r:id="rId7"/>
-    <p:sldId id="281" r:id="rId8"/>
-    <p:sldId id="283" r:id="rId9"/>
+    <p:sldId id="271" r:id="rId5"/>
+    <p:sldId id="282" r:id="rId6"/>
+    <p:sldId id="278" r:id="rId7"/>
+    <p:sldId id="276" r:id="rId8"/>
+    <p:sldId id="273" r:id="rId9"/>
+    <p:sldId id="272" r:id="rId10"/>
+    <p:sldId id="281" r:id="rId11"/>
+    <p:sldId id="283" r:id="rId12"/>
   </p:sldIdLst>
   <p:sldSz cx="9144000" cy="6858000" type="screen4x3"/>
   <p:notesSz cx="6858000" cy="9144000"/>
@@ -117,6 +117,22 @@
       </a:defRPr>
     </a:lvl9pPr>
   </p:defaultTextStyle>
+  <p:extLst>
+    <p:ext uri="{EFAFB233-063F-42B5-8137-9DF3F51BA10A}">
+      <p15:sldGuideLst xmlns:p15="http://schemas.microsoft.com/office/powerpoint/2012/main">
+        <p15:guide id="1" orient="horz" pos="2160">
+          <p15:clr>
+            <a:srgbClr val="A4A3A4"/>
+          </p15:clr>
+        </p15:guide>
+        <p15:guide id="2" pos="2880">
+          <p15:clr>
+            <a:srgbClr val="A4A3A4"/>
+          </p15:clr>
+        </p15:guide>
+      </p15:sldGuideLst>
+    </p:ext>
+  </p:extLst>
 </p:presentation>
 </file>
 
@@ -202,7 +218,7 @@
           <a:p>
             <a:fld id="{6D0754E3-E03E-ED44-9A59-706283C2F2CC}" type="datetimeFigureOut">
               <a:rPr lang="en-US" smtClean="0"/>
-              <a:t>7/1/15</a:t>
+              <a:t>2/18/2020</a:t>
             </a:fld>
             <a:endParaRPr lang="en-US"/>
           </a:p>
@@ -368,7 +384,7 @@
           <a:p>
             <a:fld id="{44996FB4-6AD2-FE4B-B45E-D44A9C110DAF}" type="datetimeFigureOut">
               <a:rPr lang="en-US" smtClean="0"/>
-              <a:t>7/1/15</a:t>
+              <a:t>2/18/2020</a:t>
             </a:fld>
             <a:endParaRPr lang="en-US"/>
           </a:p>
@@ -432,38 +448,37 @@
           <a:p>
             <a:pPr lvl="0"/>
             <a:r>
-              <a:rPr lang="en-US" smtClean="0"/>
+              <a:rPr lang="en-US"/>
               <a:t>Click to edit Master text styles</a:t>
             </a:r>
           </a:p>
           <a:p>
             <a:pPr lvl="1"/>
             <a:r>
-              <a:rPr lang="en-US" smtClean="0"/>
+              <a:rPr lang="en-US"/>
               <a:t>Second level</a:t>
             </a:r>
           </a:p>
           <a:p>
             <a:pPr lvl="2"/>
             <a:r>
-              <a:rPr lang="en-US" smtClean="0"/>
+              <a:rPr lang="en-US"/>
               <a:t>Third level</a:t>
             </a:r>
           </a:p>
           <a:p>
             <a:pPr lvl="3"/>
             <a:r>
-              <a:rPr lang="en-US" smtClean="0"/>
+              <a:rPr lang="en-US"/>
               <a:t>Fourth level</a:t>
             </a:r>
           </a:p>
           <a:p>
             <a:pPr lvl="4"/>
             <a:r>
-              <a:rPr lang="en-US" smtClean="0"/>
+              <a:rPr lang="en-US"/>
               <a:t>Fifth level</a:t>
             </a:r>
-            <a:endParaRPr lang="en-US"/>
           </a:p>
         </p:txBody>
       </p:sp>
@@ -759,10 +774,9 @@
           <a:lstStyle/>
           <a:p>
             <a:r>
-              <a:rPr lang="en-US" smtClean="0"/>
+              <a:rPr lang="en-US"/>
               <a:t>Click to edit Master title style</a:t>
             </a:r>
-            <a:endParaRPr lang="en-US"/>
           </a:p>
         </p:txBody>
       </p:sp>
@@ -878,10 +892,9 @@
           </a:lstStyle>
           <a:p>
             <a:r>
-              <a:rPr lang="en-US" smtClean="0"/>
+              <a:rPr lang="en-US"/>
               <a:t>Click to edit Master subtitle style</a:t>
             </a:r>
-            <a:endParaRPr lang="en-US"/>
           </a:p>
         </p:txBody>
       </p:sp>
@@ -902,7 +915,7 @@
           <a:p>
             <a:fld id="{34990CC2-A8CC-B149-BA8F-DDB0E524EE45}" type="datetime1">
               <a:rPr lang="en-US" smtClean="0"/>
-              <a:t>7/1/15</a:t>
+              <a:t>2/18/2020</a:t>
             </a:fld>
             <a:endParaRPr lang="en-US"/>
           </a:p>
@@ -924,10 +937,9 @@
           <a:lstStyle/>
           <a:p>
             <a:r>
-              <a:rPr lang="en-US" smtClean="0"/>
+              <a:rPr lang="en-US"/>
               <a:t>Developed by TEALS in 2015  www.tealsk12.org</a:t>
             </a:r>
-            <a:endParaRPr lang="en-US"/>
           </a:p>
         </p:txBody>
       </p:sp>
@@ -1000,10 +1012,9 @@
           <a:lstStyle/>
           <a:p>
             <a:r>
-              <a:rPr lang="en-US" smtClean="0"/>
+              <a:rPr lang="en-US"/>
               <a:t>Click to edit Master title style</a:t>
             </a:r>
-            <a:endParaRPr lang="en-US"/>
           </a:p>
         </p:txBody>
       </p:sp>
@@ -1024,38 +1035,37 @@
           <a:p>
             <a:pPr lvl="0"/>
             <a:r>
-              <a:rPr lang="en-US" smtClean="0"/>
+              <a:rPr lang="en-US"/>
               <a:t>Click to edit Master text styles</a:t>
             </a:r>
           </a:p>
           <a:p>
             <a:pPr lvl="1"/>
             <a:r>
-              <a:rPr lang="en-US" smtClean="0"/>
+              <a:rPr lang="en-US"/>
               <a:t>Second level</a:t>
             </a:r>
           </a:p>
           <a:p>
             <a:pPr lvl="2"/>
             <a:r>
-              <a:rPr lang="en-US" smtClean="0"/>
+              <a:rPr lang="en-US"/>
               <a:t>Third level</a:t>
             </a:r>
           </a:p>
           <a:p>
             <a:pPr lvl="3"/>
             <a:r>
-              <a:rPr lang="en-US" smtClean="0"/>
+              <a:rPr lang="en-US"/>
               <a:t>Fourth level</a:t>
             </a:r>
           </a:p>
           <a:p>
             <a:pPr lvl="4"/>
             <a:r>
-              <a:rPr lang="en-US" smtClean="0"/>
+              <a:rPr lang="en-US"/>
               <a:t>Fifth level</a:t>
             </a:r>
-            <a:endParaRPr lang="en-US"/>
           </a:p>
         </p:txBody>
       </p:sp>
@@ -1076,7 +1086,7 @@
           <a:p>
             <a:fld id="{96267D05-F6C2-F64A-9C7F-A94B43164B5C}" type="datetime1">
               <a:rPr lang="en-US" smtClean="0"/>
-              <a:t>7/1/15</a:t>
+              <a:t>2/18/2020</a:t>
             </a:fld>
             <a:endParaRPr lang="en-US"/>
           </a:p>
@@ -1098,10 +1108,9 @@
           <a:lstStyle/>
           <a:p>
             <a:r>
-              <a:rPr lang="en-US" smtClean="0"/>
+              <a:rPr lang="en-US"/>
               <a:t>Developed by TEALS in 2015  www.tealsk12.org</a:t>
             </a:r>
-            <a:endParaRPr lang="en-US"/>
           </a:p>
         </p:txBody>
       </p:sp>
@@ -1179,10 +1188,9 @@
           <a:lstStyle/>
           <a:p>
             <a:r>
-              <a:rPr lang="en-US" smtClean="0"/>
+              <a:rPr lang="en-US"/>
               <a:t>Click to edit Master title style</a:t>
             </a:r>
-            <a:endParaRPr lang="en-US"/>
           </a:p>
         </p:txBody>
       </p:sp>
@@ -1208,38 +1216,37 @@
           <a:p>
             <a:pPr lvl="0"/>
             <a:r>
-              <a:rPr lang="en-US" smtClean="0"/>
+              <a:rPr lang="en-US"/>
               <a:t>Click to edit Master text styles</a:t>
             </a:r>
           </a:p>
           <a:p>
             <a:pPr lvl="1"/>
             <a:r>
-              <a:rPr lang="en-US" smtClean="0"/>
+              <a:rPr lang="en-US"/>
               <a:t>Second level</a:t>
             </a:r>
           </a:p>
           <a:p>
             <a:pPr lvl="2"/>
             <a:r>
-              <a:rPr lang="en-US" smtClean="0"/>
+              <a:rPr lang="en-US"/>
               <a:t>Third level</a:t>
             </a:r>
           </a:p>
           <a:p>
             <a:pPr lvl="3"/>
             <a:r>
-              <a:rPr lang="en-US" smtClean="0"/>
+              <a:rPr lang="en-US"/>
               <a:t>Fourth level</a:t>
             </a:r>
           </a:p>
           <a:p>
             <a:pPr lvl="4"/>
             <a:r>
-              <a:rPr lang="en-US" smtClean="0"/>
+              <a:rPr lang="en-US"/>
               <a:t>Fifth level</a:t>
             </a:r>
-            <a:endParaRPr lang="en-US"/>
           </a:p>
         </p:txBody>
       </p:sp>
@@ -1260,7 +1267,7 @@
           <a:p>
             <a:fld id="{087C1978-9D0A-A345-9E84-F995A3601C8E}" type="datetime1">
               <a:rPr lang="en-US" smtClean="0"/>
-              <a:t>7/1/15</a:t>
+              <a:t>2/18/2020</a:t>
             </a:fld>
             <a:endParaRPr lang="en-US"/>
           </a:p>
@@ -1282,10 +1289,9 @@
           <a:lstStyle/>
           <a:p>
             <a:r>
-              <a:rPr lang="en-US" smtClean="0"/>
+              <a:rPr lang="en-US"/>
               <a:t>Developed by TEALS in 2015  www.tealsk12.org</a:t>
             </a:r>
-            <a:endParaRPr lang="en-US"/>
           </a:p>
         </p:txBody>
       </p:sp>
@@ -1358,10 +1364,9 @@
           <a:lstStyle/>
           <a:p>
             <a:r>
-              <a:rPr lang="en-US" smtClean="0"/>
+              <a:rPr lang="en-US"/>
               <a:t>Click to edit Master title style</a:t>
             </a:r>
-            <a:endParaRPr lang="en-US"/>
           </a:p>
         </p:txBody>
       </p:sp>
@@ -1382,38 +1387,37 @@
           <a:p>
             <a:pPr lvl="0"/>
             <a:r>
-              <a:rPr lang="en-US" smtClean="0"/>
+              <a:rPr lang="en-US"/>
               <a:t>Click to edit Master text styles</a:t>
             </a:r>
           </a:p>
           <a:p>
             <a:pPr lvl="1"/>
             <a:r>
-              <a:rPr lang="en-US" smtClean="0"/>
+              <a:rPr lang="en-US"/>
               <a:t>Second level</a:t>
             </a:r>
           </a:p>
           <a:p>
             <a:pPr lvl="2"/>
             <a:r>
-              <a:rPr lang="en-US" smtClean="0"/>
+              <a:rPr lang="en-US"/>
               <a:t>Third level</a:t>
             </a:r>
           </a:p>
           <a:p>
             <a:pPr lvl="3"/>
             <a:r>
-              <a:rPr lang="en-US" smtClean="0"/>
+              <a:rPr lang="en-US"/>
               <a:t>Fourth level</a:t>
             </a:r>
           </a:p>
           <a:p>
             <a:pPr lvl="4"/>
             <a:r>
-              <a:rPr lang="en-US" smtClean="0"/>
+              <a:rPr lang="en-US"/>
               <a:t>Fifth level</a:t>
             </a:r>
-            <a:endParaRPr lang="en-US"/>
           </a:p>
         </p:txBody>
       </p:sp>
@@ -1434,7 +1438,7 @@
           <a:p>
             <a:fld id="{620CD570-9DDA-524E-9F58-9DBC8D3A8C31}" type="datetime1">
               <a:rPr lang="en-US" smtClean="0"/>
-              <a:t>7/1/15</a:t>
+              <a:t>2/18/2020</a:t>
             </a:fld>
             <a:endParaRPr lang="en-US"/>
           </a:p>
@@ -1456,10 +1460,9 @@
           <a:lstStyle/>
           <a:p>
             <a:r>
-              <a:rPr lang="en-US" smtClean="0"/>
+              <a:rPr lang="en-US"/>
               <a:t>Developed by TEALS in 2015  www.tealsk12.org</a:t>
             </a:r>
-            <a:endParaRPr lang="en-US"/>
           </a:p>
         </p:txBody>
       </p:sp>
@@ -1541,10 +1544,9 @@
           </a:lstStyle>
           <a:p>
             <a:r>
-              <a:rPr lang="en-US" smtClean="0"/>
+              <a:rPr lang="en-US"/>
               <a:t>Click to edit Master title style</a:t>
             </a:r>
-            <a:endParaRPr lang="en-US"/>
           </a:p>
         </p:txBody>
       </p:sp>
@@ -1661,7 +1663,7 @@
           <a:p>
             <a:pPr lvl="0"/>
             <a:r>
-              <a:rPr lang="en-US" smtClean="0"/>
+              <a:rPr lang="en-US"/>
               <a:t>Click to edit Master text styles</a:t>
             </a:r>
           </a:p>
@@ -1684,7 +1686,7 @@
           <a:p>
             <a:fld id="{FEBAD56B-400E-5542-B4A1-CD46AB8B4D0E}" type="datetime1">
               <a:rPr lang="en-US" smtClean="0"/>
-              <a:t>7/1/15</a:t>
+              <a:t>2/18/2020</a:t>
             </a:fld>
             <a:endParaRPr lang="en-US"/>
           </a:p>
@@ -1706,10 +1708,9 @@
           <a:lstStyle/>
           <a:p>
             <a:r>
-              <a:rPr lang="en-US" smtClean="0"/>
+              <a:rPr lang="en-US"/>
               <a:t>Developed by TEALS in 2015  www.tealsk12.org</a:t>
             </a:r>
-            <a:endParaRPr lang="en-US"/>
           </a:p>
         </p:txBody>
       </p:sp>
@@ -1782,10 +1783,9 @@
           <a:lstStyle/>
           <a:p>
             <a:r>
-              <a:rPr lang="en-US" smtClean="0"/>
+              <a:rPr lang="en-US"/>
               <a:t>Click to edit Master title style</a:t>
             </a:r>
-            <a:endParaRPr lang="en-US"/>
           </a:p>
         </p:txBody>
       </p:sp>
@@ -1839,38 +1839,37 @@
           <a:p>
             <a:pPr lvl="0"/>
             <a:r>
-              <a:rPr lang="en-US" smtClean="0"/>
+              <a:rPr lang="en-US"/>
               <a:t>Click to edit Master text styles</a:t>
             </a:r>
           </a:p>
           <a:p>
             <a:pPr lvl="1"/>
             <a:r>
-              <a:rPr lang="en-US" smtClean="0"/>
+              <a:rPr lang="en-US"/>
               <a:t>Second level</a:t>
             </a:r>
           </a:p>
           <a:p>
             <a:pPr lvl="2"/>
             <a:r>
-              <a:rPr lang="en-US" smtClean="0"/>
+              <a:rPr lang="en-US"/>
               <a:t>Third level</a:t>
             </a:r>
           </a:p>
           <a:p>
             <a:pPr lvl="3"/>
             <a:r>
-              <a:rPr lang="en-US" smtClean="0"/>
+              <a:rPr lang="en-US"/>
               <a:t>Fourth level</a:t>
             </a:r>
           </a:p>
           <a:p>
             <a:pPr lvl="4"/>
             <a:r>
-              <a:rPr lang="en-US" smtClean="0"/>
+              <a:rPr lang="en-US"/>
               <a:t>Fifth level</a:t>
             </a:r>
-            <a:endParaRPr lang="en-US"/>
           </a:p>
         </p:txBody>
       </p:sp>
@@ -1924,38 +1923,37 @@
           <a:p>
             <a:pPr lvl="0"/>
             <a:r>
-              <a:rPr lang="en-US" smtClean="0"/>
+              <a:rPr lang="en-US"/>
               <a:t>Click to edit Master text styles</a:t>
             </a:r>
           </a:p>
           <a:p>
             <a:pPr lvl="1"/>
             <a:r>
-              <a:rPr lang="en-US" smtClean="0"/>
+              <a:rPr lang="en-US"/>
               <a:t>Second level</a:t>
             </a:r>
           </a:p>
           <a:p>
             <a:pPr lvl="2"/>
             <a:r>
-              <a:rPr lang="en-US" smtClean="0"/>
+              <a:rPr lang="en-US"/>
               <a:t>Third level</a:t>
             </a:r>
           </a:p>
           <a:p>
             <a:pPr lvl="3"/>
             <a:r>
-              <a:rPr lang="en-US" smtClean="0"/>
+              <a:rPr lang="en-US"/>
               <a:t>Fourth level</a:t>
             </a:r>
           </a:p>
           <a:p>
             <a:pPr lvl="4"/>
             <a:r>
-              <a:rPr lang="en-US" smtClean="0"/>
+              <a:rPr lang="en-US"/>
               <a:t>Fifth level</a:t>
             </a:r>
-            <a:endParaRPr lang="en-US"/>
           </a:p>
         </p:txBody>
       </p:sp>
@@ -1976,7 +1974,7 @@
           <a:p>
             <a:fld id="{43394E63-B418-1F4A-9C08-2548B9C5B3C1}" type="datetime1">
               <a:rPr lang="en-US" smtClean="0"/>
-              <a:t>7/1/15</a:t>
+              <a:t>2/18/2020</a:t>
             </a:fld>
             <a:endParaRPr lang="en-US"/>
           </a:p>
@@ -1998,10 +1996,9 @@
           <a:lstStyle/>
           <a:p>
             <a:r>
-              <a:rPr lang="en-US" smtClean="0"/>
+              <a:rPr lang="en-US"/>
               <a:t>Developed by TEALS in 2015  www.tealsk12.org</a:t>
             </a:r>
-            <a:endParaRPr lang="en-US"/>
           </a:p>
         </p:txBody>
       </p:sp>
@@ -2078,10 +2075,9 @@
           </a:lstStyle>
           <a:p>
             <a:r>
-              <a:rPr lang="en-US" smtClean="0"/>
+              <a:rPr lang="en-US"/>
               <a:t>Click to edit Master title style</a:t>
             </a:r>
-            <a:endParaRPr lang="en-US"/>
           </a:p>
         </p:txBody>
       </p:sp>
@@ -2144,7 +2140,7 @@
           <a:p>
             <a:pPr lvl="0"/>
             <a:r>
-              <a:rPr lang="en-US" smtClean="0"/>
+              <a:rPr lang="en-US"/>
               <a:t>Click to edit Master text styles</a:t>
             </a:r>
           </a:p>
@@ -2200,38 +2196,37 @@
           <a:p>
             <a:pPr lvl="0"/>
             <a:r>
-              <a:rPr lang="en-US" smtClean="0"/>
+              <a:rPr lang="en-US"/>
               <a:t>Click to edit Master text styles</a:t>
             </a:r>
           </a:p>
           <a:p>
             <a:pPr lvl="1"/>
             <a:r>
-              <a:rPr lang="en-US" smtClean="0"/>
+              <a:rPr lang="en-US"/>
               <a:t>Second level</a:t>
             </a:r>
           </a:p>
           <a:p>
             <a:pPr lvl="2"/>
             <a:r>
-              <a:rPr lang="en-US" smtClean="0"/>
+              <a:rPr lang="en-US"/>
               <a:t>Third level</a:t>
             </a:r>
           </a:p>
           <a:p>
             <a:pPr lvl="3"/>
             <a:r>
-              <a:rPr lang="en-US" smtClean="0"/>
+              <a:rPr lang="en-US"/>
               <a:t>Fourth level</a:t>
             </a:r>
           </a:p>
           <a:p>
             <a:pPr lvl="4"/>
             <a:r>
-              <a:rPr lang="en-US" smtClean="0"/>
+              <a:rPr lang="en-US"/>
               <a:t>Fifth level</a:t>
             </a:r>
-            <a:endParaRPr lang="en-US"/>
           </a:p>
         </p:txBody>
       </p:sp>
@@ -2294,7 +2289,7 @@
           <a:p>
             <a:pPr lvl="0"/>
             <a:r>
-              <a:rPr lang="en-US" smtClean="0"/>
+              <a:rPr lang="en-US"/>
               <a:t>Click to edit Master text styles</a:t>
             </a:r>
           </a:p>
@@ -2350,38 +2345,37 @@
           <a:p>
             <a:pPr lvl="0"/>
             <a:r>
-              <a:rPr lang="en-US" smtClean="0"/>
+              <a:rPr lang="en-US"/>
               <a:t>Click to edit Master text styles</a:t>
             </a:r>
           </a:p>
           <a:p>
             <a:pPr lvl="1"/>
             <a:r>
-              <a:rPr lang="en-US" smtClean="0"/>
+              <a:rPr lang="en-US"/>
               <a:t>Second level</a:t>
             </a:r>
           </a:p>
           <a:p>
             <a:pPr lvl="2"/>
             <a:r>
-              <a:rPr lang="en-US" smtClean="0"/>
+              <a:rPr lang="en-US"/>
               <a:t>Third level</a:t>
             </a:r>
           </a:p>
           <a:p>
             <a:pPr lvl="3"/>
             <a:r>
-              <a:rPr lang="en-US" smtClean="0"/>
+              <a:rPr lang="en-US"/>
               <a:t>Fourth level</a:t>
             </a:r>
           </a:p>
           <a:p>
             <a:pPr lvl="4"/>
             <a:r>
-              <a:rPr lang="en-US" smtClean="0"/>
+              <a:rPr lang="en-US"/>
               <a:t>Fifth level</a:t>
             </a:r>
-            <a:endParaRPr lang="en-US"/>
           </a:p>
         </p:txBody>
       </p:sp>
@@ -2402,7 +2396,7 @@
           <a:p>
             <a:fld id="{6F92EF41-DD41-C742-BC3B-970F41658B68}" type="datetime1">
               <a:rPr lang="en-US" smtClean="0"/>
-              <a:t>7/1/15</a:t>
+              <a:t>2/18/2020</a:t>
             </a:fld>
             <a:endParaRPr lang="en-US"/>
           </a:p>
@@ -2424,10 +2418,9 @@
           <a:lstStyle/>
           <a:p>
             <a:r>
-              <a:rPr lang="en-US" smtClean="0"/>
+              <a:rPr lang="en-US"/>
               <a:t>Developed by TEALS in 2015  www.tealsk12.org</a:t>
             </a:r>
-            <a:endParaRPr lang="en-US"/>
           </a:p>
         </p:txBody>
       </p:sp>
@@ -2500,10 +2493,9 @@
           <a:lstStyle/>
           <a:p>
             <a:r>
-              <a:rPr lang="en-US" smtClean="0"/>
+              <a:rPr lang="en-US"/>
               <a:t>Click to edit Master title style</a:t>
             </a:r>
-            <a:endParaRPr lang="en-US"/>
           </a:p>
         </p:txBody>
       </p:sp>
@@ -2524,7 +2516,7 @@
           <a:p>
             <a:fld id="{631009B9-6DC3-0349-8BB5-CE1E5B2C68D1}" type="datetime1">
               <a:rPr lang="en-US" smtClean="0"/>
-              <a:t>7/1/15</a:t>
+              <a:t>2/18/2020</a:t>
             </a:fld>
             <a:endParaRPr lang="en-US"/>
           </a:p>
@@ -2546,10 +2538,9 @@
           <a:lstStyle/>
           <a:p>
             <a:r>
-              <a:rPr lang="en-US" smtClean="0"/>
+              <a:rPr lang="en-US"/>
               <a:t>Developed by TEALS in 2015  www.tealsk12.org</a:t>
             </a:r>
-            <a:endParaRPr lang="en-US"/>
           </a:p>
         </p:txBody>
       </p:sp>
@@ -2623,7 +2614,7 @@
           <a:p>
             <a:fld id="{DBD68779-2025-B44F-AD23-DF62F9874F1B}" type="datetime1">
               <a:rPr lang="en-US" smtClean="0"/>
-              <a:t>7/1/15</a:t>
+              <a:t>2/18/2020</a:t>
             </a:fld>
             <a:endParaRPr lang="en-US"/>
           </a:p>
@@ -2645,10 +2636,9 @@
           <a:lstStyle/>
           <a:p>
             <a:r>
-              <a:rPr lang="en-US" smtClean="0"/>
+              <a:rPr lang="en-US"/>
               <a:t>Developed by TEALS in 2015  www.tealsk12.org</a:t>
             </a:r>
-            <a:endParaRPr lang="en-US"/>
           </a:p>
         </p:txBody>
       </p:sp>
@@ -2730,10 +2720,9 @@
           </a:lstStyle>
           <a:p>
             <a:r>
-              <a:rPr lang="en-US" smtClean="0"/>
+              <a:rPr lang="en-US"/>
               <a:t>Click to edit Master title style</a:t>
             </a:r>
-            <a:endParaRPr lang="en-US"/>
           </a:p>
         </p:txBody>
       </p:sp>
@@ -2787,38 +2776,37 @@
           <a:p>
             <a:pPr lvl="0"/>
             <a:r>
-              <a:rPr lang="en-US" smtClean="0"/>
+              <a:rPr lang="en-US"/>
               <a:t>Click to edit Master text styles</a:t>
             </a:r>
           </a:p>
           <a:p>
             <a:pPr lvl="1"/>
             <a:r>
-              <a:rPr lang="en-US" smtClean="0"/>
+              <a:rPr lang="en-US"/>
               <a:t>Second level</a:t>
             </a:r>
           </a:p>
           <a:p>
             <a:pPr lvl="2"/>
             <a:r>
-              <a:rPr lang="en-US" smtClean="0"/>
+              <a:rPr lang="en-US"/>
               <a:t>Third level</a:t>
             </a:r>
           </a:p>
           <a:p>
             <a:pPr lvl="3"/>
             <a:r>
-              <a:rPr lang="en-US" smtClean="0"/>
+              <a:rPr lang="en-US"/>
               <a:t>Fourth level</a:t>
             </a:r>
           </a:p>
           <a:p>
             <a:pPr lvl="4"/>
             <a:r>
-              <a:rPr lang="en-US" smtClean="0"/>
+              <a:rPr lang="en-US"/>
               <a:t>Fifth level</a:t>
             </a:r>
-            <a:endParaRPr lang="en-US"/>
           </a:p>
         </p:txBody>
       </p:sp>
@@ -2881,7 +2869,7 @@
           <a:p>
             <a:pPr lvl="0"/>
             <a:r>
-              <a:rPr lang="en-US" smtClean="0"/>
+              <a:rPr lang="en-US"/>
               <a:t>Click to edit Master text styles</a:t>
             </a:r>
           </a:p>
@@ -2904,7 +2892,7 @@
           <a:p>
             <a:fld id="{1C533E1B-B859-DB4E-86F0-BE8C9C0ABFF7}" type="datetime1">
               <a:rPr lang="en-US" smtClean="0"/>
-              <a:t>7/1/15</a:t>
+              <a:t>2/18/2020</a:t>
             </a:fld>
             <a:endParaRPr lang="en-US"/>
           </a:p>
@@ -2926,10 +2914,9 @@
           <a:lstStyle/>
           <a:p>
             <a:r>
-              <a:rPr lang="en-US" smtClean="0"/>
+              <a:rPr lang="en-US"/>
               <a:t>Developed by TEALS in 2015  www.tealsk12.org</a:t>
             </a:r>
-            <a:endParaRPr lang="en-US"/>
           </a:p>
         </p:txBody>
       </p:sp>
@@ -3011,10 +2998,9 @@
           </a:lstStyle>
           <a:p>
             <a:r>
-              <a:rPr lang="en-US" smtClean="0"/>
+              <a:rPr lang="en-US"/>
               <a:t>Click to edit Master title style</a:t>
             </a:r>
-            <a:endParaRPr lang="en-US"/>
           </a:p>
         </p:txBody>
       </p:sp>
@@ -3138,7 +3124,7 @@
           <a:p>
             <a:pPr lvl="0"/>
             <a:r>
-              <a:rPr lang="en-US" smtClean="0"/>
+              <a:rPr lang="en-US"/>
               <a:t>Click to edit Master text styles</a:t>
             </a:r>
           </a:p>
@@ -3161,7 +3147,7 @@
           <a:p>
             <a:fld id="{AC1EAEA1-8470-6B4A-8D60-97578450ABB9}" type="datetime1">
               <a:rPr lang="en-US" smtClean="0"/>
-              <a:t>7/1/15</a:t>
+              <a:t>2/18/2020</a:t>
             </a:fld>
             <a:endParaRPr lang="en-US"/>
           </a:p>
@@ -3183,10 +3169,9 @@
           <a:lstStyle/>
           <a:p>
             <a:r>
-              <a:rPr lang="en-US" smtClean="0"/>
+              <a:rPr lang="en-US"/>
               <a:t>Developed by TEALS in 2015  www.tealsk12.org</a:t>
             </a:r>
-            <a:endParaRPr lang="en-US"/>
           </a:p>
         </p:txBody>
       </p:sp>
@@ -3274,10 +3259,9 @@
           <a:lstStyle/>
           <a:p>
             <a:r>
-              <a:rPr lang="en-US" smtClean="0"/>
+              <a:rPr lang="en-US"/>
               <a:t>Click to edit Master title style</a:t>
             </a:r>
-            <a:endParaRPr lang="en-US"/>
           </a:p>
         </p:txBody>
       </p:sp>
@@ -3308,38 +3292,37 @@
           <a:p>
             <a:pPr lvl="0"/>
             <a:r>
-              <a:rPr lang="en-US" smtClean="0"/>
+              <a:rPr lang="en-US"/>
               <a:t>Click to edit Master text styles</a:t>
             </a:r>
           </a:p>
           <a:p>
             <a:pPr lvl="1"/>
             <a:r>
-              <a:rPr lang="en-US" smtClean="0"/>
+              <a:rPr lang="en-US"/>
               <a:t>Second level</a:t>
             </a:r>
           </a:p>
           <a:p>
             <a:pPr lvl="2"/>
             <a:r>
-              <a:rPr lang="en-US" smtClean="0"/>
+              <a:rPr lang="en-US"/>
               <a:t>Third level</a:t>
             </a:r>
           </a:p>
           <a:p>
             <a:pPr lvl="3"/>
             <a:r>
-              <a:rPr lang="en-US" smtClean="0"/>
+              <a:rPr lang="en-US"/>
               <a:t>Fourth level</a:t>
             </a:r>
           </a:p>
           <a:p>
             <a:pPr lvl="4"/>
             <a:r>
-              <a:rPr lang="en-US" smtClean="0"/>
+              <a:rPr lang="en-US"/>
               <a:t>Fifth level</a:t>
             </a:r>
-            <a:endParaRPr lang="en-US"/>
           </a:p>
         </p:txBody>
       </p:sp>
@@ -3378,7 +3361,7 @@
           <a:p>
             <a:fld id="{EB2A284D-251E-7046-B0B7-6A85726BD855}" type="datetime1">
               <a:rPr lang="en-US" smtClean="0"/>
-              <a:t>7/1/15</a:t>
+              <a:t>2/18/2020</a:t>
             </a:fld>
             <a:endParaRPr lang="en-US"/>
           </a:p>
@@ -3418,10 +3401,9 @@
           </a:lstStyle>
           <a:p>
             <a:r>
-              <a:rPr lang="en-US" smtClean="0"/>
+              <a:rPr lang="en-US"/>
               <a:t>Developed by TEALS in 2015  www.tealsk12.org</a:t>
             </a:r>
-            <a:endParaRPr lang="en-US"/>
           </a:p>
         </p:txBody>
       </p:sp>
@@ -3776,22 +3758,17 @@
           <a:lstStyle/>
           <a:p>
             <a:r>
-              <a:rPr lang="en-US" b="1" smtClean="0"/>
+              <a:rPr lang="en-US" b="1"/>
               <a:t>Lesson 5.0 </a:t>
             </a:r>
             <a:r>
-              <a:rPr lang="en-US" dirty="0" smtClean="0">
+              <a:rPr lang="en-US" dirty="0">
                 <a:solidFill>
                   <a:srgbClr val="17B1AA"/>
                 </a:solidFill>
               </a:rPr>
               <a:t>Test Review and Reteach</a:t>
             </a:r>
-            <a:endParaRPr lang="en-US" dirty="0">
-              <a:solidFill>
-                <a:srgbClr val="17B1AA"/>
-              </a:solidFill>
-            </a:endParaRPr>
           </a:p>
         </p:txBody>
       </p:sp>
@@ -3820,34 +3797,29 @@
               </a:rPr>
               <a:t>Objectives </a:t>
             </a:r>
-            <a:endParaRPr lang="en-US" dirty="0" smtClean="0">
+          </a:p>
+          <a:p>
+            <a:pPr lvl="1"/>
+            <a:r>
+              <a:rPr lang="en-US" b="1" dirty="0"/>
+              <a:t>Re-learn or strengthen</a:t>
+            </a:r>
+            <a:r>
+              <a:rPr lang="en-US" dirty="0"/>
+              <a:t> content knowledge and skills from Unit 4.</a:t>
+            </a:r>
+            <a:endParaRPr lang="en-US" b="1" dirty="0"/>
+          </a:p>
+          <a:p>
+            <a:endParaRPr lang="en-US" dirty="0">
               <a:solidFill>
                 <a:srgbClr val="17B1AA"/>
               </a:solidFill>
             </a:endParaRPr>
           </a:p>
           <a:p>
-            <a:pPr lvl="1"/>
-            <a:r>
-              <a:rPr lang="en-US" b="1" dirty="0" smtClean="0"/>
-              <a:t>Re-learn or strengthen</a:t>
-            </a:r>
-            <a:r>
-              <a:rPr lang="en-US" dirty="0" smtClean="0"/>
-              <a:t> content knowledge and skills from Unit 4.</a:t>
-            </a:r>
-            <a:endParaRPr lang="en-US" b="1" dirty="0"/>
-          </a:p>
-          <a:p>
-            <a:endParaRPr lang="en-US" dirty="0" smtClean="0">
-              <a:solidFill>
-                <a:srgbClr val="17B1AA"/>
-              </a:solidFill>
-            </a:endParaRPr>
-          </a:p>
-          <a:p>
-            <a:r>
-              <a:rPr lang="en-US" dirty="0" smtClean="0">
+            <a:r>
+              <a:rPr lang="en-US" dirty="0">
                 <a:solidFill>
                   <a:srgbClr val="17B1AA"/>
                 </a:solidFill>
@@ -3858,11 +3830,11 @@
           <a:p>
             <a:pPr lvl="1"/>
             <a:r>
-              <a:rPr lang="en-US" b="1" dirty="0" smtClean="0"/>
+              <a:rPr lang="en-US" b="1" dirty="0"/>
               <a:t>Re-submit</a:t>
             </a:r>
             <a:r>
-              <a:rPr lang="en-US" dirty="0" smtClean="0"/>
+              <a:rPr lang="en-US" dirty="0"/>
               <a:t> test answers with updated corrections</a:t>
             </a:r>
             <a:endParaRPr lang="en-US" b="1" dirty="0"/>
@@ -3882,36 +3854,31 @@
               </a:rPr>
               <a:t>Homework </a:t>
             </a:r>
-            <a:endParaRPr lang="en-US" dirty="0" smtClean="0">
-              <a:solidFill>
-                <a:srgbClr val="17B1AA"/>
-              </a:solidFill>
-            </a:endParaRPr>
           </a:p>
           <a:p>
             <a:pPr lvl="1"/>
             <a:r>
-              <a:rPr lang="en-US" b="1" dirty="0" smtClean="0"/>
+              <a:rPr lang="en-US" b="1" dirty="0"/>
               <a:t>Read</a:t>
             </a:r>
             <a:r>
-              <a:rPr lang="en-US" dirty="0" smtClean="0"/>
+              <a:rPr lang="en-US" dirty="0"/>
               <a:t> </a:t>
             </a:r>
             <a:r>
-              <a:rPr lang="en-US" smtClean="0"/>
+              <a:rPr lang="en-US"/>
               <a:t>HW 8.1</a:t>
             </a:r>
-            <a:endParaRPr lang="en-US" dirty="0" smtClean="0"/>
+            <a:endParaRPr lang="en-US" dirty="0"/>
           </a:p>
           <a:p>
             <a:pPr lvl="1"/>
             <a:r>
-              <a:rPr lang="en-US" b="1" dirty="0" smtClean="0"/>
+              <a:rPr lang="en-US" b="1" dirty="0"/>
               <a:t>Correct</a:t>
             </a:r>
             <a:r>
-              <a:rPr lang="en-US" dirty="0" smtClean="0"/>
+              <a:rPr lang="en-US" dirty="0"/>
               <a:t> any incorrect test answers by re-answering on a separate sheet of paper</a:t>
             </a:r>
             <a:endParaRPr lang="en-US" b="1" dirty="0"/>
@@ -3937,10 +3904,9 @@
           <a:lstStyle/>
           <a:p>
             <a:r>
-              <a:rPr lang="en-US" smtClean="0"/>
+              <a:rPr lang="en-US"/>
               <a:t>Developed by TEALS in 2015  www.tealsk12.org</a:t>
             </a:r>
-            <a:endParaRPr lang="en-US"/>
           </a:p>
         </p:txBody>
       </p:sp>
@@ -3992,22 +3958,17 @@
           <a:lstStyle/>
           <a:p>
             <a:r>
-              <a:rPr lang="en-US" b="1" dirty="0" smtClean="0"/>
+              <a:rPr lang="en-US" b="1" dirty="0"/>
               <a:t>Lesson 5.1 </a:t>
             </a:r>
             <a:r>
-              <a:rPr lang="en-US" dirty="0" smtClean="0">
+              <a:rPr lang="en-US" dirty="0">
                 <a:solidFill>
                   <a:srgbClr val="17B1AA"/>
                 </a:solidFill>
               </a:rPr>
               <a:t>Object-Oriented Programming</a:t>
             </a:r>
-            <a:endParaRPr lang="en-US" dirty="0">
-              <a:solidFill>
-                <a:srgbClr val="17B1AA"/>
-              </a:solidFill>
-            </a:endParaRPr>
           </a:p>
         </p:txBody>
       </p:sp>
@@ -4024,7 +3985,7 @@
         <p:spPr/>
         <p:txBody>
           <a:bodyPr>
-            <a:normAutofit fontScale="92500" lnSpcReduction="20000"/>
+            <a:normAutofit/>
           </a:bodyPr>
           <a:lstStyle/>
           <a:p>
@@ -4036,67 +3997,29 @@
               </a:rPr>
               <a:t>Objectives </a:t>
             </a:r>
-            <a:endParaRPr lang="en-US" dirty="0" smtClean="0">
-              <a:solidFill>
-                <a:srgbClr val="17B1AA"/>
-              </a:solidFill>
-            </a:endParaRPr>
           </a:p>
           <a:p>
             <a:pPr lvl="1"/>
             <a:r>
-              <a:rPr lang="en-US" b="1" dirty="0" smtClean="0"/>
+              <a:rPr lang="en-US" b="1" dirty="0"/>
               <a:t>Describe</a:t>
             </a:r>
             <a:r>
-              <a:rPr lang="en-US" dirty="0" smtClean="0"/>
+              <a:rPr lang="en-US" dirty="0"/>
               <a:t> the relationship between classes, objects, and client code.</a:t>
             </a:r>
           </a:p>
           <a:p>
             <a:pPr lvl="1"/>
             <a:r>
-              <a:rPr lang="en-US" b="1" dirty="0" smtClean="0"/>
+              <a:rPr lang="en-US" b="1" dirty="0"/>
               <a:t>Predict</a:t>
             </a:r>
             <a:r>
-              <a:rPr lang="en-US" dirty="0" smtClean="0"/>
+              <a:rPr lang="en-US" dirty="0"/>
               <a:t> the output of the code that uses objects.</a:t>
             </a:r>
             <a:endParaRPr lang="en-US" b="1" dirty="0"/>
-          </a:p>
-          <a:p>
-            <a:endParaRPr lang="en-US" dirty="0" smtClean="0">
-              <a:solidFill>
-                <a:srgbClr val="17B1AA"/>
-              </a:solidFill>
-            </a:endParaRPr>
-          </a:p>
-          <a:p>
-            <a:r>
-              <a:rPr lang="en-US" dirty="0" smtClean="0">
-                <a:solidFill>
-                  <a:srgbClr val="17B1AA"/>
-                </a:solidFill>
-              </a:rPr>
-              <a:t>Assessments </a:t>
-            </a:r>
-          </a:p>
-          <a:p>
-            <a:pPr lvl="1"/>
-            <a:r>
-              <a:rPr lang="en-US" b="1" dirty="0"/>
-              <a:t>Complete</a:t>
-            </a:r>
-            <a:r>
-              <a:rPr lang="en-US" dirty="0"/>
-              <a:t> </a:t>
-            </a:r>
-            <a:r>
-              <a:rPr lang="en-US" dirty="0" smtClean="0"/>
-              <a:t>Practice-It questions</a:t>
-            </a:r>
-            <a:endParaRPr lang="en-US" dirty="0"/>
           </a:p>
           <a:p>
             <a:pPr marL="0" indent="0">
@@ -4113,11 +4036,6 @@
               </a:rPr>
               <a:t>Homework </a:t>
             </a:r>
-            <a:endParaRPr lang="en-US" dirty="0" smtClean="0">
-              <a:solidFill>
-                <a:srgbClr val="17B1AA"/>
-              </a:solidFill>
-            </a:endParaRPr>
           </a:p>
           <a:p>
             <a:pPr lvl="1"/>
@@ -4127,33 +4045,28 @@
             </a:r>
             <a:r>
               <a:rPr lang="en-US" dirty="0"/>
-              <a:t> HW </a:t>
-            </a:r>
-            <a:r>
-              <a:rPr lang="en-US" dirty="0" smtClean="0"/>
-              <a:t>8.2 up to “</a:t>
-            </a:r>
-            <a:r>
-              <a:rPr lang="en-US" dirty="0" err="1" smtClean="0"/>
+              <a:t> HW 8.2 up to “</a:t>
+            </a:r>
+            <a:r>
+              <a:rPr lang="en-US" dirty="0" err="1"/>
               <a:t>Mutators</a:t>
             </a:r>
             <a:r>
-              <a:rPr lang="en-US" dirty="0" smtClean="0"/>
+              <a:rPr lang="en-US" dirty="0"/>
               <a:t> and </a:t>
             </a:r>
             <a:r>
-              <a:rPr lang="en-US" dirty="0" err="1" smtClean="0"/>
+              <a:rPr lang="en-US" dirty="0" err="1"/>
               <a:t>Accessors</a:t>
             </a:r>
             <a:r>
-              <a:rPr lang="en-US" dirty="0" smtClean="0"/>
+              <a:rPr lang="en-US" dirty="0"/>
               <a:t>”</a:t>
             </a:r>
+          </a:p>
+          <a:p>
             <a:endParaRPr lang="en-US" dirty="0"/>
           </a:p>
-          <a:p>
-            <a:endParaRPr lang="en-US" dirty="0"/>
-          </a:p>
         </p:txBody>
       </p:sp>
       <p:sp>
@@ -4172,10 +4085,9 @@
           <a:lstStyle/>
           <a:p>
             <a:r>
-              <a:rPr lang="en-US" smtClean="0"/>
+              <a:rPr lang="en-US"/>
               <a:t>Developed by TEALS in 2015  www.tealsk12.org</a:t>
             </a:r>
-            <a:endParaRPr lang="en-US"/>
           </a:p>
         </p:txBody>
       </p:sp>
@@ -4227,22 +4139,17 @@
           <a:lstStyle/>
           <a:p>
             <a:r>
-              <a:rPr lang="en-US" b="1" dirty="0" smtClean="0"/>
+              <a:rPr lang="en-US" b="1" dirty="0"/>
               <a:t>Lesson 5.2 </a:t>
             </a:r>
             <a:r>
-              <a:rPr lang="en-US" dirty="0" smtClean="0">
+              <a:rPr lang="en-US" dirty="0">
                 <a:solidFill>
                   <a:srgbClr val="17B1AA"/>
                 </a:solidFill>
               </a:rPr>
               <a:t>Object State &amp; Behavior</a:t>
             </a:r>
-            <a:endParaRPr lang="en-US" dirty="0">
-              <a:solidFill>
-                <a:srgbClr val="17B1AA"/>
-              </a:solidFill>
-            </a:endParaRPr>
           </a:p>
         </p:txBody>
       </p:sp>
@@ -4271,31 +4178,26 @@
               </a:rPr>
               <a:t>Objectives </a:t>
             </a:r>
-            <a:endParaRPr lang="en-US" dirty="0" smtClean="0">
-              <a:solidFill>
-                <a:srgbClr val="17B1AA"/>
-              </a:solidFill>
-            </a:endParaRPr>
           </a:p>
           <a:p>
             <a:pPr lvl="1"/>
             <a:r>
-              <a:rPr lang="en-US" b="1" dirty="0" smtClean="0"/>
+              <a:rPr lang="en-US" b="1" dirty="0"/>
               <a:t>Describe</a:t>
             </a:r>
             <a:r>
-              <a:rPr lang="en-US" dirty="0" smtClean="0"/>
+              <a:rPr lang="en-US" dirty="0"/>
               <a:t> classes, objects, and client code.</a:t>
             </a:r>
           </a:p>
           <a:p>
             <a:pPr lvl="1"/>
             <a:r>
-              <a:rPr lang="en-US" b="1" dirty="0" smtClean="0"/>
+              <a:rPr lang="en-US" b="1" dirty="0"/>
               <a:t>Predict</a:t>
             </a:r>
             <a:r>
-              <a:rPr lang="en-US" dirty="0" smtClean="0"/>
+              <a:rPr lang="en-US" dirty="0"/>
               <a:t> the output of the code that uses objects.</a:t>
             </a:r>
             <a:endParaRPr lang="en-US" b="1" dirty="0"/>
@@ -4315,11 +4217,6 @@
               </a:rPr>
               <a:t>Assessments </a:t>
             </a:r>
-            <a:endParaRPr lang="en-US" dirty="0" smtClean="0">
-              <a:solidFill>
-                <a:srgbClr val="17B1AA"/>
-              </a:solidFill>
-            </a:endParaRPr>
           </a:p>
           <a:p>
             <a:pPr lvl="1"/>
@@ -4329,13 +4226,8 @@
             </a:r>
             <a:r>
               <a:rPr lang="en-US" dirty="0"/>
-              <a:t> </a:t>
-            </a:r>
-            <a:r>
-              <a:rPr lang="en-US" dirty="0" smtClean="0"/>
-              <a:t>WS 5.2</a:t>
-            </a:r>
-            <a:endParaRPr lang="en-US" dirty="0"/>
+              <a:t> WS 5.2</a:t>
+            </a:r>
           </a:p>
           <a:p>
             <a:pPr lvl="1"/>
@@ -4350,11 +4242,6 @@
               </a:rPr>
               <a:t>Homework </a:t>
             </a:r>
-            <a:endParaRPr lang="en-US" dirty="0" smtClean="0">
-              <a:solidFill>
-                <a:srgbClr val="17B1AA"/>
-              </a:solidFill>
-            </a:endParaRPr>
           </a:p>
           <a:p>
             <a:pPr lvl="1"/>
@@ -4364,21 +4251,8 @@
             </a:r>
             <a:r>
               <a:rPr lang="en-US" dirty="0"/>
-              <a:t> HW </a:t>
-            </a:r>
-            <a:r>
-              <a:rPr lang="en-US" dirty="0" smtClean="0"/>
-              <a:t>8.3 up </a:t>
-            </a:r>
-            <a:r>
-              <a:rPr lang="en-US" dirty="0"/>
-              <a:t>to </a:t>
-            </a:r>
-            <a:r>
-              <a:rPr lang="en-US" dirty="0" smtClean="0"/>
-              <a:t>“The Keyword this”</a:t>
-            </a:r>
-            <a:endParaRPr lang="en-US" dirty="0"/>
+              <a:t> HW 8.3 up to “The Keyword this”</a:t>
+            </a:r>
           </a:p>
           <a:p>
             <a:pPr lvl="1"/>
@@ -4388,17 +4262,12 @@
             </a:r>
             <a:r>
               <a:rPr lang="en-US" dirty="0"/>
-              <a:t> self-check questions </a:t>
-            </a:r>
-            <a:r>
-              <a:rPr lang="en-US" dirty="0" smtClean="0"/>
-              <a:t>#9-11, 13-16</a:t>
-            </a:r>
+              <a:t> self-check questions #9-11, 13-16</a:t>
+            </a:r>
+          </a:p>
+          <a:p>
             <a:endParaRPr lang="en-US" dirty="0"/>
           </a:p>
-          <a:p>
-            <a:endParaRPr lang="en-US" dirty="0"/>
-          </a:p>
         </p:txBody>
       </p:sp>
       <p:sp>
@@ -4417,10 +4286,9 @@
           <a:lstStyle/>
           <a:p>
             <a:r>
-              <a:rPr lang="en-US" smtClean="0"/>
+              <a:rPr lang="en-US"/>
               <a:t>Developed by TEALS in 2015  www.tealsk12.org</a:t>
             </a:r>
-            <a:endParaRPr lang="en-US"/>
           </a:p>
         </p:txBody>
       </p:sp>
@@ -4472,26 +4340,17 @@
           <a:lstStyle/>
           <a:p>
             <a:r>
-              <a:rPr lang="en-US" b="1" dirty="0" smtClean="0"/>
-              <a:t>Lesson </a:t>
-            </a:r>
-            <a:r>
-              <a:rPr lang="en-US" b="1" dirty="0" smtClean="0"/>
-              <a:t>5.3 </a:t>
-            </a:r>
-            <a:r>
-              <a:rPr lang="en-US" dirty="0" smtClean="0">
+              <a:rPr lang="en-US" b="1" dirty="0"/>
+              <a:t>Lesson 5.3 </a:t>
+            </a:r>
+            <a:r>
+              <a:rPr lang="en-US" dirty="0">
                 <a:solidFill>
                   <a:srgbClr val="17B1AA"/>
                 </a:solidFill>
               </a:rPr>
               <a:t>Object-Oriented Programming</a:t>
             </a:r>
-            <a:endParaRPr lang="en-US" dirty="0">
-              <a:solidFill>
-                <a:srgbClr val="17B1AA"/>
-              </a:solidFill>
-            </a:endParaRPr>
           </a:p>
         </p:txBody>
       </p:sp>
@@ -4508,7 +4367,7 @@
         <p:spPr/>
         <p:txBody>
           <a:bodyPr>
-            <a:normAutofit fontScale="92500" lnSpcReduction="10000"/>
+            <a:normAutofit/>
           </a:bodyPr>
           <a:lstStyle/>
           <a:p>
@@ -4520,67 +4379,29 @@
               </a:rPr>
               <a:t>Objectives </a:t>
             </a:r>
-            <a:endParaRPr lang="en-US" dirty="0" smtClean="0">
-              <a:solidFill>
-                <a:srgbClr val="17B1AA"/>
-              </a:solidFill>
-            </a:endParaRPr>
           </a:p>
           <a:p>
             <a:pPr lvl="1"/>
             <a:r>
-              <a:rPr lang="en-US" b="1" dirty="0" smtClean="0"/>
+              <a:rPr lang="en-US" b="1" dirty="0"/>
               <a:t>Describe and create</a:t>
             </a:r>
             <a:r>
-              <a:rPr lang="en-US" dirty="0" smtClean="0"/>
+              <a:rPr lang="en-US" dirty="0"/>
               <a:t> classes, objects, and client code.</a:t>
             </a:r>
           </a:p>
           <a:p>
             <a:pPr lvl="1"/>
             <a:r>
-              <a:rPr lang="en-US" b="1" dirty="0" smtClean="0"/>
+              <a:rPr lang="en-US" b="1" dirty="0"/>
               <a:t>Predict</a:t>
             </a:r>
             <a:r>
-              <a:rPr lang="en-US" dirty="0" smtClean="0"/>
+              <a:rPr lang="en-US" dirty="0"/>
               <a:t> the output of the code that uses objects.</a:t>
             </a:r>
             <a:endParaRPr lang="en-US" b="1" dirty="0"/>
-          </a:p>
-          <a:p>
-            <a:pPr marL="0" indent="0">
-              <a:buNone/>
-            </a:pPr>
-            <a:endParaRPr lang="en-US" dirty="0"/>
-          </a:p>
-          <a:p>
-            <a:r>
-              <a:rPr lang="en-US" dirty="0">
-                <a:solidFill>
-                  <a:srgbClr val="17B1AA"/>
-                </a:solidFill>
-              </a:rPr>
-              <a:t>Assessments </a:t>
-            </a:r>
-            <a:endParaRPr lang="en-US" dirty="0" smtClean="0">
-              <a:solidFill>
-                <a:srgbClr val="17B1AA"/>
-              </a:solidFill>
-            </a:endParaRPr>
-          </a:p>
-          <a:p>
-            <a:pPr lvl="1"/>
-            <a:r>
-              <a:rPr lang="en-US" b="1" dirty="0" smtClean="0"/>
-              <a:t>Complete</a:t>
-            </a:r>
-            <a:r>
-              <a:rPr lang="en-US" dirty="0" smtClean="0"/>
-              <a:t> Practice-It questions</a:t>
-            </a:r>
-            <a:endParaRPr lang="en-US" dirty="0"/>
           </a:p>
           <a:p>
             <a:pPr marL="0" indent="0">
@@ -4597,27 +4418,21 @@
               </a:rPr>
               <a:t>Homework </a:t>
             </a:r>
-            <a:endParaRPr lang="en-US" dirty="0" smtClean="0">
-              <a:solidFill>
-                <a:srgbClr val="17B1AA"/>
-              </a:solidFill>
-            </a:endParaRPr>
           </a:p>
           <a:p>
             <a:pPr lvl="1"/>
             <a:r>
-              <a:rPr lang="en-US" b="1" dirty="0" smtClean="0"/>
+              <a:rPr lang="en-US" b="1" dirty="0"/>
               <a:t>Read</a:t>
             </a:r>
             <a:r>
-              <a:rPr lang="en-US" dirty="0" smtClean="0"/>
+              <a:rPr lang="en-US" dirty="0"/>
               <a:t> HW 8.4</a:t>
             </a:r>
+          </a:p>
+          <a:p>
             <a:endParaRPr lang="en-US" dirty="0"/>
           </a:p>
-          <a:p>
-            <a:endParaRPr lang="en-US" dirty="0"/>
-          </a:p>
         </p:txBody>
       </p:sp>
       <p:sp>
@@ -4636,10 +4451,9 @@
           <a:lstStyle/>
           <a:p>
             <a:r>
-              <a:rPr lang="en-US" smtClean="0"/>
+              <a:rPr lang="en-US"/>
               <a:t>Developed by TEALS in 2015  www.tealsk12.org</a:t>
             </a:r>
-            <a:endParaRPr lang="en-US"/>
           </a:p>
         </p:txBody>
       </p:sp>
@@ -4691,26 +4505,17 @@
           <a:lstStyle/>
           <a:p>
             <a:r>
-              <a:rPr lang="en-US" b="1" dirty="0" smtClean="0"/>
-              <a:t>Lesson </a:t>
-            </a:r>
-            <a:r>
-              <a:rPr lang="en-US" b="1" dirty="0" smtClean="0"/>
-              <a:t>5.4 </a:t>
-            </a:r>
-            <a:r>
-              <a:rPr lang="en-US" dirty="0" smtClean="0">
+              <a:rPr lang="en-US" b="1" dirty="0"/>
+              <a:t>Lesson 5.4 </a:t>
+            </a:r>
+            <a:r>
+              <a:rPr lang="en-US" dirty="0">
                 <a:solidFill>
                   <a:srgbClr val="17B1AA"/>
                 </a:solidFill>
               </a:rPr>
               <a:t>Encapsulation</a:t>
             </a:r>
-            <a:endParaRPr lang="en-US" dirty="0">
-              <a:solidFill>
-                <a:srgbClr val="17B1AA"/>
-              </a:solidFill>
-            </a:endParaRPr>
           </a:p>
         </p:txBody>
       </p:sp>
@@ -4739,20 +4544,15 @@
               </a:rPr>
               <a:t>Objectives </a:t>
             </a:r>
-            <a:endParaRPr lang="en-US" dirty="0" smtClean="0">
-              <a:solidFill>
-                <a:srgbClr val="17B1AA"/>
-              </a:solidFill>
-            </a:endParaRPr>
           </a:p>
           <a:p>
             <a:pPr lvl="1"/>
             <a:r>
-              <a:rPr lang="en-US" b="1" dirty="0" smtClean="0"/>
+              <a:rPr lang="en-US" b="1" dirty="0"/>
               <a:t>Manipulate</a:t>
             </a:r>
             <a:r>
-              <a:rPr lang="en-US" dirty="0" smtClean="0"/>
+              <a:rPr lang="en-US" dirty="0"/>
               <a:t> single-dimension arrays using a variety of array transversal algorithms.</a:t>
             </a:r>
             <a:endParaRPr lang="en-US" b="1" dirty="0"/>
@@ -4772,31 +4572,26 @@
               </a:rPr>
               <a:t>Assessments </a:t>
             </a:r>
-            <a:endParaRPr lang="en-US" dirty="0" smtClean="0">
-              <a:solidFill>
-                <a:srgbClr val="17B1AA"/>
-              </a:solidFill>
-            </a:endParaRPr>
           </a:p>
           <a:p>
             <a:pPr lvl="1"/>
             <a:r>
-              <a:rPr lang="en-US" b="1" dirty="0" smtClean="0"/>
+              <a:rPr lang="en-US" b="1" dirty="0"/>
               <a:t>Teach</a:t>
             </a:r>
             <a:r>
-              <a:rPr lang="en-US" dirty="0" smtClean="0"/>
+              <a:rPr lang="en-US" dirty="0"/>
               <a:t> a mini-lesson on printing, searching/replacing, testing for equality, reversing an array, or string traversal.</a:t>
             </a:r>
           </a:p>
           <a:p>
             <a:pPr lvl="1"/>
             <a:r>
-              <a:rPr lang="en-US" b="1" dirty="0" smtClean="0"/>
+              <a:rPr lang="en-US" b="1" dirty="0"/>
               <a:t>Complete</a:t>
             </a:r>
             <a:r>
-              <a:rPr lang="en-US" dirty="0" smtClean="0"/>
+              <a:rPr lang="en-US" dirty="0"/>
               <a:t> a quiz at the end of Day 2</a:t>
             </a:r>
             <a:endParaRPr lang="en-US" b="1" dirty="0"/>
@@ -4816,27 +4611,21 @@
               </a:rPr>
               <a:t>Homework </a:t>
             </a:r>
-            <a:endParaRPr lang="en-US" dirty="0" smtClean="0">
-              <a:solidFill>
-                <a:srgbClr val="17B1AA"/>
-              </a:solidFill>
-            </a:endParaRPr>
           </a:p>
           <a:p>
             <a:pPr lvl="1"/>
             <a:r>
-              <a:rPr lang="en-US" b="1" dirty="0" smtClean="0"/>
+              <a:rPr lang="en-US" b="1" dirty="0"/>
               <a:t>Complete</a:t>
             </a:r>
             <a:r>
-              <a:rPr lang="en-US" dirty="0" smtClean="0"/>
+              <a:rPr lang="en-US" dirty="0"/>
               <a:t> self-check questions #22-28</a:t>
             </a:r>
+          </a:p>
+          <a:p>
             <a:endParaRPr lang="en-US" dirty="0"/>
           </a:p>
-          <a:p>
-            <a:endParaRPr lang="en-US" dirty="0"/>
-          </a:p>
         </p:txBody>
       </p:sp>
       <p:sp>
@@ -4855,10 +4644,9 @@
           <a:lstStyle/>
           <a:p>
             <a:r>
-              <a:rPr lang="en-US" smtClean="0"/>
+              <a:rPr lang="en-US"/>
               <a:t>Developed by TEALS in 2015  www.tealsk12.org</a:t>
             </a:r>
-            <a:endParaRPr lang="en-US"/>
           </a:p>
         </p:txBody>
       </p:sp>
@@ -4910,26 +4698,17 @@
           <a:lstStyle/>
           <a:p>
             <a:r>
-              <a:rPr lang="en-US" b="1" dirty="0" smtClean="0"/>
-              <a:t>Lesson </a:t>
-            </a:r>
-            <a:r>
-              <a:rPr lang="en-US" b="1" dirty="0" smtClean="0"/>
-              <a:t>5.5 </a:t>
-            </a:r>
-            <a:r>
-              <a:rPr lang="en-US" dirty="0" smtClean="0">
+              <a:rPr lang="en-US" b="1" dirty="0"/>
+              <a:t>Lesson 5.5 </a:t>
+            </a:r>
+            <a:r>
+              <a:rPr lang="en-US" dirty="0">
                 <a:solidFill>
                   <a:srgbClr val="17B1AA"/>
                 </a:solidFill>
               </a:rPr>
               <a:t>Finding and Fixing Errors</a:t>
             </a:r>
-            <a:endParaRPr lang="en-US" dirty="0">
-              <a:solidFill>
-                <a:srgbClr val="17B1AA"/>
-              </a:solidFill>
-            </a:endParaRPr>
           </a:p>
         </p:txBody>
       </p:sp>
@@ -4958,31 +4737,26 @@
               </a:rPr>
               <a:t>Objectives </a:t>
             </a:r>
-            <a:endParaRPr lang="en-US" dirty="0" smtClean="0">
-              <a:solidFill>
-                <a:srgbClr val="17B1AA"/>
-              </a:solidFill>
-            </a:endParaRPr>
           </a:p>
           <a:p>
             <a:pPr lvl="1"/>
             <a:r>
-              <a:rPr lang="en-US" b="1" dirty="0" smtClean="0"/>
+              <a:rPr lang="en-US" b="1" dirty="0"/>
               <a:t>Find</a:t>
             </a:r>
             <a:r>
-              <a:rPr lang="en-US" dirty="0" smtClean="0"/>
+              <a:rPr lang="en-US" dirty="0"/>
               <a:t> errors in returned homework assignments.</a:t>
             </a:r>
           </a:p>
           <a:p>
             <a:pPr lvl="1"/>
             <a:r>
-              <a:rPr lang="en-US" b="1" dirty="0" smtClean="0"/>
+              <a:rPr lang="en-US" b="1" dirty="0"/>
               <a:t>Correct</a:t>
             </a:r>
             <a:r>
-              <a:rPr lang="en-US" dirty="0" smtClean="0"/>
+              <a:rPr lang="en-US" dirty="0"/>
               <a:t> code,</a:t>
             </a:r>
             <a:endParaRPr lang="en-US" b="1" dirty="0"/>
@@ -5002,23 +4776,17 @@
               </a:rPr>
               <a:t>Assessments </a:t>
             </a:r>
-            <a:endParaRPr lang="en-US" dirty="0" smtClean="0">
-              <a:solidFill>
-                <a:srgbClr val="17B1AA"/>
-              </a:solidFill>
-            </a:endParaRPr>
           </a:p>
           <a:p>
             <a:pPr lvl="1"/>
             <a:r>
-              <a:rPr lang="en-US" b="1" dirty="0" smtClean="0"/>
+              <a:rPr lang="en-US" b="1" dirty="0"/>
               <a:t>Re-submit</a:t>
             </a:r>
             <a:r>
-              <a:rPr lang="en-US" dirty="0" smtClean="0"/>
+              <a:rPr lang="en-US" dirty="0"/>
               <a:t> all homework assignments with corrected answers</a:t>
             </a:r>
-            <a:endParaRPr lang="en-US" dirty="0"/>
           </a:p>
           <a:p>
             <a:pPr marL="0" indent="0">
@@ -5035,23 +4803,17 @@
               </a:rPr>
               <a:t>Homework </a:t>
             </a:r>
-            <a:endParaRPr lang="en-US" dirty="0" smtClean="0">
-              <a:solidFill>
-                <a:srgbClr val="17B1AA"/>
-              </a:solidFill>
-            </a:endParaRPr>
           </a:p>
           <a:p>
             <a:pPr lvl="1"/>
             <a:r>
-              <a:rPr lang="en-US" b="1" dirty="0" smtClean="0"/>
+              <a:rPr lang="en-US" b="1" dirty="0"/>
               <a:t>Submit</a:t>
             </a:r>
             <a:r>
-              <a:rPr lang="en-US" dirty="0" smtClean="0"/>
+              <a:rPr lang="en-US" dirty="0"/>
               <a:t> questions for review</a:t>
             </a:r>
-            <a:endParaRPr lang="en-US" dirty="0"/>
           </a:p>
           <a:p>
             <a:pPr lvl="1"/>
@@ -5075,10 +4837,9 @@
           <a:lstStyle/>
           <a:p>
             <a:r>
-              <a:rPr lang="en-US" smtClean="0"/>
+              <a:rPr lang="en-US"/>
               <a:t>Developed by TEALS in 2015  www.tealsk12.org</a:t>
             </a:r>
-            <a:endParaRPr lang="en-US"/>
           </a:p>
         </p:txBody>
       </p:sp>
@@ -5128,30 +4889,17 @@
           <a:lstStyle/>
           <a:p>
             <a:r>
-              <a:rPr lang="en-US" b="1" dirty="0" smtClean="0"/>
-              <a:t>Lesson </a:t>
-            </a:r>
-            <a:r>
-              <a:rPr lang="en-US" b="1" dirty="0" smtClean="0"/>
-              <a:t>5.6</a:t>
-            </a:r>
-            <a:r>
-              <a:rPr lang="en-US" b="1" dirty="0" smtClean="0"/>
-              <a:t> </a:t>
-            </a:r>
-            <a:r>
-              <a:rPr lang="en-US" dirty="0" smtClean="0">
+              <a:rPr lang="en-US" b="1" dirty="0"/>
+              <a:t>Lesson 5.6 </a:t>
+            </a:r>
+            <a:r>
+              <a:rPr lang="en-US" dirty="0">
                 <a:solidFill>
                   <a:srgbClr val="17B1AA"/>
                 </a:solidFill>
               </a:rPr>
               <a:t>Picture Lab</a:t>
             </a:r>
-            <a:endParaRPr lang="en-US" dirty="0">
-              <a:solidFill>
-                <a:srgbClr val="17B1AA"/>
-              </a:solidFill>
-            </a:endParaRPr>
           </a:p>
         </p:txBody>
       </p:sp>
@@ -5180,31 +4928,25 @@
               </a:rPr>
               <a:t>Objectives </a:t>
             </a:r>
-            <a:endParaRPr lang="en-US" dirty="0" smtClean="0">
-              <a:solidFill>
-                <a:srgbClr val="17B1AA"/>
-              </a:solidFill>
-            </a:endParaRPr>
           </a:p>
           <a:p>
             <a:pPr lvl="1"/>
             <a:r>
-              <a:rPr lang="en-US" b="1" dirty="0" smtClean="0"/>
+              <a:rPr lang="en-US" b="1" dirty="0"/>
               <a:t>Complete</a:t>
             </a:r>
             <a:r>
-              <a:rPr lang="en-US" dirty="0" smtClean="0"/>
+              <a:rPr lang="en-US" dirty="0"/>
               <a:t> a long-form lab, using two-dimensional arrays of objects, array </a:t>
             </a:r>
             <a:r>
-              <a:rPr lang="en-US" dirty="0" err="1" smtClean="0"/>
+              <a:rPr lang="en-US" dirty="0" err="1"/>
               <a:t>transversing</a:t>
             </a:r>
             <a:r>
-              <a:rPr lang="en-US" dirty="0" smtClean="0"/>
+              <a:rPr lang="en-US" dirty="0"/>
               <a:t> algorithms, program analysis, binary numbers, inheritance, and interfaces.</a:t>
             </a:r>
-            <a:endParaRPr lang="en-US" dirty="0"/>
           </a:p>
           <a:p>
             <a:pPr marL="0" indent="0">
@@ -5221,23 +4963,17 @@
               </a:rPr>
               <a:t>Assessments </a:t>
             </a:r>
-            <a:endParaRPr lang="en-US" dirty="0" smtClean="0">
-              <a:solidFill>
-                <a:srgbClr val="17B1AA"/>
-              </a:solidFill>
-            </a:endParaRPr>
           </a:p>
           <a:p>
             <a:pPr lvl="1"/>
             <a:r>
-              <a:rPr lang="en-US" b="1" dirty="0" smtClean="0"/>
+              <a:rPr lang="en-US" b="1" dirty="0"/>
               <a:t>Complete</a:t>
             </a:r>
             <a:r>
-              <a:rPr lang="en-US" dirty="0" smtClean="0"/>
+              <a:rPr lang="en-US" dirty="0"/>
               <a:t> lab.</a:t>
             </a:r>
-            <a:endParaRPr lang="en-US" dirty="0"/>
           </a:p>
           <a:p>
             <a:pPr marL="0" indent="0">
@@ -5254,27 +4990,21 @@
               </a:rPr>
               <a:t>Homework </a:t>
             </a:r>
-            <a:endParaRPr lang="en-US" dirty="0" smtClean="0">
-              <a:solidFill>
-                <a:srgbClr val="17B1AA"/>
-              </a:solidFill>
-            </a:endParaRPr>
           </a:p>
           <a:p>
             <a:pPr lvl="1"/>
             <a:r>
-              <a:rPr lang="en-US" b="1" dirty="0" smtClean="0"/>
+              <a:rPr lang="en-US" b="1" dirty="0"/>
               <a:t>Complete</a:t>
             </a:r>
             <a:r>
-              <a:rPr lang="en-US" dirty="0" smtClean="0"/>
+              <a:rPr lang="en-US" dirty="0"/>
               <a:t> lab.</a:t>
             </a:r>
+          </a:p>
+          <a:p>
             <a:endParaRPr lang="en-US" dirty="0"/>
           </a:p>
-          <a:p>
-            <a:endParaRPr lang="en-US" dirty="0"/>
-          </a:p>
         </p:txBody>
       </p:sp>
       <p:sp>
@@ -5293,10 +5023,9 @@
           <a:lstStyle/>
           <a:p>
             <a:r>
-              <a:rPr lang="en-US" smtClean="0"/>
+              <a:rPr lang="en-US"/>
               <a:t>Developed by TEALS in 2015  www.tealsk12.org</a:t>
             </a:r>
-            <a:endParaRPr lang="en-US"/>
           </a:p>
         </p:txBody>
       </p:sp>
@@ -5346,30 +5075,17 @@
           <a:lstStyle/>
           <a:p>
             <a:r>
-              <a:rPr lang="en-US" b="1" dirty="0" smtClean="0"/>
-              <a:t>Lesson </a:t>
-            </a:r>
-            <a:r>
-              <a:rPr lang="en-US" b="1" dirty="0" smtClean="0"/>
-              <a:t>5.7</a:t>
-            </a:r>
-            <a:r>
-              <a:rPr lang="en-US" b="1" dirty="0" smtClean="0"/>
-              <a:t> </a:t>
-            </a:r>
-            <a:r>
-              <a:rPr lang="en-US" dirty="0" smtClean="0">
+              <a:rPr lang="en-US" b="1" dirty="0"/>
+              <a:t>Lesson 5.7 </a:t>
+            </a:r>
+            <a:r>
+              <a:rPr lang="en-US" dirty="0">
                 <a:solidFill>
                   <a:srgbClr val="17B1AA"/>
                 </a:solidFill>
               </a:rPr>
               <a:t>Review</a:t>
             </a:r>
-            <a:endParaRPr lang="en-US" dirty="0">
-              <a:solidFill>
-                <a:srgbClr val="17B1AA"/>
-              </a:solidFill>
-            </a:endParaRPr>
           </a:p>
         </p:txBody>
       </p:sp>
@@ -5398,23 +5114,17 @@
               </a:rPr>
               <a:t>Objectives </a:t>
             </a:r>
-            <a:endParaRPr lang="en-US" dirty="0" smtClean="0">
-              <a:solidFill>
-                <a:srgbClr val="17B1AA"/>
-              </a:solidFill>
-            </a:endParaRPr>
           </a:p>
           <a:p>
             <a:pPr lvl="1"/>
             <a:r>
-              <a:rPr lang="en-US" b="1" dirty="0" smtClean="0"/>
+              <a:rPr lang="en-US" b="1" dirty="0"/>
               <a:t>Identify</a:t>
             </a:r>
             <a:r>
-              <a:rPr lang="en-US" dirty="0" smtClean="0"/>
+              <a:rPr lang="en-US" dirty="0"/>
               <a:t> weaknesses in Unit 5 knowledge</a:t>
             </a:r>
-            <a:endParaRPr lang="en-US" dirty="0"/>
           </a:p>
           <a:p>
             <a:pPr marL="0" indent="0">
@@ -5431,23 +5141,17 @@
               </a:rPr>
               <a:t>Assessments </a:t>
             </a:r>
-            <a:endParaRPr lang="en-US" dirty="0" smtClean="0">
-              <a:solidFill>
-                <a:srgbClr val="17B1AA"/>
-              </a:solidFill>
-            </a:endParaRPr>
           </a:p>
           <a:p>
             <a:pPr lvl="1"/>
             <a:r>
-              <a:rPr lang="en-US" b="1" dirty="0" smtClean="0"/>
+              <a:rPr lang="en-US" b="1" dirty="0"/>
               <a:t>Create</a:t>
             </a:r>
             <a:r>
-              <a:rPr lang="en-US" dirty="0" smtClean="0"/>
+              <a:rPr lang="en-US" dirty="0"/>
               <a:t> a personalized list of review topics to guide tonight’s study session.</a:t>
             </a:r>
-            <a:endParaRPr lang="en-US" dirty="0"/>
           </a:p>
           <a:p>
             <a:pPr marL="0" indent="0">
@@ -5464,24 +5168,19 @@
               </a:rPr>
               <a:t>Homework </a:t>
             </a:r>
-            <a:endParaRPr lang="en-US" dirty="0" smtClean="0">
-              <a:solidFill>
-                <a:srgbClr val="17B1AA"/>
-              </a:solidFill>
-            </a:endParaRPr>
           </a:p>
           <a:p>
             <a:pPr lvl="1"/>
             <a:r>
-              <a:rPr lang="en-US" b="1" dirty="0" smtClean="0"/>
+              <a:rPr lang="en-US" b="1" dirty="0"/>
               <a:t>Study</a:t>
             </a:r>
             <a:r>
-              <a:rPr lang="en-US" dirty="0" smtClean="0"/>
+              <a:rPr lang="en-US" dirty="0"/>
               <a:t> </a:t>
             </a:r>
             <a:r>
-              <a:rPr lang="en-US" smtClean="0"/>
+              <a:rPr lang="en-US"/>
               <a:t>for test.</a:t>
             </a:r>
             <a:endParaRPr lang="en-US" dirty="0"/>
@@ -5507,10 +5206,9 @@
           <a:lstStyle/>
           <a:p>
             <a:r>
-              <a:rPr lang="en-US" smtClean="0"/>
+              <a:rPr lang="en-US"/>
               <a:t>Developed by TEALS in 2015  www.tealsk12.org</a:t>
             </a:r>
-            <a:endParaRPr lang="en-US"/>
           </a:p>
         </p:txBody>
       </p:sp>
@@ -6488,12 +6186,9 @@
 </file>
 
 <file path=customXml/item1.xml><?xml version="1.0" encoding="utf-8"?>
-<?mso-contentType ?>
-<FormTemplates xmlns="http://schemas.microsoft.com/sharepoint/v3/contenttype/forms">
-  <Display>DocumentLibraryForm</Display>
-  <Edit>DocumentLibraryForm</Edit>
-  <New>DocumentLibraryForm</New>
-</FormTemplates>
+<p:properties xmlns:p="http://schemas.microsoft.com/office/2006/metadata/properties" xmlns:xsi="http://www.w3.org/2001/XMLSchema-instance" xmlns:pc="http://schemas.microsoft.com/office/infopath/2007/PartnerControls">
+  <documentManagement/>
+</p:properties>
 </file>
 
 <file path=customXml/item2.xml><?xml version="1.0" encoding="utf-8"?>
@@ -6651,19 +6346,45 @@
 </file>
 
 <file path=customXml/item3.xml><?xml version="1.0" encoding="utf-8"?>
-<p:properties xmlns:p="http://schemas.microsoft.com/office/2006/metadata/properties" xmlns:xsi="http://www.w3.org/2001/XMLSchema-instance" xmlns:pc="http://schemas.microsoft.com/office/infopath/2007/PartnerControls">
-  <documentManagement/>
-</p:properties>
+<?mso-contentType ?>
+<FormTemplates xmlns="http://schemas.microsoft.com/sharepoint/v3/contenttype/forms">
+  <Display>DocumentLibraryForm</Display>
+  <Edit>DocumentLibraryForm</Edit>
+  <New>DocumentLibraryForm</New>
+</FormTemplates>
 </file>
 
 <file path=customXml/itemProps1.xml><?xml version="1.0" encoding="utf-8"?>
-<ds:datastoreItem xmlns:ds="http://schemas.openxmlformats.org/officeDocument/2006/customXml" ds:itemID="{9FA38C65-94B9-42A0-9F25-559A3E9E93B1}"/>
+<ds:datastoreItem xmlns:ds="http://schemas.openxmlformats.org/officeDocument/2006/customXml" ds:itemID="{AA71BE28-A95D-47E3-9ED6-D1A83C640CB9}">
+  <ds:schemaRefs>
+    <ds:schemaRef ds:uri="http://schemas.microsoft.com/office/2006/metadata/properties"/>
+    <ds:schemaRef ds:uri="http://schemas.microsoft.com/office/infopath/2007/PartnerControls"/>
+  </ds:schemaRefs>
+</ds:datastoreItem>
 </file>
 
 <file path=customXml/itemProps2.xml><?xml version="1.0" encoding="utf-8"?>
-<ds:datastoreItem xmlns:ds="http://schemas.openxmlformats.org/officeDocument/2006/customXml" ds:itemID="{5B049BFC-8C7B-4EFD-A670-0FC2CFCDB117}"/>
+<ds:datastoreItem xmlns:ds="http://schemas.openxmlformats.org/officeDocument/2006/customXml" ds:itemID="{5B049BFC-8C7B-4EFD-A670-0FC2CFCDB117}">
+  <ds:schemaRefs>
+    <ds:schemaRef ds:uri="http://schemas.microsoft.com/office/2006/metadata/contentType"/>
+    <ds:schemaRef ds:uri="http://schemas.microsoft.com/office/2006/metadata/properties/metaAttributes"/>
+    <ds:schemaRef ds:uri="http://www.w3.org/2001/XMLSchema"/>
+    <ds:schemaRef ds:uri="http://schemas.microsoft.com/office/2006/metadata/properties"/>
+    <ds:schemaRef ds:uri="5edd459b-714d-42ed-b78f-512da7d1c14e"/>
+    <ds:schemaRef ds:uri="http://schemas.microsoft.com/office/2006/documentManagement/types"/>
+    <ds:schemaRef ds:uri="http://schemas.microsoft.com/office/infopath/2007/PartnerControls"/>
+    <ds:schemaRef ds:uri="http://schemas.openxmlformats.org/package/2006/metadata/core-properties"/>
+    <ds:schemaRef ds:uri="http://purl.org/dc/elements/1.1/"/>
+    <ds:schemaRef ds:uri="http://purl.org/dc/terms/"/>
+    <ds:schemaRef ds:uri="http://schemas.microsoft.com/internal/obd"/>
+  </ds:schemaRefs>
+</ds:datastoreItem>
 </file>
 
 <file path=customXml/itemProps3.xml><?xml version="1.0" encoding="utf-8"?>
-<ds:datastoreItem xmlns:ds="http://schemas.openxmlformats.org/officeDocument/2006/customXml" ds:itemID="{AA71BE28-A95D-47E3-9ED6-D1A83C640CB9}"/>
+<ds:datastoreItem xmlns:ds="http://schemas.openxmlformats.org/officeDocument/2006/customXml" ds:itemID="{9FA38C65-94B9-42A0-9F25-559A3E9E93B1}">
+  <ds:schemaRefs>
+    <ds:schemaRef ds:uri="http://schemas.microsoft.com/sharepoint/v3/contenttype/forms"/>
+  </ds:schemaRefs>
+</ds:datastoreItem>
 </file>
--- a/curriculum/Unit5/Unit 5 Slides.pptx
+++ b/curriculum/Unit5/Unit 5 Slides.pptx
@@ -2,23 +2,23 @@
 <file path=ppt/presentation.xml><?xml version="1.0" encoding="utf-8"?>
 <p:presentation xmlns:a="http://schemas.openxmlformats.org/drawingml/2006/main" xmlns:r="http://schemas.openxmlformats.org/officeDocument/2006/relationships" xmlns:p="http://schemas.openxmlformats.org/presentationml/2006/main" saveSubsetFonts="1" autoCompressPictures="0">
   <p:sldMasterIdLst>
-    <p:sldMasterId id="2147483648" r:id="rId4"/>
+    <p:sldMasterId id="2147483648" r:id="rId1"/>
   </p:sldMasterIdLst>
   <p:notesMasterIdLst>
-    <p:notesMasterId r:id="rId13"/>
+    <p:notesMasterId r:id="rId10"/>
   </p:notesMasterIdLst>
   <p:handoutMasterIdLst>
-    <p:handoutMasterId r:id="rId14"/>
+    <p:handoutMasterId r:id="rId11"/>
   </p:handoutMasterIdLst>
   <p:sldIdLst>
-    <p:sldId id="271" r:id="rId5"/>
-    <p:sldId id="282" r:id="rId6"/>
-    <p:sldId id="278" r:id="rId7"/>
-    <p:sldId id="276" r:id="rId8"/>
-    <p:sldId id="273" r:id="rId9"/>
-    <p:sldId id="272" r:id="rId10"/>
-    <p:sldId id="281" r:id="rId11"/>
-    <p:sldId id="283" r:id="rId12"/>
+    <p:sldId id="271" r:id="rId2"/>
+    <p:sldId id="282" r:id="rId3"/>
+    <p:sldId id="278" r:id="rId4"/>
+    <p:sldId id="276" r:id="rId5"/>
+    <p:sldId id="273" r:id="rId6"/>
+    <p:sldId id="272" r:id="rId7"/>
+    <p:sldId id="281" r:id="rId8"/>
+    <p:sldId id="283" r:id="rId9"/>
   </p:sldIdLst>
   <p:sldSz cx="9144000" cy="6858000" type="screen4x3"/>
   <p:notesSz cx="6858000" cy="9144000"/>
@@ -117,22 +117,6 @@
       </a:defRPr>
     </a:lvl9pPr>
   </p:defaultTextStyle>
-  <p:extLst>
-    <p:ext uri="{EFAFB233-063F-42B5-8137-9DF3F51BA10A}">
-      <p15:sldGuideLst xmlns:p15="http://schemas.microsoft.com/office/powerpoint/2012/main">
-        <p15:guide id="1" orient="horz" pos="2160">
-          <p15:clr>
-            <a:srgbClr val="A4A3A4"/>
-          </p15:clr>
-        </p15:guide>
-        <p15:guide id="2" pos="2880">
-          <p15:clr>
-            <a:srgbClr val="A4A3A4"/>
-          </p15:clr>
-        </p15:guide>
-      </p15:sldGuideLst>
-    </p:ext>
-  </p:extLst>
 </p:presentation>
 </file>
 
@@ -218,7 +202,7 @@
           <a:p>
             <a:fld id="{6D0754E3-E03E-ED44-9A59-706283C2F2CC}" type="datetimeFigureOut">
               <a:rPr lang="en-US" smtClean="0"/>
-              <a:t>2/18/2020</a:t>
+              <a:t>7/1/15</a:t>
             </a:fld>
             <a:endParaRPr lang="en-US"/>
           </a:p>
@@ -384,7 +368,7 @@
           <a:p>
             <a:fld id="{44996FB4-6AD2-FE4B-B45E-D44A9C110DAF}" type="datetimeFigureOut">
               <a:rPr lang="en-US" smtClean="0"/>
-              <a:t>2/18/2020</a:t>
+              <a:t>7/1/15</a:t>
             </a:fld>
             <a:endParaRPr lang="en-US"/>
           </a:p>
@@ -448,37 +432,38 @@
           <a:p>
             <a:pPr lvl="0"/>
             <a:r>
-              <a:rPr lang="en-US"/>
+              <a:rPr lang="en-US" smtClean="0"/>
               <a:t>Click to edit Master text styles</a:t>
             </a:r>
           </a:p>
           <a:p>
             <a:pPr lvl="1"/>
             <a:r>
-              <a:rPr lang="en-US"/>
+              <a:rPr lang="en-US" smtClean="0"/>
               <a:t>Second level</a:t>
             </a:r>
           </a:p>
           <a:p>
             <a:pPr lvl="2"/>
             <a:r>
-              <a:rPr lang="en-US"/>
+              <a:rPr lang="en-US" smtClean="0"/>
               <a:t>Third level</a:t>
             </a:r>
           </a:p>
           <a:p>
             <a:pPr lvl="3"/>
             <a:r>
-              <a:rPr lang="en-US"/>
+              <a:rPr lang="en-US" smtClean="0"/>
               <a:t>Fourth level</a:t>
             </a:r>
           </a:p>
           <a:p>
             <a:pPr lvl="4"/>
             <a:r>
-              <a:rPr lang="en-US"/>
+              <a:rPr lang="en-US" smtClean="0"/>
               <a:t>Fifth level</a:t>
             </a:r>
+            <a:endParaRPr lang="en-US"/>
           </a:p>
         </p:txBody>
       </p:sp>
@@ -774,9 +759,10 @@
           <a:lstStyle/>
           <a:p>
             <a:r>
-              <a:rPr lang="en-US"/>
+              <a:rPr lang="en-US" smtClean="0"/>
               <a:t>Click to edit Master title style</a:t>
             </a:r>
+            <a:endParaRPr lang="en-US"/>
           </a:p>
         </p:txBody>
       </p:sp>
@@ -892,9 +878,10 @@
           </a:lstStyle>
           <a:p>
             <a:r>
-              <a:rPr lang="en-US"/>
+              <a:rPr lang="en-US" smtClean="0"/>
               <a:t>Click to edit Master subtitle style</a:t>
             </a:r>
+            <a:endParaRPr lang="en-US"/>
           </a:p>
         </p:txBody>
       </p:sp>
@@ -915,7 +902,7 @@
           <a:p>
             <a:fld id="{34990CC2-A8CC-B149-BA8F-DDB0E524EE45}" type="datetime1">
               <a:rPr lang="en-US" smtClean="0"/>
-              <a:t>2/18/2020</a:t>
+              <a:t>7/1/15</a:t>
             </a:fld>
             <a:endParaRPr lang="en-US"/>
           </a:p>
@@ -937,9 +924,10 @@
           <a:lstStyle/>
           <a:p>
             <a:r>
-              <a:rPr lang="en-US"/>
+              <a:rPr lang="en-US" smtClean="0"/>
               <a:t>Developed by TEALS in 2015  www.tealsk12.org</a:t>
             </a:r>
+            <a:endParaRPr lang="en-US"/>
           </a:p>
         </p:txBody>
       </p:sp>
@@ -1012,9 +1000,10 @@
           <a:lstStyle/>
           <a:p>
             <a:r>
-              <a:rPr lang="en-US"/>
+              <a:rPr lang="en-US" smtClean="0"/>
               <a:t>Click to edit Master title style</a:t>
             </a:r>
+            <a:endParaRPr lang="en-US"/>
           </a:p>
         </p:txBody>
       </p:sp>
@@ -1035,37 +1024,38 @@
           <a:p>
             <a:pPr lvl="0"/>
             <a:r>
-              <a:rPr lang="en-US"/>
+              <a:rPr lang="en-US" smtClean="0"/>
               <a:t>Click to edit Master text styles</a:t>
             </a:r>
           </a:p>
           <a:p>
             <a:pPr lvl="1"/>
             <a:r>
-              <a:rPr lang="en-US"/>
+              <a:rPr lang="en-US" smtClean="0"/>
               <a:t>Second level</a:t>
             </a:r>
           </a:p>
           <a:p>
             <a:pPr lvl="2"/>
             <a:r>
-              <a:rPr lang="en-US"/>
+              <a:rPr lang="en-US" smtClean="0"/>
               <a:t>Third level</a:t>
             </a:r>
           </a:p>
           <a:p>
             <a:pPr lvl="3"/>
             <a:r>
-              <a:rPr lang="en-US"/>
+              <a:rPr lang="en-US" smtClean="0"/>
               <a:t>Fourth level</a:t>
             </a:r>
           </a:p>
           <a:p>
             <a:pPr lvl="4"/>
             <a:r>
-              <a:rPr lang="en-US"/>
+              <a:rPr lang="en-US" smtClean="0"/>
               <a:t>Fifth level</a:t>
             </a:r>
+            <a:endParaRPr lang="en-US"/>
           </a:p>
         </p:txBody>
       </p:sp>
@@ -1086,7 +1076,7 @@
           <a:p>
             <a:fld id="{96267D05-F6C2-F64A-9C7F-A94B43164B5C}" type="datetime1">
               <a:rPr lang="en-US" smtClean="0"/>
-              <a:t>2/18/2020</a:t>
+              <a:t>7/1/15</a:t>
             </a:fld>
             <a:endParaRPr lang="en-US"/>
           </a:p>
@@ -1108,9 +1098,10 @@
           <a:lstStyle/>
           <a:p>
             <a:r>
-              <a:rPr lang="en-US"/>
+              <a:rPr lang="en-US" smtClean="0"/>
               <a:t>Developed by TEALS in 2015  www.tealsk12.org</a:t>
             </a:r>
+            <a:endParaRPr lang="en-US"/>
           </a:p>
         </p:txBody>
       </p:sp>
@@ -1188,9 +1179,10 @@
           <a:lstStyle/>
           <a:p>
             <a:r>
-              <a:rPr lang="en-US"/>
+              <a:rPr lang="en-US" smtClean="0"/>
               <a:t>Click to edit Master title style</a:t>
             </a:r>
+            <a:endParaRPr lang="en-US"/>
           </a:p>
         </p:txBody>
       </p:sp>
@@ -1216,37 +1208,38 @@
           <a:p>
             <a:pPr lvl="0"/>
             <a:r>
-              <a:rPr lang="en-US"/>
+              <a:rPr lang="en-US" smtClean="0"/>
               <a:t>Click to edit Master text styles</a:t>
             </a:r>
           </a:p>
           <a:p>
             <a:pPr lvl="1"/>
             <a:r>
-              <a:rPr lang="en-US"/>
+              <a:rPr lang="en-US" smtClean="0"/>
               <a:t>Second level</a:t>
             </a:r>
           </a:p>
           <a:p>
             <a:pPr lvl="2"/>
             <a:r>
-              <a:rPr lang="en-US"/>
+              <a:rPr lang="en-US" smtClean="0"/>
               <a:t>Third level</a:t>
             </a:r>
           </a:p>
           <a:p>
             <a:pPr lvl="3"/>
             <a:r>
-              <a:rPr lang="en-US"/>
+              <a:rPr lang="en-US" smtClean="0"/>
               <a:t>Fourth level</a:t>
             </a:r>
           </a:p>
           <a:p>
             <a:pPr lvl="4"/>
             <a:r>
-              <a:rPr lang="en-US"/>
+              <a:rPr lang="en-US" smtClean="0"/>
               <a:t>Fifth level</a:t>
             </a:r>
+            <a:endParaRPr lang="en-US"/>
           </a:p>
         </p:txBody>
       </p:sp>
@@ -1267,7 +1260,7 @@
           <a:p>
             <a:fld id="{087C1978-9D0A-A345-9E84-F995A3601C8E}" type="datetime1">
               <a:rPr lang="en-US" smtClean="0"/>
-              <a:t>2/18/2020</a:t>
+              <a:t>7/1/15</a:t>
             </a:fld>
             <a:endParaRPr lang="en-US"/>
           </a:p>
@@ -1289,9 +1282,10 @@
           <a:lstStyle/>
           <a:p>
             <a:r>
-              <a:rPr lang="en-US"/>
+              <a:rPr lang="en-US" smtClean="0"/>
               <a:t>Developed by TEALS in 2015  www.tealsk12.org</a:t>
             </a:r>
+            <a:endParaRPr lang="en-US"/>
           </a:p>
         </p:txBody>
       </p:sp>
@@ -1364,9 +1358,10 @@
           <a:lstStyle/>
           <a:p>
             <a:r>
-              <a:rPr lang="en-US"/>
+              <a:rPr lang="en-US" smtClean="0"/>
               <a:t>Click to edit Master title style</a:t>
             </a:r>
+            <a:endParaRPr lang="en-US"/>
           </a:p>
         </p:txBody>
       </p:sp>
@@ -1387,37 +1382,38 @@
           <a:p>
             <a:pPr lvl="0"/>
             <a:r>
-              <a:rPr lang="en-US"/>
+              <a:rPr lang="en-US" smtClean="0"/>
               <a:t>Click to edit Master text styles</a:t>
             </a:r>
           </a:p>
           <a:p>
             <a:pPr lvl="1"/>
             <a:r>
-              <a:rPr lang="en-US"/>
+              <a:rPr lang="en-US" smtClean="0"/>
               <a:t>Second level</a:t>
             </a:r>
           </a:p>
           <a:p>
             <a:pPr lvl="2"/>
             <a:r>
-              <a:rPr lang="en-US"/>
+              <a:rPr lang="en-US" smtClean="0"/>
               <a:t>Third level</a:t>
             </a:r>
           </a:p>
           <a:p>
             <a:pPr lvl="3"/>
             <a:r>
-              <a:rPr lang="en-US"/>
+              <a:rPr lang="en-US" smtClean="0"/>
               <a:t>Fourth level</a:t>
             </a:r>
           </a:p>
           <a:p>
             <a:pPr lvl="4"/>
             <a:r>
-              <a:rPr lang="en-US"/>
+              <a:rPr lang="en-US" smtClean="0"/>
               <a:t>Fifth level</a:t>
             </a:r>
+            <a:endParaRPr lang="en-US"/>
           </a:p>
         </p:txBody>
       </p:sp>
@@ -1438,7 +1434,7 @@
           <a:p>
             <a:fld id="{620CD570-9DDA-524E-9F58-9DBC8D3A8C31}" type="datetime1">
               <a:rPr lang="en-US" smtClean="0"/>
-              <a:t>2/18/2020</a:t>
+              <a:t>7/1/15</a:t>
             </a:fld>
             <a:endParaRPr lang="en-US"/>
           </a:p>
@@ -1460,9 +1456,10 @@
           <a:lstStyle/>
           <a:p>
             <a:r>
-              <a:rPr lang="en-US"/>
+              <a:rPr lang="en-US" smtClean="0"/>
               <a:t>Developed by TEALS in 2015  www.tealsk12.org</a:t>
             </a:r>
+            <a:endParaRPr lang="en-US"/>
           </a:p>
         </p:txBody>
       </p:sp>
@@ -1544,9 +1541,10 @@
           </a:lstStyle>
           <a:p>
             <a:r>
-              <a:rPr lang="en-US"/>
+              <a:rPr lang="en-US" smtClean="0"/>
               <a:t>Click to edit Master title style</a:t>
             </a:r>
+            <a:endParaRPr lang="en-US"/>
           </a:p>
         </p:txBody>
       </p:sp>
@@ -1663,7 +1661,7 @@
           <a:p>
             <a:pPr lvl="0"/>
             <a:r>
-              <a:rPr lang="en-US"/>
+              <a:rPr lang="en-US" smtClean="0"/>
               <a:t>Click to edit Master text styles</a:t>
             </a:r>
           </a:p>
@@ -1686,7 +1684,7 @@
           <a:p>
             <a:fld id="{FEBAD56B-400E-5542-B4A1-CD46AB8B4D0E}" type="datetime1">
               <a:rPr lang="en-US" smtClean="0"/>
-              <a:t>2/18/2020</a:t>
+              <a:t>7/1/15</a:t>
             </a:fld>
             <a:endParaRPr lang="en-US"/>
           </a:p>
@@ -1708,9 +1706,10 @@
           <a:lstStyle/>
           <a:p>
             <a:r>
-              <a:rPr lang="en-US"/>
+              <a:rPr lang="en-US" smtClean="0"/>
               <a:t>Developed by TEALS in 2015  www.tealsk12.org</a:t>
             </a:r>
+            <a:endParaRPr lang="en-US"/>
           </a:p>
         </p:txBody>
       </p:sp>
@@ -1783,9 +1782,10 @@
           <a:lstStyle/>
           <a:p>
             <a:r>
-              <a:rPr lang="en-US"/>
+              <a:rPr lang="en-US" smtClean="0"/>
               <a:t>Click to edit Master title style</a:t>
             </a:r>
+            <a:endParaRPr lang="en-US"/>
           </a:p>
         </p:txBody>
       </p:sp>
@@ -1839,37 +1839,38 @@
           <a:p>
             <a:pPr lvl="0"/>
             <a:r>
-              <a:rPr lang="en-US"/>
+              <a:rPr lang="en-US" smtClean="0"/>
               <a:t>Click to edit Master text styles</a:t>
             </a:r>
           </a:p>
           <a:p>
             <a:pPr lvl="1"/>
             <a:r>
-              <a:rPr lang="en-US"/>
+              <a:rPr lang="en-US" smtClean="0"/>
               <a:t>Second level</a:t>
             </a:r>
           </a:p>
           <a:p>
             <a:pPr lvl="2"/>
             <a:r>
-              <a:rPr lang="en-US"/>
+              <a:rPr lang="en-US" smtClean="0"/>
               <a:t>Third level</a:t>
             </a:r>
           </a:p>
           <a:p>
             <a:pPr lvl="3"/>
             <a:r>
-              <a:rPr lang="en-US"/>
+              <a:rPr lang="en-US" smtClean="0"/>
               <a:t>Fourth level</a:t>
             </a:r>
           </a:p>
           <a:p>
             <a:pPr lvl="4"/>
             <a:r>
-              <a:rPr lang="en-US"/>
+              <a:rPr lang="en-US" smtClean="0"/>
               <a:t>Fifth level</a:t>
             </a:r>
+            <a:endParaRPr lang="en-US"/>
           </a:p>
         </p:txBody>
       </p:sp>
@@ -1923,37 +1924,38 @@
           <a:p>
             <a:pPr lvl="0"/>
             <a:r>
-              <a:rPr lang="en-US"/>
+              <a:rPr lang="en-US" smtClean="0"/>
               <a:t>Click to edit Master text styles</a:t>
             </a:r>
           </a:p>
           <a:p>
             <a:pPr lvl="1"/>
             <a:r>
-              <a:rPr lang="en-US"/>
+              <a:rPr lang="en-US" smtClean="0"/>
               <a:t>Second level</a:t>
             </a:r>
           </a:p>
           <a:p>
             <a:pPr lvl="2"/>
             <a:r>
-              <a:rPr lang="en-US"/>
+              <a:rPr lang="en-US" smtClean="0"/>
               <a:t>Third level</a:t>
             </a:r>
           </a:p>
           <a:p>
             <a:pPr lvl="3"/>
             <a:r>
-              <a:rPr lang="en-US"/>
+              <a:rPr lang="en-US" smtClean="0"/>
               <a:t>Fourth level</a:t>
             </a:r>
           </a:p>
           <a:p>
             <a:pPr lvl="4"/>
             <a:r>
-              <a:rPr lang="en-US"/>
+              <a:rPr lang="en-US" smtClean="0"/>
               <a:t>Fifth level</a:t>
             </a:r>
+            <a:endParaRPr lang="en-US"/>
           </a:p>
         </p:txBody>
       </p:sp>
@@ -1974,7 +1976,7 @@
           <a:p>
             <a:fld id="{43394E63-B418-1F4A-9C08-2548B9C5B3C1}" type="datetime1">
               <a:rPr lang="en-US" smtClean="0"/>
-              <a:t>2/18/2020</a:t>
+              <a:t>7/1/15</a:t>
             </a:fld>
             <a:endParaRPr lang="en-US"/>
           </a:p>
@@ -1996,9 +1998,10 @@
           <a:lstStyle/>
           <a:p>
             <a:r>
-              <a:rPr lang="en-US"/>
+              <a:rPr lang="en-US" smtClean="0"/>
               <a:t>Developed by TEALS in 2015  www.tealsk12.org</a:t>
             </a:r>
+            <a:endParaRPr lang="en-US"/>
           </a:p>
         </p:txBody>
       </p:sp>
@@ -2075,9 +2078,10 @@
           </a:lstStyle>
           <a:p>
             <a:r>
-              <a:rPr lang="en-US"/>
+              <a:rPr lang="en-US" smtClean="0"/>
               <a:t>Click to edit Master title style</a:t>
             </a:r>
+            <a:endParaRPr lang="en-US"/>
           </a:p>
         </p:txBody>
       </p:sp>
@@ -2140,7 +2144,7 @@
           <a:p>
             <a:pPr lvl="0"/>
             <a:r>
-              <a:rPr lang="en-US"/>
+              <a:rPr lang="en-US" smtClean="0"/>
               <a:t>Click to edit Master text styles</a:t>
             </a:r>
           </a:p>
@@ -2196,37 +2200,38 @@
           <a:p>
             <a:pPr lvl="0"/>
             <a:r>
-              <a:rPr lang="en-US"/>
+              <a:rPr lang="en-US" smtClean="0"/>
               <a:t>Click to edit Master text styles</a:t>
             </a:r>
           </a:p>
           <a:p>
             <a:pPr lvl="1"/>
             <a:r>
-              <a:rPr lang="en-US"/>
+              <a:rPr lang="en-US" smtClean="0"/>
               <a:t>Second level</a:t>
             </a:r>
           </a:p>
           <a:p>
             <a:pPr lvl="2"/>
             <a:r>
-              <a:rPr lang="en-US"/>
+              <a:rPr lang="en-US" smtClean="0"/>
               <a:t>Third level</a:t>
             </a:r>
           </a:p>
           <a:p>
             <a:pPr lvl="3"/>
             <a:r>
-              <a:rPr lang="en-US"/>
+              <a:rPr lang="en-US" smtClean="0"/>
               <a:t>Fourth level</a:t>
             </a:r>
           </a:p>
           <a:p>
             <a:pPr lvl="4"/>
             <a:r>
-              <a:rPr lang="en-US"/>
+              <a:rPr lang="en-US" smtClean="0"/>
               <a:t>Fifth level</a:t>
             </a:r>
+            <a:endParaRPr lang="en-US"/>
           </a:p>
         </p:txBody>
       </p:sp>
@@ -2289,7 +2294,7 @@
           <a:p>
             <a:pPr lvl="0"/>
             <a:r>
-              <a:rPr lang="en-US"/>
+              <a:rPr lang="en-US" smtClean="0"/>
               <a:t>Click to edit Master text styles</a:t>
             </a:r>
           </a:p>
@@ -2345,37 +2350,38 @@
           <a:p>
             <a:pPr lvl="0"/>
             <a:r>
-              <a:rPr lang="en-US"/>
+              <a:rPr lang="en-US" smtClean="0"/>
               <a:t>Click to edit Master text styles</a:t>
             </a:r>
           </a:p>
           <a:p>
             <a:pPr lvl="1"/>
             <a:r>
-              <a:rPr lang="en-US"/>
+              <a:rPr lang="en-US" smtClean="0"/>
               <a:t>Second level</a:t>
             </a:r>
           </a:p>
           <a:p>
             <a:pPr lvl="2"/>
             <a:r>
-              <a:rPr lang="en-US"/>
+              <a:rPr lang="en-US" smtClean="0"/>
               <a:t>Third level</a:t>
             </a:r>
           </a:p>
           <a:p>
             <a:pPr lvl="3"/>
             <a:r>
-              <a:rPr lang="en-US"/>
+              <a:rPr lang="en-US" smtClean="0"/>
               <a:t>Fourth level</a:t>
             </a:r>
           </a:p>
           <a:p>
             <a:pPr lvl="4"/>
             <a:r>
-              <a:rPr lang="en-US"/>
+              <a:rPr lang="en-US" smtClean="0"/>
               <a:t>Fifth level</a:t>
             </a:r>
+            <a:endParaRPr lang="en-US"/>
           </a:p>
         </p:txBody>
       </p:sp>
@@ -2396,7 +2402,7 @@
           <a:p>
             <a:fld id="{6F92EF41-DD41-C742-BC3B-970F41658B68}" type="datetime1">
               <a:rPr lang="en-US" smtClean="0"/>
-              <a:t>2/18/2020</a:t>
+              <a:t>7/1/15</a:t>
             </a:fld>
             <a:endParaRPr lang="en-US"/>
           </a:p>
@@ -2418,9 +2424,10 @@
           <a:lstStyle/>
           <a:p>
             <a:r>
-              <a:rPr lang="en-US"/>
+              <a:rPr lang="en-US" smtClean="0"/>
               <a:t>Developed by TEALS in 2015  www.tealsk12.org</a:t>
             </a:r>
+            <a:endParaRPr lang="en-US"/>
           </a:p>
         </p:txBody>
       </p:sp>
@@ -2493,9 +2500,10 @@
           <a:lstStyle/>
           <a:p>
             <a:r>
-              <a:rPr lang="en-US"/>
+              <a:rPr lang="en-US" smtClean="0"/>
               <a:t>Click to edit Master title style</a:t>
             </a:r>
+            <a:endParaRPr lang="en-US"/>
           </a:p>
         </p:txBody>
       </p:sp>
@@ -2516,7 +2524,7 @@
           <a:p>
             <a:fld id="{631009B9-6DC3-0349-8BB5-CE1E5B2C68D1}" type="datetime1">
               <a:rPr lang="en-US" smtClean="0"/>
-              <a:t>2/18/2020</a:t>
+              <a:t>7/1/15</a:t>
             </a:fld>
             <a:endParaRPr lang="en-US"/>
           </a:p>
@@ -2538,9 +2546,10 @@
           <a:lstStyle/>
           <a:p>
             <a:r>
-              <a:rPr lang="en-US"/>
+              <a:rPr lang="en-US" smtClean="0"/>
               <a:t>Developed by TEALS in 2015  www.tealsk12.org</a:t>
             </a:r>
+            <a:endParaRPr lang="en-US"/>
           </a:p>
         </p:txBody>
       </p:sp>
@@ -2614,7 +2623,7 @@
           <a:p>
             <a:fld id="{DBD68779-2025-B44F-AD23-DF62F9874F1B}" type="datetime1">
               <a:rPr lang="en-US" smtClean="0"/>
-              <a:t>2/18/2020</a:t>
+              <a:t>7/1/15</a:t>
             </a:fld>
             <a:endParaRPr lang="en-US"/>
           </a:p>
@@ -2636,9 +2645,10 @@
           <a:lstStyle/>
           <a:p>
             <a:r>
-              <a:rPr lang="en-US"/>
+              <a:rPr lang="en-US" smtClean="0"/>
               <a:t>Developed by TEALS in 2015  www.tealsk12.org</a:t>
             </a:r>
+            <a:endParaRPr lang="en-US"/>
           </a:p>
         </p:txBody>
       </p:sp>
@@ -2720,9 +2730,10 @@
           </a:lstStyle>
           <a:p>
             <a:r>
-              <a:rPr lang="en-US"/>
+              <a:rPr lang="en-US" smtClean="0"/>
               <a:t>Click to edit Master title style</a:t>
             </a:r>
+            <a:endParaRPr lang="en-US"/>
           </a:p>
         </p:txBody>
       </p:sp>
@@ -2776,37 +2787,38 @@
           <a:p>
             <a:pPr lvl="0"/>
             <a:r>
-              <a:rPr lang="en-US"/>
+              <a:rPr lang="en-US" smtClean="0"/>
               <a:t>Click to edit Master text styles</a:t>
             </a:r>
           </a:p>
           <a:p>
             <a:pPr lvl="1"/>
             <a:r>
-              <a:rPr lang="en-US"/>
+              <a:rPr lang="en-US" smtClean="0"/>
               <a:t>Second level</a:t>
             </a:r>
           </a:p>
           <a:p>
             <a:pPr lvl="2"/>
             <a:r>
-              <a:rPr lang="en-US"/>
+              <a:rPr lang="en-US" smtClean="0"/>
               <a:t>Third level</a:t>
             </a:r>
           </a:p>
           <a:p>
             <a:pPr lvl="3"/>
             <a:r>
-              <a:rPr lang="en-US"/>
+              <a:rPr lang="en-US" smtClean="0"/>
               <a:t>Fourth level</a:t>
             </a:r>
           </a:p>
           <a:p>
             <a:pPr lvl="4"/>
             <a:r>
-              <a:rPr lang="en-US"/>
+              <a:rPr lang="en-US" smtClean="0"/>
               <a:t>Fifth level</a:t>
             </a:r>
+            <a:endParaRPr lang="en-US"/>
           </a:p>
         </p:txBody>
       </p:sp>
@@ -2869,7 +2881,7 @@
           <a:p>
             <a:pPr lvl="0"/>
             <a:r>
-              <a:rPr lang="en-US"/>
+              <a:rPr lang="en-US" smtClean="0"/>
               <a:t>Click to edit Master text styles</a:t>
             </a:r>
           </a:p>
@@ -2892,7 +2904,7 @@
           <a:p>
             <a:fld id="{1C533E1B-B859-DB4E-86F0-BE8C9C0ABFF7}" type="datetime1">
               <a:rPr lang="en-US" smtClean="0"/>
-              <a:t>2/18/2020</a:t>
+              <a:t>7/1/15</a:t>
             </a:fld>
             <a:endParaRPr lang="en-US"/>
           </a:p>
@@ -2914,9 +2926,10 @@
           <a:lstStyle/>
           <a:p>
             <a:r>
-              <a:rPr lang="en-US"/>
+              <a:rPr lang="en-US" smtClean="0"/>
               <a:t>Developed by TEALS in 2015  www.tealsk12.org</a:t>
             </a:r>
+            <a:endParaRPr lang="en-US"/>
           </a:p>
         </p:txBody>
       </p:sp>
@@ -2998,9 +3011,10 @@
           </a:lstStyle>
           <a:p>
             <a:r>
-              <a:rPr lang="en-US"/>
+              <a:rPr lang="en-US" smtClean="0"/>
               <a:t>Click to edit Master title style</a:t>
             </a:r>
+            <a:endParaRPr lang="en-US"/>
           </a:p>
         </p:txBody>
       </p:sp>
@@ -3124,7 +3138,7 @@
           <a:p>
             <a:pPr lvl="0"/>
             <a:r>
-              <a:rPr lang="en-US"/>
+              <a:rPr lang="en-US" smtClean="0"/>
               <a:t>Click to edit Master text styles</a:t>
             </a:r>
           </a:p>
@@ -3147,7 +3161,7 @@
           <a:p>
             <a:fld id="{AC1EAEA1-8470-6B4A-8D60-97578450ABB9}" type="datetime1">
               <a:rPr lang="en-US" smtClean="0"/>
-              <a:t>2/18/2020</a:t>
+              <a:t>7/1/15</a:t>
             </a:fld>
             <a:endParaRPr lang="en-US"/>
           </a:p>
@@ -3169,9 +3183,10 @@
           <a:lstStyle/>
           <a:p>
             <a:r>
-              <a:rPr lang="en-US"/>
+              <a:rPr lang="en-US" smtClean="0"/>
               <a:t>Developed by TEALS in 2015  www.tealsk12.org</a:t>
             </a:r>
+            <a:endParaRPr lang="en-US"/>
           </a:p>
         </p:txBody>
       </p:sp>
@@ -3259,9 +3274,10 @@
           <a:lstStyle/>
           <a:p>
             <a:r>
-              <a:rPr lang="en-US"/>
+              <a:rPr lang="en-US" smtClean="0"/>
               <a:t>Click to edit Master title style</a:t>
             </a:r>
+            <a:endParaRPr lang="en-US"/>
           </a:p>
         </p:txBody>
       </p:sp>
@@ -3292,37 +3308,38 @@
           <a:p>
             <a:pPr lvl="0"/>
             <a:r>
-              <a:rPr lang="en-US"/>
+              <a:rPr lang="en-US" smtClean="0"/>
               <a:t>Click to edit Master text styles</a:t>
             </a:r>
           </a:p>
           <a:p>
             <a:pPr lvl="1"/>
             <a:r>
-              <a:rPr lang="en-US"/>
+              <a:rPr lang="en-US" smtClean="0"/>
               <a:t>Second level</a:t>
             </a:r>
           </a:p>
           <a:p>
             <a:pPr lvl="2"/>
             <a:r>
-              <a:rPr lang="en-US"/>
+              <a:rPr lang="en-US" smtClean="0"/>
               <a:t>Third level</a:t>
             </a:r>
           </a:p>
           <a:p>
             <a:pPr lvl="3"/>
             <a:r>
-              <a:rPr lang="en-US"/>
+              <a:rPr lang="en-US" smtClean="0"/>
               <a:t>Fourth level</a:t>
             </a:r>
           </a:p>
           <a:p>
             <a:pPr lvl="4"/>
             <a:r>
-              <a:rPr lang="en-US"/>
+              <a:rPr lang="en-US" smtClean="0"/>
               <a:t>Fifth level</a:t>
             </a:r>
+            <a:endParaRPr lang="en-US"/>
           </a:p>
         </p:txBody>
       </p:sp>
@@ -3361,7 +3378,7 @@
           <a:p>
             <a:fld id="{EB2A284D-251E-7046-B0B7-6A85726BD855}" type="datetime1">
               <a:rPr lang="en-US" smtClean="0"/>
-              <a:t>2/18/2020</a:t>
+              <a:t>7/1/15</a:t>
             </a:fld>
             <a:endParaRPr lang="en-US"/>
           </a:p>
@@ -3401,9 +3418,10 @@
           </a:lstStyle>
           <a:p>
             <a:r>
-              <a:rPr lang="en-US"/>
+              <a:rPr lang="en-US" smtClean="0"/>
               <a:t>Developed by TEALS in 2015  www.tealsk12.org</a:t>
             </a:r>
+            <a:endParaRPr lang="en-US"/>
           </a:p>
         </p:txBody>
       </p:sp>
@@ -3758,17 +3776,22 @@
           <a:lstStyle/>
           <a:p>
             <a:r>
-              <a:rPr lang="en-US" b="1"/>
+              <a:rPr lang="en-US" b="1" smtClean="0"/>
               <a:t>Lesson 5.0 </a:t>
             </a:r>
             <a:r>
-              <a:rPr lang="en-US" dirty="0">
+              <a:rPr lang="en-US" dirty="0" smtClean="0">
                 <a:solidFill>
                   <a:srgbClr val="17B1AA"/>
                 </a:solidFill>
               </a:rPr>
               <a:t>Test Review and Reteach</a:t>
             </a:r>
+            <a:endParaRPr lang="en-US" dirty="0">
+              <a:solidFill>
+                <a:srgbClr val="17B1AA"/>
+              </a:solidFill>
+            </a:endParaRPr>
           </a:p>
         </p:txBody>
       </p:sp>
@@ -3797,29 +3820,34 @@
               </a:rPr>
               <a:t>Objectives </a:t>
             </a:r>
-          </a:p>
-          <a:p>
-            <a:pPr lvl="1"/>
-            <a:r>
-              <a:rPr lang="en-US" b="1" dirty="0"/>
-              <a:t>Re-learn or strengthen</a:t>
-            </a:r>
-            <a:r>
-              <a:rPr lang="en-US" dirty="0"/>
-              <a:t> content knowledge and skills from Unit 4.</a:t>
-            </a:r>
-            <a:endParaRPr lang="en-US" b="1" dirty="0"/>
-          </a:p>
-          <a:p>
-            <a:endParaRPr lang="en-US" dirty="0">
+            <a:endParaRPr lang="en-US" dirty="0" smtClean="0">
               <a:solidFill>
                 <a:srgbClr val="17B1AA"/>
               </a:solidFill>
             </a:endParaRPr>
           </a:p>
           <a:p>
-            <a:r>
-              <a:rPr lang="en-US" dirty="0">
+            <a:pPr lvl="1"/>
+            <a:r>
+              <a:rPr lang="en-US" b="1" dirty="0" smtClean="0"/>
+              <a:t>Re-learn or strengthen</a:t>
+            </a:r>
+            <a:r>
+              <a:rPr lang="en-US" dirty="0" smtClean="0"/>
+              <a:t> content knowledge and skills from Unit 4.</a:t>
+            </a:r>
+            <a:endParaRPr lang="en-US" b="1" dirty="0"/>
+          </a:p>
+          <a:p>
+            <a:endParaRPr lang="en-US" dirty="0" smtClean="0">
+              <a:solidFill>
+                <a:srgbClr val="17B1AA"/>
+              </a:solidFill>
+            </a:endParaRPr>
+          </a:p>
+          <a:p>
+            <a:r>
+              <a:rPr lang="en-US" dirty="0" smtClean="0">
                 <a:solidFill>
                   <a:srgbClr val="17B1AA"/>
                 </a:solidFill>
@@ -3830,11 +3858,11 @@
           <a:p>
             <a:pPr lvl="1"/>
             <a:r>
-              <a:rPr lang="en-US" b="1" dirty="0"/>
+              <a:rPr lang="en-US" b="1" dirty="0" smtClean="0"/>
               <a:t>Re-submit</a:t>
             </a:r>
             <a:r>
-              <a:rPr lang="en-US" dirty="0"/>
+              <a:rPr lang="en-US" dirty="0" smtClean="0"/>
               <a:t> test answers with updated corrections</a:t>
             </a:r>
             <a:endParaRPr lang="en-US" b="1" dirty="0"/>
@@ -3854,38 +3882,43 @@
               </a:rPr>
               <a:t>Homework </a:t>
             </a:r>
+            <a:endParaRPr lang="en-US" dirty="0" smtClean="0">
+              <a:solidFill>
+                <a:srgbClr val="17B1AA"/>
+              </a:solidFill>
+            </a:endParaRPr>
           </a:p>
           <a:p>
             <a:pPr lvl="1"/>
             <a:r>
-              <a:rPr lang="en-US" b="1" dirty="0"/>
+              <a:rPr lang="en-US" b="1" dirty="0" smtClean="0"/>
               <a:t>Read</a:t>
             </a:r>
             <a:r>
-              <a:rPr lang="en-US" dirty="0"/>
+              <a:rPr lang="en-US" dirty="0" smtClean="0"/>
               <a:t> </a:t>
             </a:r>
             <a:r>
-              <a:rPr lang="en-US"/>
+              <a:rPr lang="en-US" smtClean="0"/>
               <a:t>HW 8.1</a:t>
             </a:r>
+            <a:endParaRPr lang="en-US" dirty="0" smtClean="0"/>
+          </a:p>
+          <a:p>
+            <a:pPr lvl="1"/>
+            <a:r>
+              <a:rPr lang="en-US" b="1" dirty="0" smtClean="0"/>
+              <a:t>Correct</a:t>
+            </a:r>
+            <a:r>
+              <a:rPr lang="en-US" dirty="0" smtClean="0"/>
+              <a:t> any incorrect test answers by re-answering on a separate sheet of paper</a:t>
+            </a:r>
+            <a:endParaRPr lang="en-US" b="1" dirty="0"/>
+          </a:p>
+          <a:p>
             <a:endParaRPr lang="en-US" dirty="0"/>
           </a:p>
-          <a:p>
-            <a:pPr lvl="1"/>
-            <a:r>
-              <a:rPr lang="en-US" b="1" dirty="0"/>
-              <a:t>Correct</a:t>
-            </a:r>
-            <a:r>
-              <a:rPr lang="en-US" dirty="0"/>
-              <a:t> any incorrect test answers by re-answering on a separate sheet of paper</a:t>
-            </a:r>
-            <a:endParaRPr lang="en-US" b="1" dirty="0"/>
-          </a:p>
-          <a:p>
-            <a:endParaRPr lang="en-US" dirty="0"/>
-          </a:p>
         </p:txBody>
       </p:sp>
       <p:sp>
@@ -3904,9 +3937,10 @@
           <a:lstStyle/>
           <a:p>
             <a:r>
-              <a:rPr lang="en-US"/>
+              <a:rPr lang="en-US" smtClean="0"/>
               <a:t>Developed by TEALS in 2015  www.tealsk12.org</a:t>
             </a:r>
+            <a:endParaRPr lang="en-US"/>
           </a:p>
         </p:txBody>
       </p:sp>
@@ -3958,17 +3992,22 @@
           <a:lstStyle/>
           <a:p>
             <a:r>
-              <a:rPr lang="en-US" b="1" dirty="0"/>
+              <a:rPr lang="en-US" b="1" dirty="0" smtClean="0"/>
               <a:t>Lesson 5.1 </a:t>
             </a:r>
             <a:r>
-              <a:rPr lang="en-US" dirty="0">
+              <a:rPr lang="en-US" dirty="0" smtClean="0">
                 <a:solidFill>
                   <a:srgbClr val="17B1AA"/>
                 </a:solidFill>
               </a:rPr>
               <a:t>Object-Oriented Programming</a:t>
             </a:r>
+            <a:endParaRPr lang="en-US" dirty="0">
+              <a:solidFill>
+                <a:srgbClr val="17B1AA"/>
+              </a:solidFill>
+            </a:endParaRPr>
           </a:p>
         </p:txBody>
       </p:sp>
@@ -3985,7 +4024,7 @@
         <p:spPr/>
         <p:txBody>
           <a:bodyPr>
-            <a:normAutofit/>
+            <a:normAutofit fontScale="92500" lnSpcReduction="20000"/>
           </a:bodyPr>
           <a:lstStyle/>
           <a:p>
@@ -3997,29 +4036,67 @@
               </a:rPr>
               <a:t>Objectives </a:t>
             </a:r>
+            <a:endParaRPr lang="en-US" dirty="0" smtClean="0">
+              <a:solidFill>
+                <a:srgbClr val="17B1AA"/>
+              </a:solidFill>
+            </a:endParaRPr>
           </a:p>
           <a:p>
             <a:pPr lvl="1"/>
             <a:r>
+              <a:rPr lang="en-US" b="1" dirty="0" smtClean="0"/>
+              <a:t>Describe</a:t>
+            </a:r>
+            <a:r>
+              <a:rPr lang="en-US" dirty="0" smtClean="0"/>
+              <a:t> the relationship between classes, objects, and client code.</a:t>
+            </a:r>
+          </a:p>
+          <a:p>
+            <a:pPr lvl="1"/>
+            <a:r>
+              <a:rPr lang="en-US" b="1" dirty="0" smtClean="0"/>
+              <a:t>Predict</a:t>
+            </a:r>
+            <a:r>
+              <a:rPr lang="en-US" dirty="0" smtClean="0"/>
+              <a:t> the output of the code that uses objects.</a:t>
+            </a:r>
+            <a:endParaRPr lang="en-US" b="1" dirty="0"/>
+          </a:p>
+          <a:p>
+            <a:endParaRPr lang="en-US" dirty="0" smtClean="0">
+              <a:solidFill>
+                <a:srgbClr val="17B1AA"/>
+              </a:solidFill>
+            </a:endParaRPr>
+          </a:p>
+          <a:p>
+            <a:r>
+              <a:rPr lang="en-US" dirty="0" smtClean="0">
+                <a:solidFill>
+                  <a:srgbClr val="17B1AA"/>
+                </a:solidFill>
+              </a:rPr>
+              <a:t>Assessments </a:t>
+            </a:r>
+          </a:p>
+          <a:p>
+            <a:pPr lvl="1"/>
+            <a:r>
               <a:rPr lang="en-US" b="1" dirty="0"/>
-              <a:t>Describe</a:t>
+              <a:t>Complete</a:t>
             </a:r>
             <a:r>
               <a:rPr lang="en-US" dirty="0"/>
-              <a:t> the relationship between classes, objects, and client code.</a:t>
-            </a:r>
-          </a:p>
-          <a:p>
-            <a:pPr lvl="1"/>
-            <a:r>
-              <a:rPr lang="en-US" b="1" dirty="0"/>
-              <a:t>Predict</a:t>
-            </a:r>
-            <a:r>
-              <a:rPr lang="en-US" dirty="0"/>
-              <a:t> the output of the code that uses objects.</a:t>
-            </a:r>
-            <a:endParaRPr lang="en-US" b="1" dirty="0"/>
+              <a:t> </a:t>
+            </a:r>
+            <a:r>
+              <a:rPr lang="en-US" dirty="0" smtClean="0"/>
+              <a:t>Practice-It questions</a:t>
+            </a:r>
+            <a:endParaRPr lang="en-US" dirty="0"/>
           </a:p>
           <a:p>
             <a:pPr marL="0" indent="0">
@@ -4036,6 +4113,11 @@
               </a:rPr>
               <a:t>Homework </a:t>
             </a:r>
+            <a:endParaRPr lang="en-US" dirty="0" smtClean="0">
+              <a:solidFill>
+                <a:srgbClr val="17B1AA"/>
+              </a:solidFill>
+            </a:endParaRPr>
           </a:p>
           <a:p>
             <a:pPr lvl="1"/>
@@ -4045,28 +4127,33 @@
             </a:r>
             <a:r>
               <a:rPr lang="en-US" dirty="0"/>
-              <a:t> HW 8.2 up to “</a:t>
-            </a:r>
-            <a:r>
-              <a:rPr lang="en-US" dirty="0" err="1"/>
+              <a:t> HW </a:t>
+            </a:r>
+            <a:r>
+              <a:rPr lang="en-US" dirty="0" smtClean="0"/>
+              <a:t>8.2 up to “</a:t>
+            </a:r>
+            <a:r>
+              <a:rPr lang="en-US" dirty="0" err="1" smtClean="0"/>
               <a:t>Mutators</a:t>
             </a:r>
             <a:r>
-              <a:rPr lang="en-US" dirty="0"/>
+              <a:rPr lang="en-US" dirty="0" smtClean="0"/>
               <a:t> and </a:t>
             </a:r>
             <a:r>
-              <a:rPr lang="en-US" dirty="0" err="1"/>
+              <a:rPr lang="en-US" dirty="0" err="1" smtClean="0"/>
               <a:t>Accessors</a:t>
             </a:r>
             <a:r>
-              <a:rPr lang="en-US" dirty="0"/>
+              <a:rPr lang="en-US" dirty="0" smtClean="0"/>
               <a:t>”</a:t>
             </a:r>
-          </a:p>
-          <a:p>
             <a:endParaRPr lang="en-US" dirty="0"/>
           </a:p>
+          <a:p>
+            <a:endParaRPr lang="en-US" dirty="0"/>
+          </a:p>
         </p:txBody>
       </p:sp>
       <p:sp>
@@ -4085,9 +4172,10 @@
           <a:lstStyle/>
           <a:p>
             <a:r>
-              <a:rPr lang="en-US"/>
+              <a:rPr lang="en-US" smtClean="0"/>
               <a:t>Developed by TEALS in 2015  www.tealsk12.org</a:t>
             </a:r>
+            <a:endParaRPr lang="en-US"/>
           </a:p>
         </p:txBody>
       </p:sp>
@@ -4139,17 +4227,22 @@
           <a:lstStyle/>
           <a:p>
             <a:r>
-              <a:rPr lang="en-US" b="1" dirty="0"/>
+              <a:rPr lang="en-US" b="1" dirty="0" smtClean="0"/>
               <a:t>Lesson 5.2 </a:t>
             </a:r>
             <a:r>
-              <a:rPr lang="en-US" dirty="0">
+              <a:rPr lang="en-US" dirty="0" smtClean="0">
                 <a:solidFill>
                   <a:srgbClr val="17B1AA"/>
                 </a:solidFill>
               </a:rPr>
               <a:t>Object State &amp; Behavior</a:t>
             </a:r>
+            <a:endParaRPr lang="en-US" dirty="0">
+              <a:solidFill>
+                <a:srgbClr val="17B1AA"/>
+              </a:solidFill>
+            </a:endParaRPr>
           </a:p>
         </p:txBody>
       </p:sp>
@@ -4178,26 +4271,31 @@
               </a:rPr>
               <a:t>Objectives </a:t>
             </a:r>
+            <a:endParaRPr lang="en-US" dirty="0" smtClean="0">
+              <a:solidFill>
+                <a:srgbClr val="17B1AA"/>
+              </a:solidFill>
+            </a:endParaRPr>
           </a:p>
           <a:p>
             <a:pPr lvl="1"/>
             <a:r>
-              <a:rPr lang="en-US" b="1" dirty="0"/>
+              <a:rPr lang="en-US" b="1" dirty="0" smtClean="0"/>
               <a:t>Describe</a:t>
             </a:r>
             <a:r>
-              <a:rPr lang="en-US" dirty="0"/>
+              <a:rPr lang="en-US" dirty="0" smtClean="0"/>
               <a:t> classes, objects, and client code.</a:t>
             </a:r>
           </a:p>
           <a:p>
             <a:pPr lvl="1"/>
             <a:r>
-              <a:rPr lang="en-US" b="1" dirty="0"/>
+              <a:rPr lang="en-US" b="1" dirty="0" smtClean="0"/>
               <a:t>Predict</a:t>
             </a:r>
             <a:r>
-              <a:rPr lang="en-US" dirty="0"/>
+              <a:rPr lang="en-US" dirty="0" smtClean="0"/>
               <a:t> the output of the code that uses objects.</a:t>
             </a:r>
             <a:endParaRPr lang="en-US" b="1" dirty="0"/>
@@ -4217,6 +4315,11 @@
               </a:rPr>
               <a:t>Assessments </a:t>
             </a:r>
+            <a:endParaRPr lang="en-US" dirty="0" smtClean="0">
+              <a:solidFill>
+                <a:srgbClr val="17B1AA"/>
+              </a:solidFill>
+            </a:endParaRPr>
           </a:p>
           <a:p>
             <a:pPr lvl="1"/>
@@ -4226,8 +4329,13 @@
             </a:r>
             <a:r>
               <a:rPr lang="en-US" dirty="0"/>
-              <a:t> WS 5.2</a:t>
-            </a:r>
+              <a:t> </a:t>
+            </a:r>
+            <a:r>
+              <a:rPr lang="en-US" dirty="0" smtClean="0"/>
+              <a:t>WS 5.2</a:t>
+            </a:r>
+            <a:endParaRPr lang="en-US" dirty="0"/>
           </a:p>
           <a:p>
             <a:pPr lvl="1"/>
@@ -4242,6 +4350,11 @@
               </a:rPr>
               <a:t>Homework </a:t>
             </a:r>
+            <a:endParaRPr lang="en-US" dirty="0" smtClean="0">
+              <a:solidFill>
+                <a:srgbClr val="17B1AA"/>
+              </a:solidFill>
+            </a:endParaRPr>
           </a:p>
           <a:p>
             <a:pPr lvl="1"/>
@@ -4251,8 +4364,21 @@
             </a:r>
             <a:r>
               <a:rPr lang="en-US" dirty="0"/>
-              <a:t> HW 8.3 up to “The Keyword this”</a:t>
-            </a:r>
+              <a:t> HW </a:t>
+            </a:r>
+            <a:r>
+              <a:rPr lang="en-US" dirty="0" smtClean="0"/>
+              <a:t>8.3 up </a:t>
+            </a:r>
+            <a:r>
+              <a:rPr lang="en-US" dirty="0"/>
+              <a:t>to </a:t>
+            </a:r>
+            <a:r>
+              <a:rPr lang="en-US" dirty="0" smtClean="0"/>
+              <a:t>“The Keyword this”</a:t>
+            </a:r>
+            <a:endParaRPr lang="en-US" dirty="0"/>
           </a:p>
           <a:p>
             <a:pPr lvl="1"/>
@@ -4262,12 +4388,17 @@
             </a:r>
             <a:r>
               <a:rPr lang="en-US" dirty="0"/>
-              <a:t> self-check questions #9-11, 13-16</a:t>
-            </a:r>
-          </a:p>
-          <a:p>
+              <a:t> self-check questions </a:t>
+            </a:r>
+            <a:r>
+              <a:rPr lang="en-US" dirty="0" smtClean="0"/>
+              <a:t>#9-11, 13-16</a:t>
+            </a:r>
             <a:endParaRPr lang="en-US" dirty="0"/>
           </a:p>
+          <a:p>
+            <a:endParaRPr lang="en-US" dirty="0"/>
+          </a:p>
         </p:txBody>
       </p:sp>
       <p:sp>
@@ -4286,9 +4417,10 @@
           <a:lstStyle/>
           <a:p>
             <a:r>
-              <a:rPr lang="en-US"/>
+              <a:rPr lang="en-US" smtClean="0"/>
               <a:t>Developed by TEALS in 2015  www.tealsk12.org</a:t>
             </a:r>
+            <a:endParaRPr lang="en-US"/>
           </a:p>
         </p:txBody>
       </p:sp>
@@ -4340,17 +4472,26 @@
           <a:lstStyle/>
           <a:p>
             <a:r>
-              <a:rPr lang="en-US" b="1" dirty="0"/>
-              <a:t>Lesson 5.3 </a:t>
-            </a:r>
-            <a:r>
-              <a:rPr lang="en-US" dirty="0">
+              <a:rPr lang="en-US" b="1" dirty="0" smtClean="0"/>
+              <a:t>Lesson </a:t>
+            </a:r>
+            <a:r>
+              <a:rPr lang="en-US" b="1" dirty="0" smtClean="0"/>
+              <a:t>5.3 </a:t>
+            </a:r>
+            <a:r>
+              <a:rPr lang="en-US" dirty="0" smtClean="0">
                 <a:solidFill>
                   <a:srgbClr val="17B1AA"/>
                 </a:solidFill>
               </a:rPr>
               <a:t>Object-Oriented Programming</a:t>
             </a:r>
+            <a:endParaRPr lang="en-US" dirty="0">
+              <a:solidFill>
+                <a:srgbClr val="17B1AA"/>
+              </a:solidFill>
+            </a:endParaRPr>
           </a:p>
         </p:txBody>
       </p:sp>
@@ -4367,7 +4508,7 @@
         <p:spPr/>
         <p:txBody>
           <a:bodyPr>
-            <a:normAutofit/>
+            <a:normAutofit fontScale="92500" lnSpcReduction="10000"/>
           </a:bodyPr>
           <a:lstStyle/>
           <a:p>
@@ -4379,29 +4520,67 @@
               </a:rPr>
               <a:t>Objectives </a:t>
             </a:r>
+            <a:endParaRPr lang="en-US" dirty="0" smtClean="0">
+              <a:solidFill>
+                <a:srgbClr val="17B1AA"/>
+              </a:solidFill>
+            </a:endParaRPr>
           </a:p>
           <a:p>
             <a:pPr lvl="1"/>
             <a:r>
-              <a:rPr lang="en-US" b="1" dirty="0"/>
+              <a:rPr lang="en-US" b="1" dirty="0" smtClean="0"/>
               <a:t>Describe and create</a:t>
             </a:r>
             <a:r>
-              <a:rPr lang="en-US" dirty="0"/>
+              <a:rPr lang="en-US" dirty="0" smtClean="0"/>
               <a:t> classes, objects, and client code.</a:t>
             </a:r>
           </a:p>
           <a:p>
             <a:pPr lvl="1"/>
             <a:r>
-              <a:rPr lang="en-US" b="1" dirty="0"/>
+              <a:rPr lang="en-US" b="1" dirty="0" smtClean="0"/>
               <a:t>Predict</a:t>
             </a:r>
             <a:r>
-              <a:rPr lang="en-US" dirty="0"/>
+              <a:rPr lang="en-US" dirty="0" smtClean="0"/>
               <a:t> the output of the code that uses objects.</a:t>
             </a:r>
             <a:endParaRPr lang="en-US" b="1" dirty="0"/>
+          </a:p>
+          <a:p>
+            <a:pPr marL="0" indent="0">
+              <a:buNone/>
+            </a:pPr>
+            <a:endParaRPr lang="en-US" dirty="0"/>
+          </a:p>
+          <a:p>
+            <a:r>
+              <a:rPr lang="en-US" dirty="0">
+                <a:solidFill>
+                  <a:srgbClr val="17B1AA"/>
+                </a:solidFill>
+              </a:rPr>
+              <a:t>Assessments </a:t>
+            </a:r>
+            <a:endParaRPr lang="en-US" dirty="0" smtClean="0">
+              <a:solidFill>
+                <a:srgbClr val="17B1AA"/>
+              </a:solidFill>
+            </a:endParaRPr>
+          </a:p>
+          <a:p>
+            <a:pPr lvl="1"/>
+            <a:r>
+              <a:rPr lang="en-US" b="1" dirty="0" smtClean="0"/>
+              <a:t>Complete</a:t>
+            </a:r>
+            <a:r>
+              <a:rPr lang="en-US" dirty="0" smtClean="0"/>
+              <a:t> Practice-It questions</a:t>
+            </a:r>
+            <a:endParaRPr lang="en-US" dirty="0"/>
           </a:p>
           <a:p>
             <a:pPr marL="0" indent="0">
@@ -4418,21 +4597,27 @@
               </a:rPr>
               <a:t>Homework </a:t>
             </a:r>
+            <a:endParaRPr lang="en-US" dirty="0" smtClean="0">
+              <a:solidFill>
+                <a:srgbClr val="17B1AA"/>
+              </a:solidFill>
+            </a:endParaRPr>
           </a:p>
           <a:p>
             <a:pPr lvl="1"/>
             <a:r>
-              <a:rPr lang="en-US" b="1" dirty="0"/>
+              <a:rPr lang="en-US" b="1" dirty="0" smtClean="0"/>
               <a:t>Read</a:t>
             </a:r>
             <a:r>
-              <a:rPr lang="en-US" dirty="0"/>
+              <a:rPr lang="en-US" dirty="0" smtClean="0"/>
               <a:t> HW 8.4</a:t>
             </a:r>
-          </a:p>
-          <a:p>
             <a:endParaRPr lang="en-US" dirty="0"/>
           </a:p>
+          <a:p>
+            <a:endParaRPr lang="en-US" dirty="0"/>
+          </a:p>
         </p:txBody>
       </p:sp>
       <p:sp>
@@ -4451,9 +4636,10 @@
           <a:lstStyle/>
           <a:p>
             <a:r>
-              <a:rPr lang="en-US"/>
+              <a:rPr lang="en-US" smtClean="0"/>
               <a:t>Developed by TEALS in 2015  www.tealsk12.org</a:t>
             </a:r>
+            <a:endParaRPr lang="en-US"/>
           </a:p>
         </p:txBody>
       </p:sp>
@@ -4505,17 +4691,26 @@
           <a:lstStyle/>
           <a:p>
             <a:r>
-              <a:rPr lang="en-US" b="1" dirty="0"/>
-              <a:t>Lesson 5.4 </a:t>
-            </a:r>
-            <a:r>
-              <a:rPr lang="en-US" dirty="0">
+              <a:rPr lang="en-US" b="1" dirty="0" smtClean="0"/>
+              <a:t>Lesson </a:t>
+            </a:r>
+            <a:r>
+              <a:rPr lang="en-US" b="1" dirty="0" smtClean="0"/>
+              <a:t>5.4 </a:t>
+            </a:r>
+            <a:r>
+              <a:rPr lang="en-US" dirty="0" smtClean="0">
                 <a:solidFill>
                   <a:srgbClr val="17B1AA"/>
                 </a:solidFill>
               </a:rPr>
               <a:t>Encapsulation</a:t>
             </a:r>
+            <a:endParaRPr lang="en-US" dirty="0">
+              <a:solidFill>
+                <a:srgbClr val="17B1AA"/>
+              </a:solidFill>
+            </a:endParaRPr>
           </a:p>
         </p:txBody>
       </p:sp>
@@ -4544,15 +4739,20 @@
               </a:rPr>
               <a:t>Objectives </a:t>
             </a:r>
+            <a:endParaRPr lang="en-US" dirty="0" smtClean="0">
+              <a:solidFill>
+                <a:srgbClr val="17B1AA"/>
+              </a:solidFill>
+            </a:endParaRPr>
           </a:p>
           <a:p>
             <a:pPr lvl="1"/>
             <a:r>
-              <a:rPr lang="en-US" b="1" dirty="0"/>
+              <a:rPr lang="en-US" b="1" dirty="0" smtClean="0"/>
               <a:t>Manipulate</a:t>
             </a:r>
             <a:r>
-              <a:rPr lang="en-US" dirty="0"/>
+              <a:rPr lang="en-US" dirty="0" smtClean="0"/>
               <a:t> single-dimension arrays using a variety of array transversal algorithms.</a:t>
             </a:r>
             <a:endParaRPr lang="en-US" b="1" dirty="0"/>
@@ -4572,26 +4772,31 @@
               </a:rPr>
               <a:t>Assessments </a:t>
             </a:r>
+            <a:endParaRPr lang="en-US" dirty="0" smtClean="0">
+              <a:solidFill>
+                <a:srgbClr val="17B1AA"/>
+              </a:solidFill>
+            </a:endParaRPr>
           </a:p>
           <a:p>
             <a:pPr lvl="1"/>
             <a:r>
-              <a:rPr lang="en-US" b="1" dirty="0"/>
+              <a:rPr lang="en-US" b="1" dirty="0" smtClean="0"/>
               <a:t>Teach</a:t>
             </a:r>
             <a:r>
-              <a:rPr lang="en-US" dirty="0"/>
+              <a:rPr lang="en-US" dirty="0" smtClean="0"/>
               <a:t> a mini-lesson on printing, searching/replacing, testing for equality, reversing an array, or string traversal.</a:t>
             </a:r>
           </a:p>
           <a:p>
             <a:pPr lvl="1"/>
             <a:r>
-              <a:rPr lang="en-US" b="1" dirty="0"/>
+              <a:rPr lang="en-US" b="1" dirty="0" smtClean="0"/>
               <a:t>Complete</a:t>
             </a:r>
             <a:r>
-              <a:rPr lang="en-US" dirty="0"/>
+              <a:rPr lang="en-US" dirty="0" smtClean="0"/>
               <a:t> a quiz at the end of Day 2</a:t>
             </a:r>
             <a:endParaRPr lang="en-US" b="1" dirty="0"/>
@@ -4611,21 +4816,27 @@
               </a:rPr>
               <a:t>Homework </a:t>
             </a:r>
+            <a:endParaRPr lang="en-US" dirty="0" smtClean="0">
+              <a:solidFill>
+                <a:srgbClr val="17B1AA"/>
+              </a:solidFill>
+            </a:endParaRPr>
           </a:p>
           <a:p>
             <a:pPr lvl="1"/>
             <a:r>
-              <a:rPr lang="en-US" b="1" dirty="0"/>
+              <a:rPr lang="en-US" b="1" dirty="0" smtClean="0"/>
               <a:t>Complete</a:t>
             </a:r>
             <a:r>
-              <a:rPr lang="en-US" dirty="0"/>
+              <a:rPr lang="en-US" dirty="0" smtClean="0"/>
               <a:t> self-check questions #22-28</a:t>
             </a:r>
-          </a:p>
-          <a:p>
             <a:endParaRPr lang="en-US" dirty="0"/>
           </a:p>
+          <a:p>
+            <a:endParaRPr lang="en-US" dirty="0"/>
+          </a:p>
         </p:txBody>
       </p:sp>
       <p:sp>
@@ -4644,9 +4855,10 @@
           <a:lstStyle/>
           <a:p>
             <a:r>
-              <a:rPr lang="en-US"/>
+              <a:rPr lang="en-US" smtClean="0"/>
               <a:t>Developed by TEALS in 2015  www.tealsk12.org</a:t>
             </a:r>
+            <a:endParaRPr lang="en-US"/>
           </a:p>
         </p:txBody>
       </p:sp>
@@ -4698,17 +4910,26 @@
           <a:lstStyle/>
           <a:p>
             <a:r>
-              <a:rPr lang="en-US" b="1" dirty="0"/>
-              <a:t>Lesson 5.5 </a:t>
-            </a:r>
-            <a:r>
-              <a:rPr lang="en-US" dirty="0">
+              <a:rPr lang="en-US" b="1" dirty="0" smtClean="0"/>
+              <a:t>Lesson </a:t>
+            </a:r>
+            <a:r>
+              <a:rPr lang="en-US" b="1" dirty="0" smtClean="0"/>
+              <a:t>5.5 </a:t>
+            </a:r>
+            <a:r>
+              <a:rPr lang="en-US" dirty="0" smtClean="0">
                 <a:solidFill>
                   <a:srgbClr val="17B1AA"/>
                 </a:solidFill>
               </a:rPr>
               <a:t>Finding and Fixing Errors</a:t>
             </a:r>
+            <a:endParaRPr lang="en-US" dirty="0">
+              <a:solidFill>
+                <a:srgbClr val="17B1AA"/>
+              </a:solidFill>
+            </a:endParaRPr>
           </a:p>
         </p:txBody>
       </p:sp>
@@ -4737,26 +4958,31 @@
               </a:rPr>
               <a:t>Objectives </a:t>
             </a:r>
+            <a:endParaRPr lang="en-US" dirty="0" smtClean="0">
+              <a:solidFill>
+                <a:srgbClr val="17B1AA"/>
+              </a:solidFill>
+            </a:endParaRPr>
           </a:p>
           <a:p>
             <a:pPr lvl="1"/>
             <a:r>
-              <a:rPr lang="en-US" b="1" dirty="0"/>
+              <a:rPr lang="en-US" b="1" dirty="0" smtClean="0"/>
               <a:t>Find</a:t>
             </a:r>
             <a:r>
-              <a:rPr lang="en-US" dirty="0"/>
+              <a:rPr lang="en-US" dirty="0" smtClean="0"/>
               <a:t> errors in returned homework assignments.</a:t>
             </a:r>
           </a:p>
           <a:p>
             <a:pPr lvl="1"/>
             <a:r>
-              <a:rPr lang="en-US" b="1" dirty="0"/>
+              <a:rPr lang="en-US" b="1" dirty="0" smtClean="0"/>
               <a:t>Correct</a:t>
             </a:r>
             <a:r>
-              <a:rPr lang="en-US" dirty="0"/>
+              <a:rPr lang="en-US" dirty="0" smtClean="0"/>
               <a:t> code,</a:t>
             </a:r>
             <a:endParaRPr lang="en-US" b="1" dirty="0"/>
@@ -4776,17 +5002,23 @@
               </a:rPr>
               <a:t>Assessments </a:t>
             </a:r>
+            <a:endParaRPr lang="en-US" dirty="0" smtClean="0">
+              <a:solidFill>
+                <a:srgbClr val="17B1AA"/>
+              </a:solidFill>
+            </a:endParaRPr>
           </a:p>
           <a:p>
             <a:pPr lvl="1"/>
             <a:r>
-              <a:rPr lang="en-US" b="1" dirty="0"/>
+              <a:rPr lang="en-US" b="1" dirty="0" smtClean="0"/>
               <a:t>Re-submit</a:t>
             </a:r>
             <a:r>
-              <a:rPr lang="en-US" dirty="0"/>
+              <a:rPr lang="en-US" dirty="0" smtClean="0"/>
               <a:t> all homework assignments with corrected answers</a:t>
             </a:r>
+            <a:endParaRPr lang="en-US" dirty="0"/>
           </a:p>
           <a:p>
             <a:pPr marL="0" indent="0">
@@ -4803,17 +5035,23 @@
               </a:rPr>
               <a:t>Homework </a:t>
             </a:r>
+            <a:endParaRPr lang="en-US" dirty="0" smtClean="0">
+              <a:solidFill>
+                <a:srgbClr val="17B1AA"/>
+              </a:solidFill>
+            </a:endParaRPr>
           </a:p>
           <a:p>
             <a:pPr lvl="1"/>
             <a:r>
-              <a:rPr lang="en-US" b="1" dirty="0"/>
+              <a:rPr lang="en-US" b="1" dirty="0" smtClean="0"/>
               <a:t>Submit</a:t>
             </a:r>
             <a:r>
-              <a:rPr lang="en-US" dirty="0"/>
+              <a:rPr lang="en-US" dirty="0" smtClean="0"/>
               <a:t> questions for review</a:t>
             </a:r>
+            <a:endParaRPr lang="en-US" dirty="0"/>
           </a:p>
           <a:p>
             <a:pPr lvl="1"/>
@@ -4837,9 +5075,10 @@
           <a:lstStyle/>
           <a:p>
             <a:r>
-              <a:rPr lang="en-US"/>
+              <a:rPr lang="en-US" smtClean="0"/>
               <a:t>Developed by TEALS in 2015  www.tealsk12.org</a:t>
             </a:r>
+            <a:endParaRPr lang="en-US"/>
           </a:p>
         </p:txBody>
       </p:sp>
@@ -4889,17 +5128,30 @@
           <a:lstStyle/>
           <a:p>
             <a:r>
-              <a:rPr lang="en-US" b="1" dirty="0"/>
-              <a:t>Lesson 5.6 </a:t>
-            </a:r>
-            <a:r>
-              <a:rPr lang="en-US" dirty="0">
+              <a:rPr lang="en-US" b="1" dirty="0" smtClean="0"/>
+              <a:t>Lesson </a:t>
+            </a:r>
+            <a:r>
+              <a:rPr lang="en-US" b="1" dirty="0" smtClean="0"/>
+              <a:t>5.6</a:t>
+            </a:r>
+            <a:r>
+              <a:rPr lang="en-US" b="1" dirty="0" smtClean="0"/>
+              <a:t> </a:t>
+            </a:r>
+            <a:r>
+              <a:rPr lang="en-US" dirty="0" smtClean="0">
                 <a:solidFill>
                   <a:srgbClr val="17B1AA"/>
                 </a:solidFill>
               </a:rPr>
               <a:t>Picture Lab</a:t>
             </a:r>
+            <a:endParaRPr lang="en-US" dirty="0">
+              <a:solidFill>
+                <a:srgbClr val="17B1AA"/>
+              </a:solidFill>
+            </a:endParaRPr>
           </a:p>
         </p:txBody>
       </p:sp>
@@ -4928,25 +5180,31 @@
               </a:rPr>
               <a:t>Objectives </a:t>
             </a:r>
+            <a:endParaRPr lang="en-US" dirty="0" smtClean="0">
+              <a:solidFill>
+                <a:srgbClr val="17B1AA"/>
+              </a:solidFill>
+            </a:endParaRPr>
           </a:p>
           <a:p>
             <a:pPr lvl="1"/>
             <a:r>
-              <a:rPr lang="en-US" b="1" dirty="0"/>
+              <a:rPr lang="en-US" b="1" dirty="0" smtClean="0"/>
               <a:t>Complete</a:t>
             </a:r>
             <a:r>
-              <a:rPr lang="en-US" dirty="0"/>
+              <a:rPr lang="en-US" dirty="0" smtClean="0"/>
               <a:t> a long-form lab, using two-dimensional arrays of objects, array </a:t>
             </a:r>
             <a:r>
-              <a:rPr lang="en-US" dirty="0" err="1"/>
+              <a:rPr lang="en-US" dirty="0" err="1" smtClean="0"/>
               <a:t>transversing</a:t>
             </a:r>
             <a:r>
-              <a:rPr lang="en-US" dirty="0"/>
+              <a:rPr lang="en-US" dirty="0" smtClean="0"/>
               <a:t> algorithms, program analysis, binary numbers, inheritance, and interfaces.</a:t>
             </a:r>
+            <a:endParaRPr lang="en-US" dirty="0"/>
           </a:p>
           <a:p>
             <a:pPr marL="0" indent="0">
@@ -4963,17 +5221,23 @@
               </a:rPr>
               <a:t>Assessments </a:t>
             </a:r>
+            <a:endParaRPr lang="en-US" dirty="0" smtClean="0">
+              <a:solidFill>
+                <a:srgbClr val="17B1AA"/>
+              </a:solidFill>
+            </a:endParaRPr>
           </a:p>
           <a:p>
             <a:pPr lvl="1"/>
             <a:r>
-              <a:rPr lang="en-US" b="1" dirty="0"/>
+              <a:rPr lang="en-US" b="1" dirty="0" smtClean="0"/>
               <a:t>Complete</a:t>
             </a:r>
             <a:r>
-              <a:rPr lang="en-US" dirty="0"/>
+              <a:rPr lang="en-US" dirty="0" smtClean="0"/>
               <a:t> lab.</a:t>
             </a:r>
+            <a:endParaRPr lang="en-US" dirty="0"/>
           </a:p>
           <a:p>
             <a:pPr marL="0" indent="0">
@@ -4990,21 +5254,27 @@
               </a:rPr>
               <a:t>Homework </a:t>
             </a:r>
+            <a:endParaRPr lang="en-US" dirty="0" smtClean="0">
+              <a:solidFill>
+                <a:srgbClr val="17B1AA"/>
+              </a:solidFill>
+            </a:endParaRPr>
           </a:p>
           <a:p>
             <a:pPr lvl="1"/>
             <a:r>
-              <a:rPr lang="en-US" b="1" dirty="0"/>
+              <a:rPr lang="en-US" b="1" dirty="0" smtClean="0"/>
               <a:t>Complete</a:t>
             </a:r>
             <a:r>
-              <a:rPr lang="en-US" dirty="0"/>
+              <a:rPr lang="en-US" dirty="0" smtClean="0"/>
               <a:t> lab.</a:t>
             </a:r>
-          </a:p>
-          <a:p>
             <a:endParaRPr lang="en-US" dirty="0"/>
           </a:p>
+          <a:p>
+            <a:endParaRPr lang="en-US" dirty="0"/>
+          </a:p>
         </p:txBody>
       </p:sp>
       <p:sp>
@@ -5023,9 +5293,10 @@
           <a:lstStyle/>
           <a:p>
             <a:r>
-              <a:rPr lang="en-US"/>
+              <a:rPr lang="en-US" smtClean="0"/>
               <a:t>Developed by TEALS in 2015  www.tealsk12.org</a:t>
             </a:r>
+            <a:endParaRPr lang="en-US"/>
           </a:p>
         </p:txBody>
       </p:sp>
@@ -5075,17 +5346,30 @@
           <a:lstStyle/>
           <a:p>
             <a:r>
-              <a:rPr lang="en-US" b="1" dirty="0"/>
-              <a:t>Lesson 5.7 </a:t>
-            </a:r>
-            <a:r>
-              <a:rPr lang="en-US" dirty="0">
+              <a:rPr lang="en-US" b="1" dirty="0" smtClean="0"/>
+              <a:t>Lesson </a:t>
+            </a:r>
+            <a:r>
+              <a:rPr lang="en-US" b="1" dirty="0" smtClean="0"/>
+              <a:t>5.7</a:t>
+            </a:r>
+            <a:r>
+              <a:rPr lang="en-US" b="1" dirty="0" smtClean="0"/>
+              <a:t> </a:t>
+            </a:r>
+            <a:r>
+              <a:rPr lang="en-US" dirty="0" smtClean="0">
                 <a:solidFill>
                   <a:srgbClr val="17B1AA"/>
                 </a:solidFill>
               </a:rPr>
               <a:t>Review</a:t>
             </a:r>
+            <a:endParaRPr lang="en-US" dirty="0">
+              <a:solidFill>
+                <a:srgbClr val="17B1AA"/>
+              </a:solidFill>
+            </a:endParaRPr>
           </a:p>
         </p:txBody>
       </p:sp>
@@ -5114,17 +5398,23 @@
               </a:rPr>
               <a:t>Objectives </a:t>
             </a:r>
+            <a:endParaRPr lang="en-US" dirty="0" smtClean="0">
+              <a:solidFill>
+                <a:srgbClr val="17B1AA"/>
+              </a:solidFill>
+            </a:endParaRPr>
           </a:p>
           <a:p>
             <a:pPr lvl="1"/>
             <a:r>
-              <a:rPr lang="en-US" b="1" dirty="0"/>
+              <a:rPr lang="en-US" b="1" dirty="0" smtClean="0"/>
               <a:t>Identify</a:t>
             </a:r>
             <a:r>
-              <a:rPr lang="en-US" dirty="0"/>
+              <a:rPr lang="en-US" dirty="0" smtClean="0"/>
               <a:t> weaknesses in Unit 5 knowledge</a:t>
             </a:r>
+            <a:endParaRPr lang="en-US" dirty="0"/>
           </a:p>
           <a:p>
             <a:pPr marL="0" indent="0">
@@ -5141,17 +5431,23 @@
               </a:rPr>
               <a:t>Assessments </a:t>
             </a:r>
+            <a:endParaRPr lang="en-US" dirty="0" smtClean="0">
+              <a:solidFill>
+                <a:srgbClr val="17B1AA"/>
+              </a:solidFill>
+            </a:endParaRPr>
           </a:p>
           <a:p>
             <a:pPr lvl="1"/>
             <a:r>
-              <a:rPr lang="en-US" b="1" dirty="0"/>
+              <a:rPr lang="en-US" b="1" dirty="0" smtClean="0"/>
               <a:t>Create</a:t>
             </a:r>
             <a:r>
-              <a:rPr lang="en-US" dirty="0"/>
+              <a:rPr lang="en-US" dirty="0" smtClean="0"/>
               <a:t> a personalized list of review topics to guide tonight’s study session.</a:t>
             </a:r>
+            <a:endParaRPr lang="en-US" dirty="0"/>
           </a:p>
           <a:p>
             <a:pPr marL="0" indent="0">
@@ -5168,19 +5464,24 @@
               </a:rPr>
               <a:t>Homework </a:t>
             </a:r>
+            <a:endParaRPr lang="en-US" dirty="0" smtClean="0">
+              <a:solidFill>
+                <a:srgbClr val="17B1AA"/>
+              </a:solidFill>
+            </a:endParaRPr>
           </a:p>
           <a:p>
             <a:pPr lvl="1"/>
             <a:r>
-              <a:rPr lang="en-US" b="1" dirty="0"/>
+              <a:rPr lang="en-US" b="1" dirty="0" smtClean="0"/>
               <a:t>Study</a:t>
             </a:r>
             <a:r>
-              <a:rPr lang="en-US" dirty="0"/>
+              <a:rPr lang="en-US" dirty="0" smtClean="0"/>
               <a:t> </a:t>
             </a:r>
             <a:r>
-              <a:rPr lang="en-US"/>
+              <a:rPr lang="en-US" smtClean="0"/>
               <a:t>for test.</a:t>
             </a:r>
             <a:endParaRPr lang="en-US" dirty="0"/>
@@ -5206,9 +5507,10 @@
           <a:lstStyle/>
           <a:p>
             <a:r>
-              <a:rPr lang="en-US"/>
+              <a:rPr lang="en-US" smtClean="0"/>
               <a:t>Developed by TEALS in 2015  www.tealsk12.org</a:t>
             </a:r>
+            <a:endParaRPr lang="en-US"/>
           </a:p>
         </p:txBody>
       </p:sp>
@@ -6186,24 +6488,37 @@
 </file>
 
 <file path=customXml/item1.xml><?xml version="1.0" encoding="utf-8"?>
-<p:properties xmlns:p="http://schemas.microsoft.com/office/2006/metadata/properties" xmlns:xsi="http://www.w3.org/2001/XMLSchema-instance" xmlns:pc="http://schemas.microsoft.com/office/infopath/2007/PartnerControls">
-  <documentManagement/>
-</p:properties>
+<?mso-contentType ?>
+<FormTemplates xmlns="http://schemas.microsoft.com/sharepoint/v3/contenttype/forms">
+  <Display>DocumentLibraryForm</Display>
+  <Edit>DocumentLibraryForm</Edit>
+  <New>DocumentLibraryForm</New>
+</FormTemplates>
 </file>
 
 <file path=customXml/item2.xml><?xml version="1.0" encoding="utf-8"?>
-<ct:contentTypeSchema xmlns:ct="http://schemas.microsoft.com/office/2006/metadata/contentType" xmlns:ma="http://schemas.microsoft.com/office/2006/metadata/properties/metaAttributes" ct:_="" ma:_="" ma:contentTypeName="Document" ma:contentTypeID="0x010100BABADD3A0624AA4E97287821B8F4D7D6" ma:contentTypeVersion="3" ma:contentTypeDescription="Create a new document." ma:contentTypeScope="" ma:versionID="e0073545f5cddffb46c9fa8d01738dd8">
-  <xsd:schema xmlns:xsd="http://www.w3.org/2001/XMLSchema" xmlns:xs="http://www.w3.org/2001/XMLSchema" xmlns:p="http://schemas.microsoft.com/office/2006/metadata/properties" xmlns:ns2="5edd459b-714d-42ed-b78f-512da7d1c14e" targetNamespace="http://schemas.microsoft.com/office/2006/metadata/properties" ma:root="true" ma:fieldsID="5b223eadad92f795ae696ccb91d8f218" ns2:_="">
-    <xsd:import namespace="5edd459b-714d-42ed-b78f-512da7d1c14e"/>
+<ct:contentTypeSchema xmlns:ct="http://schemas.microsoft.com/office/2006/metadata/contentType" xmlns:ma="http://schemas.microsoft.com/office/2006/metadata/properties/metaAttributes" ct:_="" ma:_="" ma:contentTypeName="Document" ma:contentTypeID="0x01010011E83E049C87AC4AB56F27089B4ACA55" ma:contentTypeVersion="12" ma:contentTypeDescription="Create a new document." ma:contentTypeScope="" ma:versionID="1178fe99ddca204d3fc8224f4ed0acf8">
+  <xsd:schema xmlns:xsd="http://www.w3.org/2001/XMLSchema" xmlns:xs="http://www.w3.org/2001/XMLSchema" xmlns:p="http://schemas.microsoft.com/office/2006/metadata/properties" xmlns:ns2="be898649-fe57-4b08-9fd4-31fc752880e3" xmlns:ns3="6f430b7c-f2e9-4385-9cb2-4dd06cc2317e" targetNamespace="http://schemas.microsoft.com/office/2006/metadata/properties" ma:root="true" ma:fieldsID="05a700af6660b82c6e85ae510b7169e9" ns2:_="" ns3:_="">
+    <xsd:import namespace="be898649-fe57-4b08-9fd4-31fc752880e3"/>
+    <xsd:import namespace="6f430b7c-f2e9-4385-9cb2-4dd06cc2317e"/>
     <xsd:element name="properties">
       <xsd:complexType>
         <xsd:sequence>
           <xsd:element name="documentManagement">
             <xsd:complexType>
               <xsd:all>
-                <xsd:element ref="ns2:SharedWithUsers" minOccurs="0"/>
-                <xsd:element ref="ns2:SharedWithDetails" minOccurs="0"/>
-                <xsd:element ref="ns2:SharingHintHash" minOccurs="0"/>
+                <xsd:element ref="ns2:MediaServiceMetadata" minOccurs="0"/>
+                <xsd:element ref="ns2:MediaServiceFastMetadata" minOccurs="0"/>
+                <xsd:element ref="ns2:MediaServiceAutoTags" minOccurs="0"/>
+                <xsd:element ref="ns2:MediaServiceDateTaken" minOccurs="0"/>
+                <xsd:element ref="ns3:SharedWithUsers" minOccurs="0"/>
+                <xsd:element ref="ns3:SharedWithDetails" minOccurs="0"/>
+                <xsd:element ref="ns2:MediaServiceLocation" minOccurs="0"/>
+                <xsd:element ref="ns2:MediaServiceOCR" minOccurs="0"/>
+                <xsd:element ref="ns2:MediaServiceEventHashCode" minOccurs="0"/>
+                <xsd:element ref="ns2:MediaServiceGenerationTime" minOccurs="0"/>
+                <xsd:element ref="ns2:MediaServiceAutoKeyPoints" minOccurs="0"/>
+                <xsd:element ref="ns2:MediaServiceKeyPoints" minOccurs="0"/>
               </xsd:all>
             </xsd:complexType>
           </xsd:element>
@@ -6211,10 +6526,68 @@
       </xsd:complexType>
     </xsd:element>
   </xsd:schema>
-  <xsd:schema xmlns:xsd="http://www.w3.org/2001/XMLSchema" xmlns:xs="http://www.w3.org/2001/XMLSchema" xmlns:dms="http://schemas.microsoft.com/office/2006/documentManagement/types" xmlns:pc="http://schemas.microsoft.com/office/infopath/2007/PartnerControls" targetNamespace="5edd459b-714d-42ed-b78f-512da7d1c14e" elementFormDefault="qualified">
+  <xsd:schema xmlns:xsd="http://www.w3.org/2001/XMLSchema" xmlns:xs="http://www.w3.org/2001/XMLSchema" xmlns:dms="http://schemas.microsoft.com/office/2006/documentManagement/types" xmlns:pc="http://schemas.microsoft.com/office/infopath/2007/PartnerControls" targetNamespace="be898649-fe57-4b08-9fd4-31fc752880e3" elementFormDefault="qualified">
     <xsd:import namespace="http://schemas.microsoft.com/office/2006/documentManagement/types"/>
     <xsd:import namespace="http://schemas.microsoft.com/office/infopath/2007/PartnerControls"/>
-    <xsd:element name="SharedWithUsers" ma:index="8" nillable="true" ma:displayName="Shared With" ma:internalName="SharedWithUsers" ma:readOnly="true">
+    <xsd:element name="MediaServiceMetadata" ma:index="8" nillable="true" ma:displayName="MediaServiceMetadata" ma:description="" ma:hidden="true" ma:internalName="MediaServiceMetadata" ma:readOnly="true">
+      <xsd:simpleType>
+        <xsd:restriction base="dms:Note"/>
+      </xsd:simpleType>
+    </xsd:element>
+    <xsd:element name="MediaServiceFastMetadata" ma:index="9" nillable="true" ma:displayName="MediaServiceFastMetadata" ma:description="" ma:hidden="true" ma:internalName="MediaServiceFastMetadata" ma:readOnly="true">
+      <xsd:simpleType>
+        <xsd:restriction base="dms:Note"/>
+      </xsd:simpleType>
+    </xsd:element>
+    <xsd:element name="MediaServiceAutoTags" ma:index="10" nillable="true" ma:displayName="MediaServiceAutoTags" ma:description="" ma:internalName="MediaServiceAutoTags" ma:readOnly="true">
+      <xsd:simpleType>
+        <xsd:restriction base="dms:Text"/>
+      </xsd:simpleType>
+    </xsd:element>
+    <xsd:element name="MediaServiceDateTaken" ma:index="11" nillable="true" ma:displayName="MediaServiceDateTaken" ma:description="" ma:hidden="true" ma:internalName="MediaServiceDateTaken" ma:readOnly="true">
+      <xsd:simpleType>
+        <xsd:restriction base="dms:Text"/>
+      </xsd:simpleType>
+    </xsd:element>
+    <xsd:element name="MediaServiceLocation" ma:index="14" nillable="true" ma:displayName="MediaServiceLocation" ma:internalName="MediaServiceLocation" ma:readOnly="true">
+      <xsd:simpleType>
+        <xsd:restriction base="dms:Text"/>
+      </xsd:simpleType>
+    </xsd:element>
+    <xsd:element name="MediaServiceOCR" ma:index="15" nillable="true" ma:displayName="MediaServiceOCR" ma:internalName="MediaServiceOCR" ma:readOnly="true">
+      <xsd:simpleType>
+        <xsd:restriction base="dms:Note">
+          <xsd:maxLength value="255"/>
+        </xsd:restriction>
+      </xsd:simpleType>
+    </xsd:element>
+    <xsd:element name="MediaServiceEventHashCode" ma:index="16" nillable="true" ma:displayName="MediaServiceEventHashCode" ma:hidden="true" ma:internalName="MediaServiceEventHashCode" ma:readOnly="true">
+      <xsd:simpleType>
+        <xsd:restriction base="dms:Text"/>
+      </xsd:simpleType>
+    </xsd:element>
+    <xsd:element name="MediaServiceGenerationTime" ma:index="17" nillable="true" ma:displayName="MediaServiceGenerationTime" ma:hidden="true" ma:internalName="MediaServiceGenerationTime" ma:readOnly="true">
+      <xsd:simpleType>
+        <xsd:restriction base="dms:Text"/>
+      </xsd:simpleType>
+    </xsd:element>
+    <xsd:element name="MediaServiceAutoKeyPoints" ma:index="18" nillable="true" ma:displayName="MediaServiceAutoKeyPoints" ma:hidden="true" ma:internalName="MediaServiceAutoKeyPoints" ma:readOnly="true">
+      <xsd:simpleType>
+        <xsd:restriction base="dms:Note"/>
+      </xsd:simpleType>
+    </xsd:element>
+    <xsd:element name="MediaServiceKeyPoints" ma:index="19" nillable="true" ma:displayName="KeyPoints" ma:internalName="MediaServiceKeyPoints" ma:readOnly="true">
+      <xsd:simpleType>
+        <xsd:restriction base="dms:Note">
+          <xsd:maxLength value="255"/>
+        </xsd:restriction>
+      </xsd:simpleType>
+    </xsd:element>
+  </xsd:schema>
+  <xsd:schema xmlns:xsd="http://www.w3.org/2001/XMLSchema" xmlns:xs="http://www.w3.org/2001/XMLSchema" xmlns:dms="http://schemas.microsoft.com/office/2006/documentManagement/types" xmlns:pc="http://schemas.microsoft.com/office/infopath/2007/PartnerControls" targetNamespace="6f430b7c-f2e9-4385-9cb2-4dd06cc2317e" elementFormDefault="qualified">
+    <xsd:import namespace="http://schemas.microsoft.com/office/2006/documentManagement/types"/>
+    <xsd:import namespace="http://schemas.microsoft.com/office/infopath/2007/PartnerControls"/>
+    <xsd:element name="SharedWithUsers" ma:index="12" nillable="true" ma:displayName="Shared With" ma:internalName="SharedWithUsers" ma:readOnly="true">
       <xsd:complexType>
         <xsd:complexContent>
           <xsd:extension base="dms:UserMulti">
@@ -6233,16 +6606,11 @@
         </xsd:complexContent>
       </xsd:complexType>
     </xsd:element>
-    <xsd:element name="SharedWithDetails" ma:index="9" nillable="true" ma:displayName="Shared With Details" ma:internalName="SharedWithDetails" ma:readOnly="true">
+    <xsd:element name="SharedWithDetails" ma:index="13" nillable="true" ma:displayName="Shared With Details" ma:internalName="SharedWithDetails" ma:readOnly="true">
       <xsd:simpleType>
         <xsd:restriction base="dms:Note">
           <xsd:maxLength value="255"/>
         </xsd:restriction>
-      </xsd:simpleType>
-    </xsd:element>
-    <xsd:element name="SharingHintHash" ma:index="10" nillable="true" ma:displayName="Sharing Hint Hash" ma:internalName="SharingHintHash" ma:readOnly="true">
-      <xsd:simpleType>
-        <xsd:restriction base="dms:Text"/>
       </xsd:simpleType>
     </xsd:element>
   </xsd:schema>
@@ -6346,45 +6714,19 @@
 </file>
 
 <file path=customXml/item3.xml><?xml version="1.0" encoding="utf-8"?>
-<?mso-contentType ?>
-<FormTemplates xmlns="http://schemas.microsoft.com/sharepoint/v3/contenttype/forms">
-  <Display>DocumentLibraryForm</Display>
-  <Edit>DocumentLibraryForm</Edit>
-  <New>DocumentLibraryForm</New>
-</FormTemplates>
+<p:properties xmlns:p="http://schemas.microsoft.com/office/2006/metadata/properties" xmlns:xsi="http://www.w3.org/2001/XMLSchema-instance" xmlns:pc="http://schemas.microsoft.com/office/infopath/2007/PartnerControls">
+  <documentManagement/>
+</p:properties>
 </file>
 
 <file path=customXml/itemProps1.xml><?xml version="1.0" encoding="utf-8"?>
-<ds:datastoreItem xmlns:ds="http://schemas.openxmlformats.org/officeDocument/2006/customXml" ds:itemID="{AA71BE28-A95D-47E3-9ED6-D1A83C640CB9}">
-  <ds:schemaRefs>
-    <ds:schemaRef ds:uri="http://schemas.microsoft.com/office/2006/metadata/properties"/>
-    <ds:schemaRef ds:uri="http://schemas.microsoft.com/office/infopath/2007/PartnerControls"/>
-  </ds:schemaRefs>
-</ds:datastoreItem>
+<ds:datastoreItem xmlns:ds="http://schemas.openxmlformats.org/officeDocument/2006/customXml" ds:itemID="{9FA38C65-94B9-42A0-9F25-559A3E9E93B1}"/>
 </file>
 
 <file path=customXml/itemProps2.xml><?xml version="1.0" encoding="utf-8"?>
-<ds:datastoreItem xmlns:ds="http://schemas.openxmlformats.org/officeDocument/2006/customXml" ds:itemID="{5B049BFC-8C7B-4EFD-A670-0FC2CFCDB117}">
-  <ds:schemaRefs>
-    <ds:schemaRef ds:uri="http://schemas.microsoft.com/office/2006/metadata/contentType"/>
-    <ds:schemaRef ds:uri="http://schemas.microsoft.com/office/2006/metadata/properties/metaAttributes"/>
-    <ds:schemaRef ds:uri="http://www.w3.org/2001/XMLSchema"/>
-    <ds:schemaRef ds:uri="http://schemas.microsoft.com/office/2006/metadata/properties"/>
-    <ds:schemaRef ds:uri="5edd459b-714d-42ed-b78f-512da7d1c14e"/>
-    <ds:schemaRef ds:uri="http://schemas.microsoft.com/office/2006/documentManagement/types"/>
-    <ds:schemaRef ds:uri="http://schemas.microsoft.com/office/infopath/2007/PartnerControls"/>
-    <ds:schemaRef ds:uri="http://schemas.openxmlformats.org/package/2006/metadata/core-properties"/>
-    <ds:schemaRef ds:uri="http://purl.org/dc/elements/1.1/"/>
-    <ds:schemaRef ds:uri="http://purl.org/dc/terms/"/>
-    <ds:schemaRef ds:uri="http://schemas.microsoft.com/internal/obd"/>
-  </ds:schemaRefs>
-</ds:datastoreItem>
+<ds:datastoreItem xmlns:ds="http://schemas.openxmlformats.org/officeDocument/2006/customXml" ds:itemID="{25803CD8-0CA1-40F1-9E5B-CE5355F18FC9}"/>
 </file>
 
 <file path=customXml/itemProps3.xml><?xml version="1.0" encoding="utf-8"?>
-<ds:datastoreItem xmlns:ds="http://schemas.openxmlformats.org/officeDocument/2006/customXml" ds:itemID="{9FA38C65-94B9-42A0-9F25-559A3E9E93B1}">
-  <ds:schemaRefs>
-    <ds:schemaRef ds:uri="http://schemas.microsoft.com/sharepoint/v3/contenttype/forms"/>
-  </ds:schemaRefs>
-</ds:datastoreItem>
+<ds:datastoreItem xmlns:ds="http://schemas.openxmlformats.org/officeDocument/2006/customXml" ds:itemID="{AA71BE28-A95D-47E3-9ED6-D1A83C640CB9}"/>
 </file>
--- a/curriculum/Unit5/Unit 5 Slides.pptx
+++ b/curriculum/Unit5/Unit 5 Slides.pptx
@@ -2,23 +2,23 @@
 <file path=ppt/presentation.xml><?xml version="1.0" encoding="utf-8"?>
 <p:presentation xmlns:a="http://schemas.openxmlformats.org/drawingml/2006/main" xmlns:r="http://schemas.openxmlformats.org/officeDocument/2006/relationships" xmlns:p="http://schemas.openxmlformats.org/presentationml/2006/main" saveSubsetFonts="1" autoCompressPictures="0">
   <p:sldMasterIdLst>
-    <p:sldMasterId id="2147483648" r:id="rId1"/>
+    <p:sldMasterId id="2147483648" r:id="rId4"/>
   </p:sldMasterIdLst>
   <p:notesMasterIdLst>
-    <p:notesMasterId r:id="rId10"/>
+    <p:notesMasterId r:id="rId13"/>
   </p:notesMasterIdLst>
   <p:handoutMasterIdLst>
-    <p:handoutMasterId r:id="rId11"/>
+    <p:handoutMasterId r:id="rId14"/>
   </p:handoutMasterIdLst>
   <p:sldIdLst>
-    <p:sldId id="271" r:id="rId2"/>
-    <p:sldId id="282" r:id="rId3"/>
-    <p:sldId id="278" r:id="rId4"/>
-    <p:sldId id="276" r:id="rId5"/>
-    <p:sldId id="273" r:id="rId6"/>
-    <p:sldId id="272" r:id="rId7"/>
-    <p:sldId id="281" r:id="rId8"/>
-    <p:sldId id="283" r:id="rId9"/>
+    <p:sldId id="271" r:id="rId5"/>
+    <p:sldId id="282" r:id="rId6"/>
+    <p:sldId id="278" r:id="rId7"/>
+    <p:sldId id="276" r:id="rId8"/>
+    <p:sldId id="273" r:id="rId9"/>
+    <p:sldId id="272" r:id="rId10"/>
+    <p:sldId id="281" r:id="rId11"/>
+    <p:sldId id="283" r:id="rId12"/>
   </p:sldIdLst>
   <p:sldSz cx="9144000" cy="6858000" type="screen4x3"/>
   <p:notesSz cx="6858000" cy="9144000"/>
@@ -117,6 +117,22 @@
       </a:defRPr>
     </a:lvl9pPr>
   </p:defaultTextStyle>
+  <p:extLst>
+    <p:ext uri="{EFAFB233-063F-42B5-8137-9DF3F51BA10A}">
+      <p15:sldGuideLst xmlns:p15="http://schemas.microsoft.com/office/powerpoint/2012/main">
+        <p15:guide id="1" orient="horz" pos="2160">
+          <p15:clr>
+            <a:srgbClr val="A4A3A4"/>
+          </p15:clr>
+        </p15:guide>
+        <p15:guide id="2" pos="2880">
+          <p15:clr>
+            <a:srgbClr val="A4A3A4"/>
+          </p15:clr>
+        </p15:guide>
+      </p15:sldGuideLst>
+    </p:ext>
+  </p:extLst>
 </p:presentation>
 </file>
 
@@ -202,7 +218,7 @@
           <a:p>
             <a:fld id="{6D0754E3-E03E-ED44-9A59-706283C2F2CC}" type="datetimeFigureOut">
               <a:rPr lang="en-US" smtClean="0"/>
-              <a:t>7/1/15</a:t>
+              <a:t>2/18/2020</a:t>
             </a:fld>
             <a:endParaRPr lang="en-US"/>
           </a:p>
@@ -368,7 +384,7 @@
           <a:p>
             <a:fld id="{44996FB4-6AD2-FE4B-B45E-D44A9C110DAF}" type="datetimeFigureOut">
               <a:rPr lang="en-US" smtClean="0"/>
-              <a:t>7/1/15</a:t>
+              <a:t>2/18/2020</a:t>
             </a:fld>
             <a:endParaRPr lang="en-US"/>
           </a:p>
@@ -432,38 +448,37 @@
           <a:p>
             <a:pPr lvl="0"/>
             <a:r>
-              <a:rPr lang="en-US" smtClean="0"/>
+              <a:rPr lang="en-US"/>
               <a:t>Click to edit Master text styles</a:t>
             </a:r>
           </a:p>
           <a:p>
             <a:pPr lvl="1"/>
             <a:r>
-              <a:rPr lang="en-US" smtClean="0"/>
+              <a:rPr lang="en-US"/>
               <a:t>Second level</a:t>
             </a:r>
           </a:p>
           <a:p>
             <a:pPr lvl="2"/>
             <a:r>
-              <a:rPr lang="en-US" smtClean="0"/>
+              <a:rPr lang="en-US"/>
               <a:t>Third level</a:t>
             </a:r>
           </a:p>
           <a:p>
             <a:pPr lvl="3"/>
             <a:r>
-              <a:rPr lang="en-US" smtClean="0"/>
+              <a:rPr lang="en-US"/>
               <a:t>Fourth level</a:t>
             </a:r>
           </a:p>
           <a:p>
             <a:pPr lvl="4"/>
             <a:r>
-              <a:rPr lang="en-US" smtClean="0"/>
+              <a:rPr lang="en-US"/>
               <a:t>Fifth level</a:t>
             </a:r>
-            <a:endParaRPr lang="en-US"/>
           </a:p>
         </p:txBody>
       </p:sp>
@@ -759,10 +774,9 @@
           <a:lstStyle/>
           <a:p>
             <a:r>
-              <a:rPr lang="en-US" smtClean="0"/>
+              <a:rPr lang="en-US"/>
               <a:t>Click to edit Master title style</a:t>
             </a:r>
-            <a:endParaRPr lang="en-US"/>
           </a:p>
         </p:txBody>
       </p:sp>
@@ -878,10 +892,9 @@
           </a:lstStyle>
           <a:p>
             <a:r>
-              <a:rPr lang="en-US" smtClean="0"/>
+              <a:rPr lang="en-US"/>
               <a:t>Click to edit Master subtitle style</a:t>
             </a:r>
-            <a:endParaRPr lang="en-US"/>
           </a:p>
         </p:txBody>
       </p:sp>
@@ -902,7 +915,7 @@
           <a:p>
             <a:fld id="{34990CC2-A8CC-B149-BA8F-DDB0E524EE45}" type="datetime1">
               <a:rPr lang="en-US" smtClean="0"/>
-              <a:t>7/1/15</a:t>
+              <a:t>2/18/2020</a:t>
             </a:fld>
             <a:endParaRPr lang="en-US"/>
           </a:p>
@@ -924,10 +937,9 @@
           <a:lstStyle/>
           <a:p>
             <a:r>
-              <a:rPr lang="en-US" smtClean="0"/>
+              <a:rPr lang="en-US"/>
               <a:t>Developed by TEALS in 2015  www.tealsk12.org</a:t>
             </a:r>
-            <a:endParaRPr lang="en-US"/>
           </a:p>
         </p:txBody>
       </p:sp>
@@ -1000,10 +1012,9 @@
           <a:lstStyle/>
           <a:p>
             <a:r>
-              <a:rPr lang="en-US" smtClean="0"/>
+              <a:rPr lang="en-US"/>
               <a:t>Click to edit Master title style</a:t>
             </a:r>
-            <a:endParaRPr lang="en-US"/>
           </a:p>
         </p:txBody>
       </p:sp>
@@ -1024,38 +1035,37 @@
           <a:p>
             <a:pPr lvl="0"/>
             <a:r>
-              <a:rPr lang="en-US" smtClean="0"/>
+              <a:rPr lang="en-US"/>
               <a:t>Click to edit Master text styles</a:t>
             </a:r>
           </a:p>
           <a:p>
             <a:pPr lvl="1"/>
             <a:r>
-              <a:rPr lang="en-US" smtClean="0"/>
+              <a:rPr lang="en-US"/>
               <a:t>Second level</a:t>
             </a:r>
           </a:p>
           <a:p>
             <a:pPr lvl="2"/>
             <a:r>
-              <a:rPr lang="en-US" smtClean="0"/>
+              <a:rPr lang="en-US"/>
               <a:t>Third level</a:t>
             </a:r>
           </a:p>
           <a:p>
             <a:pPr lvl="3"/>
             <a:r>
-              <a:rPr lang="en-US" smtClean="0"/>
+              <a:rPr lang="en-US"/>
               <a:t>Fourth level</a:t>
             </a:r>
           </a:p>
           <a:p>
             <a:pPr lvl="4"/>
             <a:r>
-              <a:rPr lang="en-US" smtClean="0"/>
+              <a:rPr lang="en-US"/>
               <a:t>Fifth level</a:t>
             </a:r>
-            <a:endParaRPr lang="en-US"/>
           </a:p>
         </p:txBody>
       </p:sp>
@@ -1076,7 +1086,7 @@
           <a:p>
             <a:fld id="{96267D05-F6C2-F64A-9C7F-A94B43164B5C}" type="datetime1">
               <a:rPr lang="en-US" smtClean="0"/>
-              <a:t>7/1/15</a:t>
+              <a:t>2/18/2020</a:t>
             </a:fld>
             <a:endParaRPr lang="en-US"/>
           </a:p>
@@ -1098,10 +1108,9 @@
           <a:lstStyle/>
           <a:p>
             <a:r>
-              <a:rPr lang="en-US" smtClean="0"/>
+              <a:rPr lang="en-US"/>
               <a:t>Developed by TEALS in 2015  www.tealsk12.org</a:t>
             </a:r>
-            <a:endParaRPr lang="en-US"/>
           </a:p>
         </p:txBody>
       </p:sp>
@@ -1179,10 +1188,9 @@
           <a:lstStyle/>
           <a:p>
             <a:r>
-              <a:rPr lang="en-US" smtClean="0"/>
+              <a:rPr lang="en-US"/>
               <a:t>Click to edit Master title style</a:t>
             </a:r>
-            <a:endParaRPr lang="en-US"/>
           </a:p>
         </p:txBody>
       </p:sp>
@@ -1208,38 +1216,37 @@
           <a:p>
             <a:pPr lvl="0"/>
             <a:r>
-              <a:rPr lang="en-US" smtClean="0"/>
+              <a:rPr lang="en-US"/>
               <a:t>Click to edit Master text styles</a:t>
             </a:r>
           </a:p>
           <a:p>
             <a:pPr lvl="1"/>
             <a:r>
-              <a:rPr lang="en-US" smtClean="0"/>
+              <a:rPr lang="en-US"/>
               <a:t>Second level</a:t>
             </a:r>
           </a:p>
           <a:p>
             <a:pPr lvl="2"/>
             <a:r>
-              <a:rPr lang="en-US" smtClean="0"/>
+              <a:rPr lang="en-US"/>
               <a:t>Third level</a:t>
             </a:r>
           </a:p>
           <a:p>
             <a:pPr lvl="3"/>
             <a:r>
-              <a:rPr lang="en-US" smtClean="0"/>
+              <a:rPr lang="en-US"/>
               <a:t>Fourth level</a:t>
             </a:r>
           </a:p>
           <a:p>
             <a:pPr lvl="4"/>
             <a:r>
-              <a:rPr lang="en-US" smtClean="0"/>
+              <a:rPr lang="en-US"/>
               <a:t>Fifth level</a:t>
             </a:r>
-            <a:endParaRPr lang="en-US"/>
           </a:p>
         </p:txBody>
       </p:sp>
@@ -1260,7 +1267,7 @@
           <a:p>
             <a:fld id="{087C1978-9D0A-A345-9E84-F995A3601C8E}" type="datetime1">
               <a:rPr lang="en-US" smtClean="0"/>
-              <a:t>7/1/15</a:t>
+              <a:t>2/18/2020</a:t>
             </a:fld>
             <a:endParaRPr lang="en-US"/>
           </a:p>
@@ -1282,10 +1289,9 @@
           <a:lstStyle/>
           <a:p>
             <a:r>
-              <a:rPr lang="en-US" smtClean="0"/>
+              <a:rPr lang="en-US"/>
               <a:t>Developed by TEALS in 2015  www.tealsk12.org</a:t>
             </a:r>
-            <a:endParaRPr lang="en-US"/>
           </a:p>
         </p:txBody>
       </p:sp>
@@ -1358,10 +1364,9 @@
           <a:lstStyle/>
           <a:p>
             <a:r>
-              <a:rPr lang="en-US" smtClean="0"/>
+              <a:rPr lang="en-US"/>
               <a:t>Click to edit Master title style</a:t>
             </a:r>
-            <a:endParaRPr lang="en-US"/>
           </a:p>
         </p:txBody>
       </p:sp>
@@ -1382,38 +1387,37 @@
           <a:p>
             <a:pPr lvl="0"/>
             <a:r>
-              <a:rPr lang="en-US" smtClean="0"/>
+              <a:rPr lang="en-US"/>
               <a:t>Click to edit Master text styles</a:t>
             </a:r>
           </a:p>
           <a:p>
             <a:pPr lvl="1"/>
             <a:r>
-              <a:rPr lang="en-US" smtClean="0"/>
+              <a:rPr lang="en-US"/>
               <a:t>Second level</a:t>
             </a:r>
           </a:p>
           <a:p>
             <a:pPr lvl="2"/>
             <a:r>
-              <a:rPr lang="en-US" smtClean="0"/>
+              <a:rPr lang="en-US"/>
               <a:t>Third level</a:t>
             </a:r>
           </a:p>
           <a:p>
             <a:pPr lvl="3"/>
             <a:r>
-              <a:rPr lang="en-US" smtClean="0"/>
+              <a:rPr lang="en-US"/>
               <a:t>Fourth level</a:t>
             </a:r>
           </a:p>
           <a:p>
             <a:pPr lvl="4"/>
             <a:r>
-              <a:rPr lang="en-US" smtClean="0"/>
+              <a:rPr lang="en-US"/>
               <a:t>Fifth level</a:t>
             </a:r>
-            <a:endParaRPr lang="en-US"/>
           </a:p>
         </p:txBody>
       </p:sp>
@@ -1434,7 +1438,7 @@
           <a:p>
             <a:fld id="{620CD570-9DDA-524E-9F58-9DBC8D3A8C31}" type="datetime1">
               <a:rPr lang="en-US" smtClean="0"/>
-              <a:t>7/1/15</a:t>
+              <a:t>2/18/2020</a:t>
             </a:fld>
             <a:endParaRPr lang="en-US"/>
           </a:p>
@@ -1456,10 +1460,9 @@
           <a:lstStyle/>
           <a:p>
             <a:r>
-              <a:rPr lang="en-US" smtClean="0"/>
+              <a:rPr lang="en-US"/>
               <a:t>Developed by TEALS in 2015  www.tealsk12.org</a:t>
             </a:r>
-            <a:endParaRPr lang="en-US"/>
           </a:p>
         </p:txBody>
       </p:sp>
@@ -1541,10 +1544,9 @@
           </a:lstStyle>
           <a:p>
             <a:r>
-              <a:rPr lang="en-US" smtClean="0"/>
+              <a:rPr lang="en-US"/>
               <a:t>Click to edit Master title style</a:t>
             </a:r>
-            <a:endParaRPr lang="en-US"/>
           </a:p>
         </p:txBody>
       </p:sp>
@@ -1661,7 +1663,7 @@
           <a:p>
             <a:pPr lvl="0"/>
             <a:r>
-              <a:rPr lang="en-US" smtClean="0"/>
+              <a:rPr lang="en-US"/>
               <a:t>Click to edit Master text styles</a:t>
             </a:r>
           </a:p>
@@ -1684,7 +1686,7 @@
           <a:p>
             <a:fld id="{FEBAD56B-400E-5542-B4A1-CD46AB8B4D0E}" type="datetime1">
               <a:rPr lang="en-US" smtClean="0"/>
-              <a:t>7/1/15</a:t>
+              <a:t>2/18/2020</a:t>
             </a:fld>
             <a:endParaRPr lang="en-US"/>
           </a:p>
@@ -1706,10 +1708,9 @@
           <a:lstStyle/>
           <a:p>
             <a:r>
-              <a:rPr lang="en-US" smtClean="0"/>
+              <a:rPr lang="en-US"/>
               <a:t>Developed by TEALS in 2015  www.tealsk12.org</a:t>
             </a:r>
-            <a:endParaRPr lang="en-US"/>
           </a:p>
         </p:txBody>
       </p:sp>
@@ -1782,10 +1783,9 @@
           <a:lstStyle/>
           <a:p>
             <a:r>
-              <a:rPr lang="en-US" smtClean="0"/>
+              <a:rPr lang="en-US"/>
               <a:t>Click to edit Master title style</a:t>
             </a:r>
-            <a:endParaRPr lang="en-US"/>
           </a:p>
         </p:txBody>
       </p:sp>
@@ -1839,38 +1839,37 @@
           <a:p>
             <a:pPr lvl="0"/>
             <a:r>
-              <a:rPr lang="en-US" smtClean="0"/>
+              <a:rPr lang="en-US"/>
               <a:t>Click to edit Master text styles</a:t>
             </a:r>
           </a:p>
           <a:p>
             <a:pPr lvl="1"/>
             <a:r>
-              <a:rPr lang="en-US" smtClean="0"/>
+              <a:rPr lang="en-US"/>
               <a:t>Second level</a:t>
             </a:r>
           </a:p>
           <a:p>
             <a:pPr lvl="2"/>
             <a:r>
-              <a:rPr lang="en-US" smtClean="0"/>
+              <a:rPr lang="en-US"/>
               <a:t>Third level</a:t>
             </a:r>
           </a:p>
           <a:p>
             <a:pPr lvl="3"/>
             <a:r>
-              <a:rPr lang="en-US" smtClean="0"/>
+              <a:rPr lang="en-US"/>
               <a:t>Fourth level</a:t>
             </a:r>
           </a:p>
           <a:p>
             <a:pPr lvl="4"/>
             <a:r>
-              <a:rPr lang="en-US" smtClean="0"/>
+              <a:rPr lang="en-US"/>
               <a:t>Fifth level</a:t>
             </a:r>
-            <a:endParaRPr lang="en-US"/>
           </a:p>
         </p:txBody>
       </p:sp>
@@ -1924,38 +1923,37 @@
           <a:p>
             <a:pPr lvl="0"/>
             <a:r>
-              <a:rPr lang="en-US" smtClean="0"/>
+              <a:rPr lang="en-US"/>
               <a:t>Click to edit Master text styles</a:t>
             </a:r>
           </a:p>
           <a:p>
             <a:pPr lvl="1"/>
             <a:r>
-              <a:rPr lang="en-US" smtClean="0"/>
+              <a:rPr lang="en-US"/>
               <a:t>Second level</a:t>
             </a:r>
           </a:p>
           <a:p>
             <a:pPr lvl="2"/>
             <a:r>
-              <a:rPr lang="en-US" smtClean="0"/>
+              <a:rPr lang="en-US"/>
               <a:t>Third level</a:t>
             </a:r>
           </a:p>
           <a:p>
             <a:pPr lvl="3"/>
             <a:r>
-              <a:rPr lang="en-US" smtClean="0"/>
+              <a:rPr lang="en-US"/>
               <a:t>Fourth level</a:t>
             </a:r>
           </a:p>
           <a:p>
             <a:pPr lvl="4"/>
             <a:r>
-              <a:rPr lang="en-US" smtClean="0"/>
+              <a:rPr lang="en-US"/>
               <a:t>Fifth level</a:t>
             </a:r>
-            <a:endParaRPr lang="en-US"/>
           </a:p>
         </p:txBody>
       </p:sp>
@@ -1976,7 +1974,7 @@
           <a:p>
             <a:fld id="{43394E63-B418-1F4A-9C08-2548B9C5B3C1}" type="datetime1">
               <a:rPr lang="en-US" smtClean="0"/>
-              <a:t>7/1/15</a:t>
+              <a:t>2/18/2020</a:t>
             </a:fld>
             <a:endParaRPr lang="en-US"/>
           </a:p>
@@ -1998,10 +1996,9 @@
           <a:lstStyle/>
           <a:p>
             <a:r>
-              <a:rPr lang="en-US" smtClean="0"/>
+              <a:rPr lang="en-US"/>
               <a:t>Developed by TEALS in 2015  www.tealsk12.org</a:t>
             </a:r>
-            <a:endParaRPr lang="en-US"/>
           </a:p>
         </p:txBody>
       </p:sp>
@@ -2078,10 +2075,9 @@
           </a:lstStyle>
           <a:p>
             <a:r>
-              <a:rPr lang="en-US" smtClean="0"/>
+              <a:rPr lang="en-US"/>
               <a:t>Click to edit Master title style</a:t>
             </a:r>
-            <a:endParaRPr lang="en-US"/>
           </a:p>
         </p:txBody>
       </p:sp>
@@ -2144,7 +2140,7 @@
           <a:p>
             <a:pPr lvl="0"/>
             <a:r>
-              <a:rPr lang="en-US" smtClean="0"/>
+              <a:rPr lang="en-US"/>
               <a:t>Click to edit Master text styles</a:t>
             </a:r>
           </a:p>
@@ -2200,38 +2196,37 @@
           <a:p>
             <a:pPr lvl="0"/>
             <a:r>
-              <a:rPr lang="en-US" smtClean="0"/>
+              <a:rPr lang="en-US"/>
               <a:t>Click to edit Master text styles</a:t>
             </a:r>
           </a:p>
           <a:p>
             <a:pPr lvl="1"/>
             <a:r>
-              <a:rPr lang="en-US" smtClean="0"/>
+              <a:rPr lang="en-US"/>
               <a:t>Second level</a:t>
             </a:r>
           </a:p>
           <a:p>
             <a:pPr lvl="2"/>
             <a:r>
-              <a:rPr lang="en-US" smtClean="0"/>
+              <a:rPr lang="en-US"/>
               <a:t>Third level</a:t>
             </a:r>
           </a:p>
           <a:p>
             <a:pPr lvl="3"/>
             <a:r>
-              <a:rPr lang="en-US" smtClean="0"/>
+              <a:rPr lang="en-US"/>
               <a:t>Fourth level</a:t>
             </a:r>
           </a:p>
           <a:p>
             <a:pPr lvl="4"/>
             <a:r>
-              <a:rPr lang="en-US" smtClean="0"/>
+              <a:rPr lang="en-US"/>
               <a:t>Fifth level</a:t>
             </a:r>
-            <a:endParaRPr lang="en-US"/>
           </a:p>
         </p:txBody>
       </p:sp>
@@ -2294,7 +2289,7 @@
           <a:p>
             <a:pPr lvl="0"/>
             <a:r>
-              <a:rPr lang="en-US" smtClean="0"/>
+              <a:rPr lang="en-US"/>
               <a:t>Click to edit Master text styles</a:t>
             </a:r>
           </a:p>
@@ -2350,38 +2345,37 @@
           <a:p>
             <a:pPr lvl="0"/>
             <a:r>
-              <a:rPr lang="en-US" smtClean="0"/>
+              <a:rPr lang="en-US"/>
               <a:t>Click to edit Master text styles</a:t>
             </a:r>
           </a:p>
           <a:p>
             <a:pPr lvl="1"/>
             <a:r>
-              <a:rPr lang="en-US" smtClean="0"/>
+              <a:rPr lang="en-US"/>
               <a:t>Second level</a:t>
             </a:r>
           </a:p>
           <a:p>
             <a:pPr lvl="2"/>
             <a:r>
-              <a:rPr lang="en-US" smtClean="0"/>
+              <a:rPr lang="en-US"/>
               <a:t>Third level</a:t>
             </a:r>
           </a:p>
           <a:p>
             <a:pPr lvl="3"/>
             <a:r>
-              <a:rPr lang="en-US" smtClean="0"/>
+              <a:rPr lang="en-US"/>
               <a:t>Fourth level</a:t>
             </a:r>
           </a:p>
           <a:p>
             <a:pPr lvl="4"/>
             <a:r>
-              <a:rPr lang="en-US" smtClean="0"/>
+              <a:rPr lang="en-US"/>
               <a:t>Fifth level</a:t>
             </a:r>
-            <a:endParaRPr lang="en-US"/>
           </a:p>
         </p:txBody>
       </p:sp>
@@ -2402,7 +2396,7 @@
           <a:p>
             <a:fld id="{6F92EF41-DD41-C742-BC3B-970F41658B68}" type="datetime1">
               <a:rPr lang="en-US" smtClean="0"/>
-              <a:t>7/1/15</a:t>
+              <a:t>2/18/2020</a:t>
             </a:fld>
             <a:endParaRPr lang="en-US"/>
           </a:p>
@@ -2424,10 +2418,9 @@
           <a:lstStyle/>
           <a:p>
             <a:r>
-              <a:rPr lang="en-US" smtClean="0"/>
+              <a:rPr lang="en-US"/>
               <a:t>Developed by TEALS in 2015  www.tealsk12.org</a:t>
             </a:r>
-            <a:endParaRPr lang="en-US"/>
           </a:p>
         </p:txBody>
       </p:sp>
@@ -2500,10 +2493,9 @@
           <a:lstStyle/>
           <a:p>
             <a:r>
-              <a:rPr lang="en-US" smtClean="0"/>
+              <a:rPr lang="en-US"/>
               <a:t>Click to edit Master title style</a:t>
             </a:r>
-            <a:endParaRPr lang="en-US"/>
           </a:p>
         </p:txBody>
       </p:sp>
@@ -2524,7 +2516,7 @@
           <a:p>
             <a:fld id="{631009B9-6DC3-0349-8BB5-CE1E5B2C68D1}" type="datetime1">
               <a:rPr lang="en-US" smtClean="0"/>
-              <a:t>7/1/15</a:t>
+              <a:t>2/18/2020</a:t>
             </a:fld>
             <a:endParaRPr lang="en-US"/>
           </a:p>
@@ -2546,10 +2538,9 @@
           <a:lstStyle/>
           <a:p>
             <a:r>
-              <a:rPr lang="en-US" smtClean="0"/>
+              <a:rPr lang="en-US"/>
               <a:t>Developed by TEALS in 2015  www.tealsk12.org</a:t>
             </a:r>
-            <a:endParaRPr lang="en-US"/>
           </a:p>
         </p:txBody>
       </p:sp>
@@ -2623,7 +2614,7 @@
           <a:p>
             <a:fld id="{DBD68779-2025-B44F-AD23-DF62F9874F1B}" type="datetime1">
               <a:rPr lang="en-US" smtClean="0"/>
-              <a:t>7/1/15</a:t>
+              <a:t>2/18/2020</a:t>
             </a:fld>
             <a:endParaRPr lang="en-US"/>
           </a:p>
@@ -2645,10 +2636,9 @@
           <a:lstStyle/>
           <a:p>
             <a:r>
-              <a:rPr lang="en-US" smtClean="0"/>
+              <a:rPr lang="en-US"/>
               <a:t>Developed by TEALS in 2015  www.tealsk12.org</a:t>
             </a:r>
-            <a:endParaRPr lang="en-US"/>
           </a:p>
         </p:txBody>
       </p:sp>
@@ -2730,10 +2720,9 @@
           </a:lstStyle>
           <a:p>
             <a:r>
-              <a:rPr lang="en-US" smtClean="0"/>
+              <a:rPr lang="en-US"/>
               <a:t>Click to edit Master title style</a:t>
             </a:r>
-            <a:endParaRPr lang="en-US"/>
           </a:p>
         </p:txBody>
       </p:sp>
@@ -2787,38 +2776,37 @@
           <a:p>
             <a:pPr lvl="0"/>
             <a:r>
-              <a:rPr lang="en-US" smtClean="0"/>
+              <a:rPr lang="en-US"/>
               <a:t>Click to edit Master text styles</a:t>
             </a:r>
           </a:p>
           <a:p>
             <a:pPr lvl="1"/>
             <a:r>
-              <a:rPr lang="en-US" smtClean="0"/>
+              <a:rPr lang="en-US"/>
               <a:t>Second level</a:t>
             </a:r>
           </a:p>
           <a:p>
             <a:pPr lvl="2"/>
             <a:r>
-              <a:rPr lang="en-US" smtClean="0"/>
+              <a:rPr lang="en-US"/>
               <a:t>Third level</a:t>
             </a:r>
           </a:p>
           <a:p>
             <a:pPr lvl="3"/>
             <a:r>
-              <a:rPr lang="en-US" smtClean="0"/>
+              <a:rPr lang="en-US"/>
               <a:t>Fourth level</a:t>
             </a:r>
           </a:p>
           <a:p>
             <a:pPr lvl="4"/>
             <a:r>
-              <a:rPr lang="en-US" smtClean="0"/>
+              <a:rPr lang="en-US"/>
               <a:t>Fifth level</a:t>
             </a:r>
-            <a:endParaRPr lang="en-US"/>
           </a:p>
         </p:txBody>
       </p:sp>
@@ -2881,7 +2869,7 @@
           <a:p>
             <a:pPr lvl="0"/>
             <a:r>
-              <a:rPr lang="en-US" smtClean="0"/>
+              <a:rPr lang="en-US"/>
               <a:t>Click to edit Master text styles</a:t>
             </a:r>
           </a:p>
@@ -2904,7 +2892,7 @@
           <a:p>
             <a:fld id="{1C533E1B-B859-DB4E-86F0-BE8C9C0ABFF7}" type="datetime1">
               <a:rPr lang="en-US" smtClean="0"/>
-              <a:t>7/1/15</a:t>
+              <a:t>2/18/2020</a:t>
             </a:fld>
             <a:endParaRPr lang="en-US"/>
           </a:p>
@@ -2926,10 +2914,9 @@
           <a:lstStyle/>
           <a:p>
             <a:r>
-              <a:rPr lang="en-US" smtClean="0"/>
+              <a:rPr lang="en-US"/>
               <a:t>Developed by TEALS in 2015  www.tealsk12.org</a:t>
             </a:r>
-            <a:endParaRPr lang="en-US"/>
           </a:p>
         </p:txBody>
       </p:sp>
@@ -3011,10 +2998,9 @@
           </a:lstStyle>
           <a:p>
             <a:r>
-              <a:rPr lang="en-US" smtClean="0"/>
+              <a:rPr lang="en-US"/>
               <a:t>Click to edit Master title style</a:t>
             </a:r>
-            <a:endParaRPr lang="en-US"/>
           </a:p>
         </p:txBody>
       </p:sp>
@@ -3138,7 +3124,7 @@
           <a:p>
             <a:pPr lvl="0"/>
             <a:r>
-              <a:rPr lang="en-US" smtClean="0"/>
+              <a:rPr lang="en-US"/>
               <a:t>Click to edit Master text styles</a:t>
             </a:r>
           </a:p>
@@ -3161,7 +3147,7 @@
           <a:p>
             <a:fld id="{AC1EAEA1-8470-6B4A-8D60-97578450ABB9}" type="datetime1">
               <a:rPr lang="en-US" smtClean="0"/>
-              <a:t>7/1/15</a:t>
+              <a:t>2/18/2020</a:t>
             </a:fld>
             <a:endParaRPr lang="en-US"/>
           </a:p>
@@ -3183,10 +3169,9 @@
           <a:lstStyle/>
           <a:p>
             <a:r>
-              <a:rPr lang="en-US" smtClean="0"/>
+              <a:rPr lang="en-US"/>
               <a:t>Developed by TEALS in 2015  www.tealsk12.org</a:t>
             </a:r>
-            <a:endParaRPr lang="en-US"/>
           </a:p>
         </p:txBody>
       </p:sp>
@@ -3274,10 +3259,9 @@
           <a:lstStyle/>
           <a:p>
             <a:r>
-              <a:rPr lang="en-US" smtClean="0"/>
+              <a:rPr lang="en-US"/>
               <a:t>Click to edit Master title style</a:t>
             </a:r>
-            <a:endParaRPr lang="en-US"/>
           </a:p>
         </p:txBody>
       </p:sp>
@@ -3308,38 +3292,37 @@
           <a:p>
             <a:pPr lvl="0"/>
             <a:r>
-              <a:rPr lang="en-US" smtClean="0"/>
+              <a:rPr lang="en-US"/>
               <a:t>Click to edit Master text styles</a:t>
             </a:r>
           </a:p>
           <a:p>
             <a:pPr lvl="1"/>
             <a:r>
-              <a:rPr lang="en-US" smtClean="0"/>
+              <a:rPr lang="en-US"/>
               <a:t>Second level</a:t>
             </a:r>
           </a:p>
           <a:p>
             <a:pPr lvl="2"/>
             <a:r>
-              <a:rPr lang="en-US" smtClean="0"/>
+              <a:rPr lang="en-US"/>
               <a:t>Third level</a:t>
             </a:r>
           </a:p>
           <a:p>
             <a:pPr lvl="3"/>
             <a:r>
-              <a:rPr lang="en-US" smtClean="0"/>
+              <a:rPr lang="en-US"/>
               <a:t>Fourth level</a:t>
             </a:r>
           </a:p>
           <a:p>
             <a:pPr lvl="4"/>
             <a:r>
-              <a:rPr lang="en-US" smtClean="0"/>
+              <a:rPr lang="en-US"/>
               <a:t>Fifth level</a:t>
             </a:r>
-            <a:endParaRPr lang="en-US"/>
           </a:p>
         </p:txBody>
       </p:sp>
@@ -3378,7 +3361,7 @@
           <a:p>
             <a:fld id="{EB2A284D-251E-7046-B0B7-6A85726BD855}" type="datetime1">
               <a:rPr lang="en-US" smtClean="0"/>
-              <a:t>7/1/15</a:t>
+              <a:t>2/18/2020</a:t>
             </a:fld>
             <a:endParaRPr lang="en-US"/>
           </a:p>
@@ -3418,10 +3401,9 @@
           </a:lstStyle>
           <a:p>
             <a:r>
-              <a:rPr lang="en-US" smtClean="0"/>
+              <a:rPr lang="en-US"/>
               <a:t>Developed by TEALS in 2015  www.tealsk12.org</a:t>
             </a:r>
-            <a:endParaRPr lang="en-US"/>
           </a:p>
         </p:txBody>
       </p:sp>
@@ -3776,22 +3758,17 @@
           <a:lstStyle/>
           <a:p>
             <a:r>
-              <a:rPr lang="en-US" b="1" smtClean="0"/>
+              <a:rPr lang="en-US" b="1"/>
               <a:t>Lesson 5.0 </a:t>
             </a:r>
             <a:r>
-              <a:rPr lang="en-US" dirty="0" smtClean="0">
+              <a:rPr lang="en-US" dirty="0">
                 <a:solidFill>
                   <a:srgbClr val="17B1AA"/>
                 </a:solidFill>
               </a:rPr>
               <a:t>Test Review and Reteach</a:t>
             </a:r>
-            <a:endParaRPr lang="en-US" dirty="0">
-              <a:solidFill>
-                <a:srgbClr val="17B1AA"/>
-              </a:solidFill>
-            </a:endParaRPr>
           </a:p>
         </p:txBody>
       </p:sp>
@@ -3820,34 +3797,29 @@
               </a:rPr>
               <a:t>Objectives </a:t>
             </a:r>
-            <a:endParaRPr lang="en-US" dirty="0" smtClean="0">
+          </a:p>
+          <a:p>
+            <a:pPr lvl="1"/>
+            <a:r>
+              <a:rPr lang="en-US" b="1" dirty="0"/>
+              <a:t>Re-learn or strengthen</a:t>
+            </a:r>
+            <a:r>
+              <a:rPr lang="en-US" dirty="0"/>
+              <a:t> content knowledge and skills from Unit 4.</a:t>
+            </a:r>
+            <a:endParaRPr lang="en-US" b="1" dirty="0"/>
+          </a:p>
+          <a:p>
+            <a:endParaRPr lang="en-US" dirty="0">
               <a:solidFill>
                 <a:srgbClr val="17B1AA"/>
               </a:solidFill>
             </a:endParaRPr>
           </a:p>
           <a:p>
-            <a:pPr lvl="1"/>
-            <a:r>
-              <a:rPr lang="en-US" b="1" dirty="0" smtClean="0"/>
-              <a:t>Re-learn or strengthen</a:t>
-            </a:r>
-            <a:r>
-              <a:rPr lang="en-US" dirty="0" smtClean="0"/>
-              <a:t> content knowledge and skills from Unit 4.</a:t>
-            </a:r>
-            <a:endParaRPr lang="en-US" b="1" dirty="0"/>
-          </a:p>
-          <a:p>
-            <a:endParaRPr lang="en-US" dirty="0" smtClean="0">
-              <a:solidFill>
-                <a:srgbClr val="17B1AA"/>
-              </a:solidFill>
-            </a:endParaRPr>
-          </a:p>
-          <a:p>
-            <a:r>
-              <a:rPr lang="en-US" dirty="0" smtClean="0">
+            <a:r>
+              <a:rPr lang="en-US" dirty="0">
                 <a:solidFill>
                   <a:srgbClr val="17B1AA"/>
                 </a:solidFill>
@@ -3858,11 +3830,11 @@
           <a:p>
             <a:pPr lvl="1"/>
             <a:r>
-              <a:rPr lang="en-US" b="1" dirty="0" smtClean="0"/>
+              <a:rPr lang="en-US" b="1" dirty="0"/>
               <a:t>Re-submit</a:t>
             </a:r>
             <a:r>
-              <a:rPr lang="en-US" dirty="0" smtClean="0"/>
+              <a:rPr lang="en-US" dirty="0"/>
               <a:t> test answers with updated corrections</a:t>
             </a:r>
             <a:endParaRPr lang="en-US" b="1" dirty="0"/>
@@ -3882,36 +3854,31 @@
               </a:rPr>
               <a:t>Homework </a:t>
             </a:r>
-            <a:endParaRPr lang="en-US" dirty="0" smtClean="0">
-              <a:solidFill>
-                <a:srgbClr val="17B1AA"/>
-              </a:solidFill>
-            </a:endParaRPr>
           </a:p>
           <a:p>
             <a:pPr lvl="1"/>
             <a:r>
-              <a:rPr lang="en-US" b="1" dirty="0" smtClean="0"/>
+              <a:rPr lang="en-US" b="1" dirty="0"/>
               <a:t>Read</a:t>
             </a:r>
             <a:r>
-              <a:rPr lang="en-US" dirty="0" smtClean="0"/>
+              <a:rPr lang="en-US" dirty="0"/>
               <a:t> </a:t>
             </a:r>
             <a:r>
-              <a:rPr lang="en-US" smtClean="0"/>
+              <a:rPr lang="en-US"/>
               <a:t>HW 8.1</a:t>
             </a:r>
-            <a:endParaRPr lang="en-US" dirty="0" smtClean="0"/>
+            <a:endParaRPr lang="en-US" dirty="0"/>
           </a:p>
           <a:p>
             <a:pPr lvl="1"/>
             <a:r>
-              <a:rPr lang="en-US" b="1" dirty="0" smtClean="0"/>
+              <a:rPr lang="en-US" b="1" dirty="0"/>
               <a:t>Correct</a:t>
             </a:r>
             <a:r>
-              <a:rPr lang="en-US" dirty="0" smtClean="0"/>
+              <a:rPr lang="en-US" dirty="0"/>
               <a:t> any incorrect test answers by re-answering on a separate sheet of paper</a:t>
             </a:r>
             <a:endParaRPr lang="en-US" b="1" dirty="0"/>
@@ -3937,10 +3904,9 @@
           <a:lstStyle/>
           <a:p>
             <a:r>
-              <a:rPr lang="en-US" smtClean="0"/>
+              <a:rPr lang="en-US"/>
               <a:t>Developed by TEALS in 2015  www.tealsk12.org</a:t>
             </a:r>
-            <a:endParaRPr lang="en-US"/>
           </a:p>
         </p:txBody>
       </p:sp>
@@ -3992,22 +3958,17 @@
           <a:lstStyle/>
           <a:p>
             <a:r>
-              <a:rPr lang="en-US" b="1" dirty="0" smtClean="0"/>
+              <a:rPr lang="en-US" b="1" dirty="0"/>
               <a:t>Lesson 5.1 </a:t>
             </a:r>
             <a:r>
-              <a:rPr lang="en-US" dirty="0" smtClean="0">
+              <a:rPr lang="en-US" dirty="0">
                 <a:solidFill>
                   <a:srgbClr val="17B1AA"/>
                 </a:solidFill>
               </a:rPr>
               <a:t>Object-Oriented Programming</a:t>
             </a:r>
-            <a:endParaRPr lang="en-US" dirty="0">
-              <a:solidFill>
-                <a:srgbClr val="17B1AA"/>
-              </a:solidFill>
-            </a:endParaRPr>
           </a:p>
         </p:txBody>
       </p:sp>
@@ -4036,45 +3997,40 @@
               </a:rPr>
               <a:t>Objectives </a:t>
             </a:r>
-            <a:endParaRPr lang="en-US" dirty="0" smtClean="0">
+          </a:p>
+          <a:p>
+            <a:pPr lvl="1"/>
+            <a:r>
+              <a:rPr lang="en-US" b="1" dirty="0"/>
+              <a:t>Describe</a:t>
+            </a:r>
+            <a:r>
+              <a:rPr lang="en-US" dirty="0"/>
+              <a:t> the relationship between classes, objects, and client code.</a:t>
+            </a:r>
+          </a:p>
+          <a:p>
+            <a:pPr lvl="1"/>
+            <a:r>
+              <a:rPr lang="en-US" b="1" dirty="0"/>
+              <a:t>Predict</a:t>
+            </a:r>
+            <a:r>
+              <a:rPr lang="en-US" dirty="0"/>
+              <a:t> the output of the code that uses objects.</a:t>
+            </a:r>
+            <a:endParaRPr lang="en-US" b="1" dirty="0"/>
+          </a:p>
+          <a:p>
+            <a:endParaRPr lang="en-US" dirty="0">
               <a:solidFill>
                 <a:srgbClr val="17B1AA"/>
               </a:solidFill>
             </a:endParaRPr>
           </a:p>
           <a:p>
-            <a:pPr lvl="1"/>
-            <a:r>
-              <a:rPr lang="en-US" b="1" dirty="0" smtClean="0"/>
-              <a:t>Describe</a:t>
-            </a:r>
-            <a:r>
-              <a:rPr lang="en-US" dirty="0" smtClean="0"/>
-              <a:t> the relationship between classes, objects, and client code.</a:t>
-            </a:r>
-          </a:p>
-          <a:p>
-            <a:pPr lvl="1"/>
-            <a:r>
-              <a:rPr lang="en-US" b="1" dirty="0" smtClean="0"/>
-              <a:t>Predict</a:t>
-            </a:r>
-            <a:r>
-              <a:rPr lang="en-US" dirty="0" smtClean="0"/>
-              <a:t> the output of the code that uses objects.</a:t>
-            </a:r>
-            <a:endParaRPr lang="en-US" b="1" dirty="0"/>
-          </a:p>
-          <a:p>
-            <a:endParaRPr lang="en-US" dirty="0" smtClean="0">
-              <a:solidFill>
-                <a:srgbClr val="17B1AA"/>
-              </a:solidFill>
-            </a:endParaRPr>
-          </a:p>
-          <a:p>
-            <a:r>
-              <a:rPr lang="en-US" dirty="0" smtClean="0">
+            <a:r>
+              <a:rPr lang="en-US" dirty="0">
                 <a:solidFill>
                   <a:srgbClr val="17B1AA"/>
                 </a:solidFill>
@@ -4090,13 +4046,8 @@
             </a:r>
             <a:r>
               <a:rPr lang="en-US" dirty="0"/>
-              <a:t> </a:t>
-            </a:r>
-            <a:r>
-              <a:rPr lang="en-US" dirty="0" smtClean="0"/>
-              <a:t>Practice-It questions</a:t>
-            </a:r>
-            <a:endParaRPr lang="en-US" dirty="0"/>
+              <a:t> Practice questions</a:t>
+            </a:r>
           </a:p>
           <a:p>
             <a:pPr marL="0" indent="0">
@@ -4113,11 +4064,6 @@
               </a:rPr>
               <a:t>Homework </a:t>
             </a:r>
-            <a:endParaRPr lang="en-US" dirty="0" smtClean="0">
-              <a:solidFill>
-                <a:srgbClr val="17B1AA"/>
-              </a:solidFill>
-            </a:endParaRPr>
           </a:p>
           <a:p>
             <a:pPr lvl="1"/>
@@ -4127,33 +4073,28 @@
             </a:r>
             <a:r>
               <a:rPr lang="en-US" dirty="0"/>
-              <a:t> HW </a:t>
-            </a:r>
-            <a:r>
-              <a:rPr lang="en-US" dirty="0" smtClean="0"/>
-              <a:t>8.2 up to “</a:t>
-            </a:r>
-            <a:r>
-              <a:rPr lang="en-US" dirty="0" err="1" smtClean="0"/>
+              <a:t> HW 8.2 up to “</a:t>
+            </a:r>
+            <a:r>
+              <a:rPr lang="en-US" dirty="0" err="1"/>
               <a:t>Mutators</a:t>
             </a:r>
             <a:r>
-              <a:rPr lang="en-US" dirty="0" smtClean="0"/>
+              <a:rPr lang="en-US" dirty="0"/>
               <a:t> and </a:t>
             </a:r>
             <a:r>
-              <a:rPr lang="en-US" dirty="0" err="1" smtClean="0"/>
+              <a:rPr lang="en-US" dirty="0" err="1"/>
               <a:t>Accessors</a:t>
             </a:r>
             <a:r>
-              <a:rPr lang="en-US" dirty="0" smtClean="0"/>
+              <a:rPr lang="en-US" dirty="0"/>
               <a:t>”</a:t>
             </a:r>
+          </a:p>
+          <a:p>
             <a:endParaRPr lang="en-US" dirty="0"/>
           </a:p>
-          <a:p>
-            <a:endParaRPr lang="en-US" dirty="0"/>
-          </a:p>
         </p:txBody>
       </p:sp>
       <p:sp>
@@ -4172,10 +4113,9 @@
           <a:lstStyle/>
           <a:p>
             <a:r>
-              <a:rPr lang="en-US" smtClean="0"/>
+              <a:rPr lang="en-US"/>
               <a:t>Developed by TEALS in 2015  www.tealsk12.org</a:t>
             </a:r>
-            <a:endParaRPr lang="en-US"/>
           </a:p>
         </p:txBody>
       </p:sp>
@@ -4227,22 +4167,17 @@
           <a:lstStyle/>
           <a:p>
             <a:r>
-              <a:rPr lang="en-US" b="1" dirty="0" smtClean="0"/>
+              <a:rPr lang="en-US" b="1" dirty="0"/>
               <a:t>Lesson 5.2 </a:t>
             </a:r>
             <a:r>
-              <a:rPr lang="en-US" dirty="0" smtClean="0">
+              <a:rPr lang="en-US" dirty="0">
                 <a:solidFill>
                   <a:srgbClr val="17B1AA"/>
                 </a:solidFill>
               </a:rPr>
               <a:t>Object State &amp; Behavior</a:t>
             </a:r>
-            <a:endParaRPr lang="en-US" dirty="0">
-              <a:solidFill>
-                <a:srgbClr val="17B1AA"/>
-              </a:solidFill>
-            </a:endParaRPr>
           </a:p>
         </p:txBody>
       </p:sp>
@@ -4271,31 +4206,26 @@
               </a:rPr>
               <a:t>Objectives </a:t>
             </a:r>
-            <a:endParaRPr lang="en-US" dirty="0" smtClean="0">
-              <a:solidFill>
-                <a:srgbClr val="17B1AA"/>
-              </a:solidFill>
-            </a:endParaRPr>
           </a:p>
           <a:p>
             <a:pPr lvl="1"/>
             <a:r>
-              <a:rPr lang="en-US" b="1" dirty="0" smtClean="0"/>
+              <a:rPr lang="en-US" b="1" dirty="0"/>
               <a:t>Describe</a:t>
             </a:r>
             <a:r>
-              <a:rPr lang="en-US" dirty="0" smtClean="0"/>
+              <a:rPr lang="en-US" dirty="0"/>
               <a:t> classes, objects, and client code.</a:t>
             </a:r>
           </a:p>
           <a:p>
             <a:pPr lvl="1"/>
             <a:r>
-              <a:rPr lang="en-US" b="1" dirty="0" smtClean="0"/>
+              <a:rPr lang="en-US" b="1" dirty="0"/>
               <a:t>Predict</a:t>
             </a:r>
             <a:r>
-              <a:rPr lang="en-US" dirty="0" smtClean="0"/>
+              <a:rPr lang="en-US" dirty="0"/>
               <a:t> the output of the code that uses objects.</a:t>
             </a:r>
             <a:endParaRPr lang="en-US" b="1" dirty="0"/>
@@ -4315,11 +4245,6 @@
               </a:rPr>
               <a:t>Assessments </a:t>
             </a:r>
-            <a:endParaRPr lang="en-US" dirty="0" smtClean="0">
-              <a:solidFill>
-                <a:srgbClr val="17B1AA"/>
-              </a:solidFill>
-            </a:endParaRPr>
           </a:p>
           <a:p>
             <a:pPr lvl="1"/>
@@ -4329,13 +4254,8 @@
             </a:r>
             <a:r>
               <a:rPr lang="en-US" dirty="0"/>
-              <a:t> </a:t>
-            </a:r>
-            <a:r>
-              <a:rPr lang="en-US" dirty="0" smtClean="0"/>
-              <a:t>WS 5.2</a:t>
-            </a:r>
-            <a:endParaRPr lang="en-US" dirty="0"/>
+              <a:t> WS 5.2</a:t>
+            </a:r>
           </a:p>
           <a:p>
             <a:pPr lvl="1"/>
@@ -4350,11 +4270,6 @@
               </a:rPr>
               <a:t>Homework </a:t>
             </a:r>
-            <a:endParaRPr lang="en-US" dirty="0" smtClean="0">
-              <a:solidFill>
-                <a:srgbClr val="17B1AA"/>
-              </a:solidFill>
-            </a:endParaRPr>
           </a:p>
           <a:p>
             <a:pPr lvl="1"/>
@@ -4364,21 +4279,8 @@
             </a:r>
             <a:r>
               <a:rPr lang="en-US" dirty="0"/>
-              <a:t> HW </a:t>
-            </a:r>
-            <a:r>
-              <a:rPr lang="en-US" dirty="0" smtClean="0"/>
-              <a:t>8.3 up </a:t>
-            </a:r>
-            <a:r>
-              <a:rPr lang="en-US" dirty="0"/>
-              <a:t>to </a:t>
-            </a:r>
-            <a:r>
-              <a:rPr lang="en-US" dirty="0" smtClean="0"/>
-              <a:t>“The Keyword this”</a:t>
-            </a:r>
-            <a:endParaRPr lang="en-US" dirty="0"/>
+              <a:t> HW 8.3 up to “The Keyword this”</a:t>
+            </a:r>
           </a:p>
           <a:p>
             <a:pPr lvl="1"/>
@@ -4388,17 +4290,12 @@
             </a:r>
             <a:r>
               <a:rPr lang="en-US" dirty="0"/>
-              <a:t> self-check questions </a:t>
-            </a:r>
-            <a:r>
-              <a:rPr lang="en-US" dirty="0" smtClean="0"/>
-              <a:t>#9-11, 13-16</a:t>
-            </a:r>
+              <a:t> self-check questions #9-11, 13-16</a:t>
+            </a:r>
+          </a:p>
+          <a:p>
             <a:endParaRPr lang="en-US" dirty="0"/>
           </a:p>
-          <a:p>
-            <a:endParaRPr lang="en-US" dirty="0"/>
-          </a:p>
         </p:txBody>
       </p:sp>
       <p:sp>
@@ -4417,10 +4314,9 @@
           <a:lstStyle/>
           <a:p>
             <a:r>
-              <a:rPr lang="en-US" smtClean="0"/>
+              <a:rPr lang="en-US"/>
               <a:t>Developed by TEALS in 2015  www.tealsk12.org</a:t>
             </a:r>
-            <a:endParaRPr lang="en-US"/>
           </a:p>
         </p:txBody>
       </p:sp>
@@ -4472,26 +4368,17 @@
           <a:lstStyle/>
           <a:p>
             <a:r>
-              <a:rPr lang="en-US" b="1" dirty="0" smtClean="0"/>
-              <a:t>Lesson </a:t>
-            </a:r>
-            <a:r>
-              <a:rPr lang="en-US" b="1" dirty="0" smtClean="0"/>
-              <a:t>5.3 </a:t>
-            </a:r>
-            <a:r>
-              <a:rPr lang="en-US" dirty="0" smtClean="0">
+              <a:rPr lang="en-US" b="1" dirty="0"/>
+              <a:t>Lesson 5.3 </a:t>
+            </a:r>
+            <a:r>
+              <a:rPr lang="en-US" dirty="0">
                 <a:solidFill>
                   <a:srgbClr val="17B1AA"/>
                 </a:solidFill>
               </a:rPr>
               <a:t>Object-Oriented Programming</a:t>
             </a:r>
-            <a:endParaRPr lang="en-US" dirty="0">
-              <a:solidFill>
-                <a:srgbClr val="17B1AA"/>
-              </a:solidFill>
-            </a:endParaRPr>
           </a:p>
         </p:txBody>
       </p:sp>
@@ -4520,31 +4407,26 @@
               </a:rPr>
               <a:t>Objectives </a:t>
             </a:r>
-            <a:endParaRPr lang="en-US" dirty="0" smtClean="0">
-              <a:solidFill>
-                <a:srgbClr val="17B1AA"/>
-              </a:solidFill>
-            </a:endParaRPr>
           </a:p>
           <a:p>
             <a:pPr lvl="1"/>
             <a:r>
-              <a:rPr lang="en-US" b="1" dirty="0" smtClean="0"/>
+              <a:rPr lang="en-US" b="1" dirty="0"/>
               <a:t>Describe and create</a:t>
             </a:r>
             <a:r>
-              <a:rPr lang="en-US" dirty="0" smtClean="0"/>
+              <a:rPr lang="en-US" dirty="0"/>
               <a:t> classes, objects, and client code.</a:t>
             </a:r>
           </a:p>
           <a:p>
             <a:pPr lvl="1"/>
             <a:r>
-              <a:rPr lang="en-US" b="1" dirty="0" smtClean="0"/>
+              <a:rPr lang="en-US" b="1" dirty="0"/>
               <a:t>Predict</a:t>
             </a:r>
             <a:r>
-              <a:rPr lang="en-US" dirty="0" smtClean="0"/>
+              <a:rPr lang="en-US" dirty="0"/>
               <a:t> the output of the code that uses objects.</a:t>
             </a:r>
             <a:endParaRPr lang="en-US" b="1" dirty="0"/>
@@ -4564,23 +4446,21 @@
               </a:rPr>
               <a:t>Assessments </a:t>
             </a:r>
-            <a:endParaRPr lang="en-US" dirty="0" smtClean="0">
-              <a:solidFill>
-                <a:srgbClr val="17B1AA"/>
-              </a:solidFill>
-            </a:endParaRPr>
           </a:p>
           <a:p>
             <a:pPr lvl="1"/>
             <a:r>
-              <a:rPr lang="en-US" b="1" dirty="0" smtClean="0"/>
+              <a:rPr lang="en-US" b="1"/>
               <a:t>Complete</a:t>
             </a:r>
             <a:r>
-              <a:rPr lang="en-US" dirty="0" smtClean="0"/>
-              <a:t> Practice-It questions</a:t>
-            </a:r>
-            <a:endParaRPr lang="en-US" dirty="0"/>
+              <a:rPr lang="en-US"/>
+              <a:t> Practice </a:t>
+            </a:r>
+            <a:r>
+              <a:rPr lang="en-US" dirty="0"/>
+              <a:t>questions</a:t>
+            </a:r>
           </a:p>
           <a:p>
             <a:pPr marL="0" indent="0">
@@ -4597,27 +4477,21 @@
               </a:rPr>
               <a:t>Homework </a:t>
             </a:r>
-            <a:endParaRPr lang="en-US" dirty="0" smtClean="0">
-              <a:solidFill>
-                <a:srgbClr val="17B1AA"/>
-              </a:solidFill>
-            </a:endParaRPr>
           </a:p>
           <a:p>
             <a:pPr lvl="1"/>
             <a:r>
-              <a:rPr lang="en-US" b="1" dirty="0" smtClean="0"/>
+              <a:rPr lang="en-US" b="1" dirty="0"/>
               <a:t>Read</a:t>
             </a:r>
             <a:r>
-              <a:rPr lang="en-US" dirty="0" smtClean="0"/>
+              <a:rPr lang="en-US" dirty="0"/>
               <a:t> HW 8.4</a:t>
             </a:r>
+          </a:p>
+          <a:p>
             <a:endParaRPr lang="en-US" dirty="0"/>
           </a:p>
-          <a:p>
-            <a:endParaRPr lang="en-US" dirty="0"/>
-          </a:p>
         </p:txBody>
       </p:sp>
       <p:sp>
@@ -4636,10 +4510,9 @@
           <a:lstStyle/>
           <a:p>
             <a:r>
-              <a:rPr lang="en-US" smtClean="0"/>
+              <a:rPr lang="en-US"/>
               <a:t>Developed by TEALS in 2015  www.tealsk12.org</a:t>
             </a:r>
-            <a:endParaRPr lang="en-US"/>
           </a:p>
         </p:txBody>
       </p:sp>
@@ -4691,26 +4564,17 @@
           <a:lstStyle/>
           <a:p>
             <a:r>
-              <a:rPr lang="en-US" b="1" dirty="0" smtClean="0"/>
-              <a:t>Lesson </a:t>
-            </a:r>
-            <a:r>
-              <a:rPr lang="en-US" b="1" dirty="0" smtClean="0"/>
-              <a:t>5.4 </a:t>
-            </a:r>
-            <a:r>
-              <a:rPr lang="en-US" dirty="0" smtClean="0">
+              <a:rPr lang="en-US" b="1" dirty="0"/>
+              <a:t>Lesson 5.4 </a:t>
+            </a:r>
+            <a:r>
+              <a:rPr lang="en-US" dirty="0">
                 <a:solidFill>
                   <a:srgbClr val="17B1AA"/>
                 </a:solidFill>
               </a:rPr>
               <a:t>Encapsulation</a:t>
             </a:r>
-            <a:endParaRPr lang="en-US" dirty="0">
-              <a:solidFill>
-                <a:srgbClr val="17B1AA"/>
-              </a:solidFill>
-            </a:endParaRPr>
           </a:p>
         </p:txBody>
       </p:sp>
@@ -4739,20 +4603,15 @@
               </a:rPr>
               <a:t>Objectives </a:t>
             </a:r>
-            <a:endParaRPr lang="en-US" dirty="0" smtClean="0">
-              <a:solidFill>
-                <a:srgbClr val="17B1AA"/>
-              </a:solidFill>
-            </a:endParaRPr>
           </a:p>
           <a:p>
             <a:pPr lvl="1"/>
             <a:r>
-              <a:rPr lang="en-US" b="1" dirty="0" smtClean="0"/>
+              <a:rPr lang="en-US" b="1" dirty="0"/>
               <a:t>Manipulate</a:t>
             </a:r>
             <a:r>
-              <a:rPr lang="en-US" dirty="0" smtClean="0"/>
+              <a:rPr lang="en-US" dirty="0"/>
               <a:t> single-dimension arrays using a variety of array transversal algorithms.</a:t>
             </a:r>
             <a:endParaRPr lang="en-US" b="1" dirty="0"/>
@@ -4772,31 +4631,26 @@
               </a:rPr>
               <a:t>Assessments </a:t>
             </a:r>
-            <a:endParaRPr lang="en-US" dirty="0" smtClean="0">
-              <a:solidFill>
-                <a:srgbClr val="17B1AA"/>
-              </a:solidFill>
-            </a:endParaRPr>
           </a:p>
           <a:p>
             <a:pPr lvl="1"/>
             <a:r>
-              <a:rPr lang="en-US" b="1" dirty="0" smtClean="0"/>
+              <a:rPr lang="en-US" b="1" dirty="0"/>
               <a:t>Teach</a:t>
             </a:r>
             <a:r>
-              <a:rPr lang="en-US" dirty="0" smtClean="0"/>
+              <a:rPr lang="en-US" dirty="0"/>
               <a:t> a mini-lesson on printing, searching/replacing, testing for equality, reversing an array, or string traversal.</a:t>
             </a:r>
           </a:p>
           <a:p>
             <a:pPr lvl="1"/>
             <a:r>
-              <a:rPr lang="en-US" b="1" dirty="0" smtClean="0"/>
+              <a:rPr lang="en-US" b="1" dirty="0"/>
               <a:t>Complete</a:t>
             </a:r>
             <a:r>
-              <a:rPr lang="en-US" dirty="0" smtClean="0"/>
+              <a:rPr lang="en-US" dirty="0"/>
               <a:t> a quiz at the end of Day 2</a:t>
             </a:r>
             <a:endParaRPr lang="en-US" b="1" dirty="0"/>
@@ -4816,27 +4670,21 @@
               </a:rPr>
               <a:t>Homework </a:t>
             </a:r>
-            <a:endParaRPr lang="en-US" dirty="0" smtClean="0">
-              <a:solidFill>
-                <a:srgbClr val="17B1AA"/>
-              </a:solidFill>
-            </a:endParaRPr>
           </a:p>
           <a:p>
             <a:pPr lvl="1"/>
             <a:r>
-              <a:rPr lang="en-US" b="1" dirty="0" smtClean="0"/>
+              <a:rPr lang="en-US" b="1" dirty="0"/>
               <a:t>Complete</a:t>
             </a:r>
             <a:r>
-              <a:rPr lang="en-US" dirty="0" smtClean="0"/>
+              <a:rPr lang="en-US" dirty="0"/>
               <a:t> self-check questions #22-28</a:t>
             </a:r>
+          </a:p>
+          <a:p>
             <a:endParaRPr lang="en-US" dirty="0"/>
           </a:p>
-          <a:p>
-            <a:endParaRPr lang="en-US" dirty="0"/>
-          </a:p>
         </p:txBody>
       </p:sp>
       <p:sp>
@@ -4855,10 +4703,9 @@
           <a:lstStyle/>
           <a:p>
             <a:r>
-              <a:rPr lang="en-US" smtClean="0"/>
+              <a:rPr lang="en-US"/>
               <a:t>Developed by TEALS in 2015  www.tealsk12.org</a:t>
             </a:r>
-            <a:endParaRPr lang="en-US"/>
           </a:p>
         </p:txBody>
       </p:sp>
@@ -4910,26 +4757,17 @@
           <a:lstStyle/>
           <a:p>
             <a:r>
-              <a:rPr lang="en-US" b="1" dirty="0" smtClean="0"/>
-              <a:t>Lesson </a:t>
-            </a:r>
-            <a:r>
-              <a:rPr lang="en-US" b="1" dirty="0" smtClean="0"/>
-              <a:t>5.5 </a:t>
-            </a:r>
-            <a:r>
-              <a:rPr lang="en-US" dirty="0" smtClean="0">
+              <a:rPr lang="en-US" b="1" dirty="0"/>
+              <a:t>Lesson 5.5 </a:t>
+            </a:r>
+            <a:r>
+              <a:rPr lang="en-US" dirty="0">
                 <a:solidFill>
                   <a:srgbClr val="17B1AA"/>
                 </a:solidFill>
               </a:rPr>
               <a:t>Finding and Fixing Errors</a:t>
             </a:r>
-            <a:endParaRPr lang="en-US" dirty="0">
-              <a:solidFill>
-                <a:srgbClr val="17B1AA"/>
-              </a:solidFill>
-            </a:endParaRPr>
           </a:p>
         </p:txBody>
       </p:sp>
@@ -4958,31 +4796,26 @@
               </a:rPr>
               <a:t>Objectives </a:t>
             </a:r>
-            <a:endParaRPr lang="en-US" dirty="0" smtClean="0">
-              <a:solidFill>
-                <a:srgbClr val="17B1AA"/>
-              </a:solidFill>
-            </a:endParaRPr>
           </a:p>
           <a:p>
             <a:pPr lvl="1"/>
             <a:r>
-              <a:rPr lang="en-US" b="1" dirty="0" smtClean="0"/>
+              <a:rPr lang="en-US" b="1" dirty="0"/>
               <a:t>Find</a:t>
             </a:r>
             <a:r>
-              <a:rPr lang="en-US" dirty="0" smtClean="0"/>
+              <a:rPr lang="en-US" dirty="0"/>
               <a:t> errors in returned homework assignments.</a:t>
             </a:r>
           </a:p>
           <a:p>
             <a:pPr lvl="1"/>
             <a:r>
-              <a:rPr lang="en-US" b="1" dirty="0" smtClean="0"/>
+              <a:rPr lang="en-US" b="1" dirty="0"/>
               <a:t>Correct</a:t>
             </a:r>
             <a:r>
-              <a:rPr lang="en-US" dirty="0" smtClean="0"/>
+              <a:rPr lang="en-US" dirty="0"/>
               <a:t> code,</a:t>
             </a:r>
             <a:endParaRPr lang="en-US" b="1" dirty="0"/>
@@ -5002,23 +4835,17 @@
               </a:rPr>
               <a:t>Assessments </a:t>
             </a:r>
-            <a:endParaRPr lang="en-US" dirty="0" smtClean="0">
-              <a:solidFill>
-                <a:srgbClr val="17B1AA"/>
-              </a:solidFill>
-            </a:endParaRPr>
           </a:p>
           <a:p>
             <a:pPr lvl="1"/>
             <a:r>
-              <a:rPr lang="en-US" b="1" dirty="0" smtClean="0"/>
+              <a:rPr lang="en-US" b="1" dirty="0"/>
               <a:t>Re-submit</a:t>
             </a:r>
             <a:r>
-              <a:rPr lang="en-US" dirty="0" smtClean="0"/>
+              <a:rPr lang="en-US" dirty="0"/>
               <a:t> all homework assignments with corrected answers</a:t>
             </a:r>
-            <a:endParaRPr lang="en-US" dirty="0"/>
           </a:p>
           <a:p>
             <a:pPr marL="0" indent="0">
@@ -5035,23 +4862,17 @@
               </a:rPr>
               <a:t>Homework </a:t>
             </a:r>
-            <a:endParaRPr lang="en-US" dirty="0" smtClean="0">
-              <a:solidFill>
-                <a:srgbClr val="17B1AA"/>
-              </a:solidFill>
-            </a:endParaRPr>
           </a:p>
           <a:p>
             <a:pPr lvl="1"/>
             <a:r>
-              <a:rPr lang="en-US" b="1" dirty="0" smtClean="0"/>
+              <a:rPr lang="en-US" b="1" dirty="0"/>
               <a:t>Submit</a:t>
             </a:r>
             <a:r>
-              <a:rPr lang="en-US" dirty="0" smtClean="0"/>
+              <a:rPr lang="en-US" dirty="0"/>
               <a:t> questions for review</a:t>
             </a:r>
-            <a:endParaRPr lang="en-US" dirty="0"/>
           </a:p>
           <a:p>
             <a:pPr lvl="1"/>
@@ -5075,10 +4896,9 @@
           <a:lstStyle/>
           <a:p>
             <a:r>
-              <a:rPr lang="en-US" smtClean="0"/>
+              <a:rPr lang="en-US"/>
               <a:t>Developed by TEALS in 2015  www.tealsk12.org</a:t>
             </a:r>
-            <a:endParaRPr lang="en-US"/>
           </a:p>
         </p:txBody>
       </p:sp>
@@ -5128,30 +4948,17 @@
           <a:lstStyle/>
           <a:p>
             <a:r>
-              <a:rPr lang="en-US" b="1" dirty="0" smtClean="0"/>
-              <a:t>Lesson </a:t>
-            </a:r>
-            <a:r>
-              <a:rPr lang="en-US" b="1" dirty="0" smtClean="0"/>
-              <a:t>5.6</a:t>
-            </a:r>
-            <a:r>
-              <a:rPr lang="en-US" b="1" dirty="0" smtClean="0"/>
-              <a:t> </a:t>
-            </a:r>
-            <a:r>
-              <a:rPr lang="en-US" dirty="0" smtClean="0">
+              <a:rPr lang="en-US" b="1" dirty="0"/>
+              <a:t>Lesson 5.6 </a:t>
+            </a:r>
+            <a:r>
+              <a:rPr lang="en-US" dirty="0">
                 <a:solidFill>
                   <a:srgbClr val="17B1AA"/>
                 </a:solidFill>
               </a:rPr>
               <a:t>Picture Lab</a:t>
             </a:r>
-            <a:endParaRPr lang="en-US" dirty="0">
-              <a:solidFill>
-                <a:srgbClr val="17B1AA"/>
-              </a:solidFill>
-            </a:endParaRPr>
           </a:p>
         </p:txBody>
       </p:sp>
@@ -5180,31 +4987,25 @@
               </a:rPr>
               <a:t>Objectives </a:t>
             </a:r>
-            <a:endParaRPr lang="en-US" dirty="0" smtClean="0">
-              <a:solidFill>
-                <a:srgbClr val="17B1AA"/>
-              </a:solidFill>
-            </a:endParaRPr>
           </a:p>
           <a:p>
             <a:pPr lvl="1"/>
             <a:r>
-              <a:rPr lang="en-US" b="1" dirty="0" smtClean="0"/>
+              <a:rPr lang="en-US" b="1" dirty="0"/>
               <a:t>Complete</a:t>
             </a:r>
             <a:r>
-              <a:rPr lang="en-US" dirty="0" smtClean="0"/>
+              <a:rPr lang="en-US" dirty="0"/>
               <a:t> a long-form lab, using two-dimensional arrays of objects, array </a:t>
             </a:r>
             <a:r>
-              <a:rPr lang="en-US" dirty="0" err="1" smtClean="0"/>
+              <a:rPr lang="en-US" dirty="0" err="1"/>
               <a:t>transversing</a:t>
             </a:r>
             <a:r>
-              <a:rPr lang="en-US" dirty="0" smtClean="0"/>
+              <a:rPr lang="en-US" dirty="0"/>
               <a:t> algorithms, program analysis, binary numbers, inheritance, and interfaces.</a:t>
             </a:r>
-            <a:endParaRPr lang="en-US" dirty="0"/>
           </a:p>
           <a:p>
             <a:pPr marL="0" indent="0">
@@ -5221,23 +5022,17 @@
               </a:rPr>
               <a:t>Assessments </a:t>
             </a:r>
-            <a:endParaRPr lang="en-US" dirty="0" smtClean="0">
-              <a:solidFill>
-                <a:srgbClr val="17B1AA"/>
-              </a:solidFill>
-            </a:endParaRPr>
           </a:p>
           <a:p>
             <a:pPr lvl="1"/>
             <a:r>
-              <a:rPr lang="en-US" b="1" dirty="0" smtClean="0"/>
+              <a:rPr lang="en-US" b="1" dirty="0"/>
               <a:t>Complete</a:t>
             </a:r>
             <a:r>
-              <a:rPr lang="en-US" dirty="0" smtClean="0"/>
+              <a:rPr lang="en-US" dirty="0"/>
               <a:t> lab.</a:t>
             </a:r>
-            <a:endParaRPr lang="en-US" dirty="0"/>
           </a:p>
           <a:p>
             <a:pPr marL="0" indent="0">
@@ -5254,27 +5049,21 @@
               </a:rPr>
               <a:t>Homework </a:t>
             </a:r>
-            <a:endParaRPr lang="en-US" dirty="0" smtClean="0">
-              <a:solidFill>
-                <a:srgbClr val="17B1AA"/>
-              </a:solidFill>
-            </a:endParaRPr>
           </a:p>
           <a:p>
             <a:pPr lvl="1"/>
             <a:r>
-              <a:rPr lang="en-US" b="1" dirty="0" smtClean="0"/>
+              <a:rPr lang="en-US" b="1" dirty="0"/>
               <a:t>Complete</a:t>
             </a:r>
             <a:r>
-              <a:rPr lang="en-US" dirty="0" smtClean="0"/>
+              <a:rPr lang="en-US" dirty="0"/>
               <a:t> lab.</a:t>
             </a:r>
+          </a:p>
+          <a:p>
             <a:endParaRPr lang="en-US" dirty="0"/>
           </a:p>
-          <a:p>
-            <a:endParaRPr lang="en-US" dirty="0"/>
-          </a:p>
         </p:txBody>
       </p:sp>
       <p:sp>
@@ -5293,10 +5082,9 @@
           <a:lstStyle/>
           <a:p>
             <a:r>
-              <a:rPr lang="en-US" smtClean="0"/>
+              <a:rPr lang="en-US"/>
               <a:t>Developed by TEALS in 2015  www.tealsk12.org</a:t>
             </a:r>
-            <a:endParaRPr lang="en-US"/>
           </a:p>
         </p:txBody>
       </p:sp>
@@ -5346,30 +5134,17 @@
           <a:lstStyle/>
           <a:p>
             <a:r>
-              <a:rPr lang="en-US" b="1" dirty="0" smtClean="0"/>
-              <a:t>Lesson </a:t>
-            </a:r>
-            <a:r>
-              <a:rPr lang="en-US" b="1" dirty="0" smtClean="0"/>
-              <a:t>5.7</a:t>
-            </a:r>
-            <a:r>
-              <a:rPr lang="en-US" b="1" dirty="0" smtClean="0"/>
-              <a:t> </a:t>
-            </a:r>
-            <a:r>
-              <a:rPr lang="en-US" dirty="0" smtClean="0">
+              <a:rPr lang="en-US" b="1" dirty="0"/>
+              <a:t>Lesson 5.7 </a:t>
+            </a:r>
+            <a:r>
+              <a:rPr lang="en-US" dirty="0">
                 <a:solidFill>
                   <a:srgbClr val="17B1AA"/>
                 </a:solidFill>
               </a:rPr>
               <a:t>Review</a:t>
             </a:r>
-            <a:endParaRPr lang="en-US" dirty="0">
-              <a:solidFill>
-                <a:srgbClr val="17B1AA"/>
-              </a:solidFill>
-            </a:endParaRPr>
           </a:p>
         </p:txBody>
       </p:sp>
@@ -5398,23 +5173,17 @@
               </a:rPr>
               <a:t>Objectives </a:t>
             </a:r>
-            <a:endParaRPr lang="en-US" dirty="0" smtClean="0">
-              <a:solidFill>
-                <a:srgbClr val="17B1AA"/>
-              </a:solidFill>
-            </a:endParaRPr>
           </a:p>
           <a:p>
             <a:pPr lvl="1"/>
             <a:r>
-              <a:rPr lang="en-US" b="1" dirty="0" smtClean="0"/>
+              <a:rPr lang="en-US" b="1" dirty="0"/>
               <a:t>Identify</a:t>
             </a:r>
             <a:r>
-              <a:rPr lang="en-US" dirty="0" smtClean="0"/>
+              <a:rPr lang="en-US" dirty="0"/>
               <a:t> weaknesses in Unit 5 knowledge</a:t>
             </a:r>
-            <a:endParaRPr lang="en-US" dirty="0"/>
           </a:p>
           <a:p>
             <a:pPr marL="0" indent="0">
@@ -5431,23 +5200,17 @@
               </a:rPr>
               <a:t>Assessments </a:t>
             </a:r>
-            <a:endParaRPr lang="en-US" dirty="0" smtClean="0">
-              <a:solidFill>
-                <a:srgbClr val="17B1AA"/>
-              </a:solidFill>
-            </a:endParaRPr>
           </a:p>
           <a:p>
             <a:pPr lvl="1"/>
             <a:r>
-              <a:rPr lang="en-US" b="1" dirty="0" smtClean="0"/>
+              <a:rPr lang="en-US" b="1" dirty="0"/>
               <a:t>Create</a:t>
             </a:r>
             <a:r>
-              <a:rPr lang="en-US" dirty="0" smtClean="0"/>
+              <a:rPr lang="en-US" dirty="0"/>
               <a:t> a personalized list of review topics to guide tonight’s study session.</a:t>
             </a:r>
-            <a:endParaRPr lang="en-US" dirty="0"/>
           </a:p>
           <a:p>
             <a:pPr marL="0" indent="0">
@@ -5464,24 +5227,19 @@
               </a:rPr>
               <a:t>Homework </a:t>
             </a:r>
-            <a:endParaRPr lang="en-US" dirty="0" smtClean="0">
-              <a:solidFill>
-                <a:srgbClr val="17B1AA"/>
-              </a:solidFill>
-            </a:endParaRPr>
           </a:p>
           <a:p>
             <a:pPr lvl="1"/>
             <a:r>
-              <a:rPr lang="en-US" b="1" dirty="0" smtClean="0"/>
+              <a:rPr lang="en-US" b="1" dirty="0"/>
               <a:t>Study</a:t>
             </a:r>
             <a:r>
-              <a:rPr lang="en-US" dirty="0" smtClean="0"/>
+              <a:rPr lang="en-US" dirty="0"/>
               <a:t> </a:t>
             </a:r>
             <a:r>
-              <a:rPr lang="en-US" smtClean="0"/>
+              <a:rPr lang="en-US"/>
               <a:t>for test.</a:t>
             </a:r>
             <a:endParaRPr lang="en-US" dirty="0"/>
@@ -5507,10 +5265,9 @@
           <a:lstStyle/>
           <a:p>
             <a:r>
-              <a:rPr lang="en-US" smtClean="0"/>
+              <a:rPr lang="en-US"/>
               <a:t>Developed by TEALS in 2015  www.tealsk12.org</a:t>
             </a:r>
-            <a:endParaRPr lang="en-US"/>
           </a:p>
         </p:txBody>
       </p:sp>
@@ -6488,12 +6245,9 @@
 </file>
 
 <file path=customXml/item1.xml><?xml version="1.0" encoding="utf-8"?>
-<?mso-contentType ?>
-<FormTemplates xmlns="http://schemas.microsoft.com/sharepoint/v3/contenttype/forms">
-  <Display>DocumentLibraryForm</Display>
-  <Edit>DocumentLibraryForm</Edit>
-  <New>DocumentLibraryForm</New>
-</FormTemplates>
+<p:properties xmlns:p="http://schemas.microsoft.com/office/2006/metadata/properties" xmlns:xsi="http://www.w3.org/2001/XMLSchema-instance" xmlns:pc="http://schemas.microsoft.com/office/infopath/2007/PartnerControls">
+  <documentManagement/>
+</p:properties>
 </file>
 
 <file path=customXml/item2.xml><?xml version="1.0" encoding="utf-8"?>
@@ -6714,19 +6468,46 @@
 </file>
 
 <file path=customXml/item3.xml><?xml version="1.0" encoding="utf-8"?>
-<p:properties xmlns:p="http://schemas.microsoft.com/office/2006/metadata/properties" xmlns:xsi="http://www.w3.org/2001/XMLSchema-instance" xmlns:pc="http://schemas.microsoft.com/office/infopath/2007/PartnerControls">
-  <documentManagement/>
-</p:properties>
+<?mso-contentType ?>
+<FormTemplates xmlns="http://schemas.microsoft.com/sharepoint/v3/contenttype/forms">
+  <Display>DocumentLibraryForm</Display>
+  <Edit>DocumentLibraryForm</Edit>
+  <New>DocumentLibraryForm</New>
+</FormTemplates>
 </file>
 
 <file path=customXml/itemProps1.xml><?xml version="1.0" encoding="utf-8"?>
-<ds:datastoreItem xmlns:ds="http://schemas.openxmlformats.org/officeDocument/2006/customXml" ds:itemID="{9FA38C65-94B9-42A0-9F25-559A3E9E93B1}"/>
+<ds:datastoreItem xmlns:ds="http://schemas.openxmlformats.org/officeDocument/2006/customXml" ds:itemID="{AA71BE28-A95D-47E3-9ED6-D1A83C640CB9}">
+  <ds:schemaRefs>
+    <ds:schemaRef ds:uri="http://schemas.microsoft.com/office/2006/metadata/properties"/>
+    <ds:schemaRef ds:uri="http://schemas.microsoft.com/office/infopath/2007/PartnerControls"/>
+  </ds:schemaRefs>
+</ds:datastoreItem>
 </file>
 
 <file path=customXml/itemProps2.xml><?xml version="1.0" encoding="utf-8"?>
-<ds:datastoreItem xmlns:ds="http://schemas.openxmlformats.org/officeDocument/2006/customXml" ds:itemID="{25803CD8-0CA1-40F1-9E5B-CE5355F18FC9}"/>
+<ds:datastoreItem xmlns:ds="http://schemas.openxmlformats.org/officeDocument/2006/customXml" ds:itemID="{25803CD8-0CA1-40F1-9E5B-CE5355F18FC9}">
+  <ds:schemaRefs>
+    <ds:schemaRef ds:uri="http://schemas.microsoft.com/office/2006/metadata/contentType"/>
+    <ds:schemaRef ds:uri="http://schemas.microsoft.com/office/2006/metadata/properties/metaAttributes"/>
+    <ds:schemaRef ds:uri="http://www.w3.org/2001/XMLSchema"/>
+    <ds:schemaRef ds:uri="http://schemas.microsoft.com/office/2006/metadata/properties"/>
+    <ds:schemaRef ds:uri="be898649-fe57-4b08-9fd4-31fc752880e3"/>
+    <ds:schemaRef ds:uri="6f430b7c-f2e9-4385-9cb2-4dd06cc2317e"/>
+    <ds:schemaRef ds:uri="http://schemas.microsoft.com/office/2006/documentManagement/types"/>
+    <ds:schemaRef ds:uri="http://schemas.microsoft.com/office/infopath/2007/PartnerControls"/>
+    <ds:schemaRef ds:uri="http://schemas.openxmlformats.org/package/2006/metadata/core-properties"/>
+    <ds:schemaRef ds:uri="http://purl.org/dc/elements/1.1/"/>
+    <ds:schemaRef ds:uri="http://purl.org/dc/terms/"/>
+    <ds:schemaRef ds:uri="http://schemas.microsoft.com/internal/obd"/>
+  </ds:schemaRefs>
+</ds:datastoreItem>
 </file>
 
 <file path=customXml/itemProps3.xml><?xml version="1.0" encoding="utf-8"?>
-<ds:datastoreItem xmlns:ds="http://schemas.openxmlformats.org/officeDocument/2006/customXml" ds:itemID="{AA71BE28-A95D-47E3-9ED6-D1A83C640CB9}"/>
+<ds:datastoreItem xmlns:ds="http://schemas.openxmlformats.org/officeDocument/2006/customXml" ds:itemID="{9FA38C65-94B9-42A0-9F25-559A3E9E93B1}">
+  <ds:schemaRefs>
+    <ds:schemaRef ds:uri="http://schemas.microsoft.com/sharepoint/v3/contenttype/forms"/>
+  </ds:schemaRefs>
+</ds:datastoreItem>
 </file>